--- a/catalogue/rdbms_classes.pptx
+++ b/catalogue/rdbms_classes.pptx
@@ -105,6 +105,11 @@
       </a:defRPr>
     </a:lvl9pPr>
   </p:defaultTextStyle>
+  <p:extLst>
+    <p:ext uri="{EFAFB233-063F-42B5-8137-9DF3F51BA10A}">
+      <p15:sldGuideLst xmlns:p15="http://schemas.microsoft.com/office/powerpoint/2012/main"/>
+    </p:ext>
+  </p:extLst>
 </p:presentation>
 </file>
 
@@ -239,7 +244,7 @@
           <a:p>
             <a:fld id="{A324B053-0AC1-C047-A94D-AE791A5219A0}" type="datetimeFigureOut">
               <a:rPr lang="en-US" smtClean="0"/>
-              <a:t>10/31/18</a:t>
+              <a:t>11/1/18</a:t>
             </a:fld>
             <a:endParaRPr lang="en-US"/>
           </a:p>
@@ -409,7 +414,7 @@
           <a:p>
             <a:fld id="{A324B053-0AC1-C047-A94D-AE791A5219A0}" type="datetimeFigureOut">
               <a:rPr lang="en-US" smtClean="0"/>
-              <a:t>10/31/18</a:t>
+              <a:t>11/1/18</a:t>
             </a:fld>
             <a:endParaRPr lang="en-US"/>
           </a:p>
@@ -589,7 +594,7 @@
           <a:p>
             <a:fld id="{A324B053-0AC1-C047-A94D-AE791A5219A0}" type="datetimeFigureOut">
               <a:rPr lang="en-US" smtClean="0"/>
-              <a:t>10/31/18</a:t>
+              <a:t>11/1/18</a:t>
             </a:fld>
             <a:endParaRPr lang="en-US"/>
           </a:p>
@@ -759,7 +764,7 @@
           <a:p>
             <a:fld id="{A324B053-0AC1-C047-A94D-AE791A5219A0}" type="datetimeFigureOut">
               <a:rPr lang="en-US" smtClean="0"/>
-              <a:t>10/31/18</a:t>
+              <a:t>11/1/18</a:t>
             </a:fld>
             <a:endParaRPr lang="en-US"/>
           </a:p>
@@ -1005,7 +1010,7 @@
           <a:p>
             <a:fld id="{A324B053-0AC1-C047-A94D-AE791A5219A0}" type="datetimeFigureOut">
               <a:rPr lang="en-US" smtClean="0"/>
-              <a:t>10/31/18</a:t>
+              <a:t>11/1/18</a:t>
             </a:fld>
             <a:endParaRPr lang="en-US"/>
           </a:p>
@@ -1237,7 +1242,7 @@
           <a:p>
             <a:fld id="{A324B053-0AC1-C047-A94D-AE791A5219A0}" type="datetimeFigureOut">
               <a:rPr lang="en-US" smtClean="0"/>
-              <a:t>10/31/18</a:t>
+              <a:t>11/1/18</a:t>
             </a:fld>
             <a:endParaRPr lang="en-US"/>
           </a:p>
@@ -1604,7 +1609,7 @@
           <a:p>
             <a:fld id="{A324B053-0AC1-C047-A94D-AE791A5219A0}" type="datetimeFigureOut">
               <a:rPr lang="en-US" smtClean="0"/>
-              <a:t>10/31/18</a:t>
+              <a:t>11/1/18</a:t>
             </a:fld>
             <a:endParaRPr lang="en-US"/>
           </a:p>
@@ -1722,7 +1727,7 @@
           <a:p>
             <a:fld id="{A324B053-0AC1-C047-A94D-AE791A5219A0}" type="datetimeFigureOut">
               <a:rPr lang="en-US" smtClean="0"/>
-              <a:t>10/31/18</a:t>
+              <a:t>11/1/18</a:t>
             </a:fld>
             <a:endParaRPr lang="en-US"/>
           </a:p>
@@ -1817,7 +1822,7 @@
           <a:p>
             <a:fld id="{A324B053-0AC1-C047-A94D-AE791A5219A0}" type="datetimeFigureOut">
               <a:rPr lang="en-US" smtClean="0"/>
-              <a:t>10/31/18</a:t>
+              <a:t>11/1/18</a:t>
             </a:fld>
             <a:endParaRPr lang="en-US"/>
           </a:p>
@@ -2094,7 +2099,7 @@
           <a:p>
             <a:fld id="{A324B053-0AC1-C047-A94D-AE791A5219A0}" type="datetimeFigureOut">
               <a:rPr lang="en-US" smtClean="0"/>
-              <a:t>10/31/18</a:t>
+              <a:t>11/1/18</a:t>
             </a:fld>
             <a:endParaRPr lang="en-US"/>
           </a:p>
@@ -2347,7 +2352,7 @@
           <a:p>
             <a:fld id="{A324B053-0AC1-C047-A94D-AE791A5219A0}" type="datetimeFigureOut">
               <a:rPr lang="en-US" smtClean="0"/>
-              <a:t>10/31/18</a:t>
+              <a:t>11/1/18</a:t>
             </a:fld>
             <a:endParaRPr lang="en-US"/>
           </a:p>
@@ -2560,7 +2565,7 @@
           <a:p>
             <a:fld id="{A324B053-0AC1-C047-A94D-AE791A5219A0}" type="datetimeFigureOut">
               <a:rPr lang="en-US" smtClean="0"/>
-              <a:t>10/31/18</a:t>
+              <a:t>11/1/18</a:t>
             </a:fld>
             <a:endParaRPr lang="en-US"/>
           </a:p>
@@ -2965,57 +2970,944 @@
           <a:chExt cx="0" cy="0"/>
         </a:xfrm>
       </p:grpSpPr>
-      <p:sp>
-        <p:nvSpPr>
-          <p:cNvPr id="11" name="Rectangle 10"/>
-          <p:cNvSpPr/>
+      <p:grpSp>
+        <p:nvGrpSpPr>
+          <p:cNvPr id="2" name="Group 1"/>
+          <p:cNvGrpSpPr/>
+          <p:nvPr/>
+        </p:nvGrpSpPr>
+        <p:grpSpPr>
+          <a:xfrm>
+            <a:off x="5996938" y="407543"/>
+            <a:ext cx="6004562" cy="4320525"/>
+            <a:chOff x="387771" y="839343"/>
+            <a:chExt cx="6004562" cy="4320525"/>
+          </a:xfrm>
+        </p:grpSpPr>
+        <p:sp>
+          <p:nvSpPr>
+            <p:cNvPr id="11" name="Rectangle 10"/>
+            <p:cNvSpPr/>
+            <p:nvPr/>
+          </p:nvSpPr>
+          <p:spPr>
+            <a:xfrm>
+              <a:off x="2939242" y="839343"/>
+              <a:ext cx="1608668" cy="381000"/>
+            </a:xfrm>
+            <a:prstGeom prst="rect">
+              <a:avLst/>
+            </a:prstGeom>
+            <a:noFill/>
+          </p:spPr>
+          <p:style>
+            <a:lnRef idx="2">
+              <a:schemeClr val="accent1">
+                <a:shade val="50000"/>
+              </a:schemeClr>
+            </a:lnRef>
+            <a:fillRef idx="1">
+              <a:schemeClr val="accent1"/>
+            </a:fillRef>
+            <a:effectRef idx="0">
+              <a:schemeClr val="accent1"/>
+            </a:effectRef>
+            <a:fontRef idx="minor">
+              <a:schemeClr val="lt1"/>
+            </a:fontRef>
+          </p:style>
+          <p:txBody>
+            <a:bodyPr rtlCol="0" anchor="ctr"/>
+            <a:lstStyle/>
+            <a:p>
+              <a:pPr algn="ctr"/>
+              <a:endParaRPr lang="en-US"/>
+            </a:p>
+          </p:txBody>
+        </p:sp>
+        <p:sp>
+          <p:nvSpPr>
+            <p:cNvPr id="12" name="TextBox 11"/>
+            <p:cNvSpPr txBox="1"/>
+            <p:nvPr/>
+          </p:nvSpPr>
+          <p:spPr>
+            <a:xfrm>
+              <a:off x="3172576" y="851011"/>
+              <a:ext cx="1122423" cy="369332"/>
+            </a:xfrm>
+            <a:prstGeom prst="rect">
+              <a:avLst/>
+            </a:prstGeom>
+            <a:noFill/>
+          </p:spPr>
+          <p:txBody>
+            <a:bodyPr wrap="none" rtlCol="0">
+              <a:spAutoFit/>
+            </a:bodyPr>
+            <a:lstStyle/>
+            <a:p>
+              <a:pPr algn="ctr"/>
+              <a:r>
+                <a:rPr lang="en-US" dirty="0" smtClean="0"/>
+                <a:t>Catalogue</a:t>
+              </a:r>
+              <a:endParaRPr lang="en-US" dirty="0"/>
+            </a:p>
+          </p:txBody>
+        </p:sp>
+        <p:sp>
+          <p:nvSpPr>
+            <p:cNvPr id="13" name="Rectangle 12"/>
+            <p:cNvSpPr/>
+            <p:nvPr/>
+          </p:nvSpPr>
+          <p:spPr>
+            <a:xfrm>
+              <a:off x="2939242" y="1798142"/>
+              <a:ext cx="1608668" cy="381000"/>
+            </a:xfrm>
+            <a:prstGeom prst="rect">
+              <a:avLst/>
+            </a:prstGeom>
+            <a:noFill/>
+          </p:spPr>
+          <p:style>
+            <a:lnRef idx="2">
+              <a:schemeClr val="accent1">
+                <a:shade val="50000"/>
+              </a:schemeClr>
+            </a:lnRef>
+            <a:fillRef idx="1">
+              <a:schemeClr val="accent1"/>
+            </a:fillRef>
+            <a:effectRef idx="0">
+              <a:schemeClr val="accent1"/>
+            </a:effectRef>
+            <a:fontRef idx="minor">
+              <a:schemeClr val="lt1"/>
+            </a:fontRef>
+          </p:style>
+          <p:txBody>
+            <a:bodyPr rtlCol="0" anchor="ctr"/>
+            <a:lstStyle/>
+            <a:p>
+              <a:pPr algn="ctr"/>
+              <a:endParaRPr lang="en-US"/>
+            </a:p>
+          </p:txBody>
+        </p:sp>
+        <p:sp>
+          <p:nvSpPr>
+            <p:cNvPr id="14" name="TextBox 13"/>
+            <p:cNvSpPr txBox="1"/>
+            <p:nvPr/>
+          </p:nvSpPr>
+          <p:spPr>
+            <a:xfrm>
+              <a:off x="2851174" y="1809810"/>
+              <a:ext cx="1765228" cy="369332"/>
+            </a:xfrm>
+            <a:prstGeom prst="rect">
+              <a:avLst/>
+            </a:prstGeom>
+            <a:noFill/>
+          </p:spPr>
+          <p:txBody>
+            <a:bodyPr wrap="none" rtlCol="0">
+              <a:spAutoFit/>
+            </a:bodyPr>
+            <a:lstStyle/>
+            <a:p>
+              <a:pPr algn="ctr"/>
+              <a:r>
+                <a:rPr lang="en-US" dirty="0" err="1" smtClean="0"/>
+                <a:t>RdbmsCatalogue</a:t>
+              </a:r>
+              <a:endParaRPr lang="en-US" dirty="0"/>
+            </a:p>
+          </p:txBody>
+        </p:sp>
+        <p:sp>
+          <p:nvSpPr>
+            <p:cNvPr id="15" name="Rectangle 14"/>
+            <p:cNvSpPr/>
+            <p:nvPr/>
+          </p:nvSpPr>
+          <p:spPr>
+            <a:xfrm>
+              <a:off x="1165947" y="2799266"/>
+              <a:ext cx="1608668" cy="381000"/>
+            </a:xfrm>
+            <a:prstGeom prst="rect">
+              <a:avLst/>
+            </a:prstGeom>
+            <a:noFill/>
+          </p:spPr>
+          <p:style>
+            <a:lnRef idx="2">
+              <a:schemeClr val="accent1">
+                <a:shade val="50000"/>
+              </a:schemeClr>
+            </a:lnRef>
+            <a:fillRef idx="1">
+              <a:schemeClr val="accent1"/>
+            </a:fillRef>
+            <a:effectRef idx="0">
+              <a:schemeClr val="accent1"/>
+            </a:effectRef>
+            <a:fontRef idx="minor">
+              <a:schemeClr val="lt1"/>
+            </a:fontRef>
+          </p:style>
+          <p:txBody>
+            <a:bodyPr rtlCol="0" anchor="ctr"/>
+            <a:lstStyle/>
+            <a:p>
+              <a:pPr algn="ctr"/>
+              <a:endParaRPr lang="en-US"/>
+            </a:p>
+          </p:txBody>
+        </p:sp>
+        <p:sp>
+          <p:nvSpPr>
+            <p:cNvPr id="16" name="TextBox 15"/>
+            <p:cNvSpPr txBox="1"/>
+            <p:nvPr/>
+          </p:nvSpPr>
+          <p:spPr>
+            <a:xfrm>
+              <a:off x="1137542" y="2810934"/>
+              <a:ext cx="1645900" cy="369332"/>
+            </a:xfrm>
+            <a:prstGeom prst="rect">
+              <a:avLst/>
+            </a:prstGeom>
+            <a:noFill/>
+          </p:spPr>
+          <p:txBody>
+            <a:bodyPr wrap="none" rtlCol="0">
+              <a:spAutoFit/>
+            </a:bodyPr>
+            <a:lstStyle/>
+            <a:p>
+              <a:pPr algn="ctr"/>
+              <a:r>
+                <a:rPr lang="en-US" dirty="0" err="1" smtClean="0"/>
+                <a:t>SqliteCatalogue</a:t>
+              </a:r>
+              <a:endParaRPr lang="en-US" dirty="0"/>
+            </a:p>
+          </p:txBody>
+        </p:sp>
+        <p:cxnSp>
+          <p:nvCxnSpPr>
+            <p:cNvPr id="18" name="Straight Connector 17"/>
+            <p:cNvCxnSpPr>
+              <a:stCxn id="38" idx="3"/>
+              <a:endCxn id="14" idx="0"/>
+            </p:cNvCxnSpPr>
+            <p:nvPr/>
+          </p:nvCxnSpPr>
+          <p:spPr>
+            <a:xfrm>
+              <a:off x="3733787" y="1589687"/>
+              <a:ext cx="1" cy="220123"/>
+            </a:xfrm>
+            <a:prstGeom prst="line">
+              <a:avLst/>
+            </a:prstGeom>
+          </p:spPr>
+          <p:style>
+            <a:lnRef idx="1">
+              <a:schemeClr val="accent1"/>
+            </a:lnRef>
+            <a:fillRef idx="0">
+              <a:schemeClr val="accent1"/>
+            </a:fillRef>
+            <a:effectRef idx="0">
+              <a:schemeClr val="accent1"/>
+            </a:effectRef>
+            <a:fontRef idx="minor">
+              <a:schemeClr val="tx1"/>
+            </a:fontRef>
+          </p:style>
+        </p:cxnSp>
+        <p:sp>
+          <p:nvSpPr>
+            <p:cNvPr id="19" name="Rectangle 18"/>
+            <p:cNvSpPr/>
+            <p:nvPr/>
+          </p:nvSpPr>
+          <p:spPr>
+            <a:xfrm>
+              <a:off x="2940438" y="2822602"/>
+              <a:ext cx="1608668" cy="381000"/>
+            </a:xfrm>
+            <a:prstGeom prst="rect">
+              <a:avLst/>
+            </a:prstGeom>
+            <a:noFill/>
+          </p:spPr>
+          <p:style>
+            <a:lnRef idx="2">
+              <a:schemeClr val="accent1">
+                <a:shade val="50000"/>
+              </a:schemeClr>
+            </a:lnRef>
+            <a:fillRef idx="1">
+              <a:schemeClr val="accent1"/>
+            </a:fillRef>
+            <a:effectRef idx="0">
+              <a:schemeClr val="accent1"/>
+            </a:effectRef>
+            <a:fontRef idx="minor">
+              <a:schemeClr val="lt1"/>
+            </a:fontRef>
+          </p:style>
+          <p:txBody>
+            <a:bodyPr rtlCol="0" anchor="ctr"/>
+            <a:lstStyle/>
+            <a:p>
+              <a:pPr algn="ctr"/>
+              <a:endParaRPr lang="en-US"/>
+            </a:p>
+          </p:txBody>
+        </p:sp>
+        <p:sp>
+          <p:nvSpPr>
+            <p:cNvPr id="20" name="TextBox 19"/>
+            <p:cNvSpPr txBox="1"/>
+            <p:nvPr/>
+          </p:nvSpPr>
+          <p:spPr>
+            <a:xfrm>
+              <a:off x="2871510" y="2834270"/>
+              <a:ext cx="1726948" cy="369332"/>
+            </a:xfrm>
+            <a:prstGeom prst="rect">
+              <a:avLst/>
+            </a:prstGeom>
+            <a:noFill/>
+          </p:spPr>
+          <p:txBody>
+            <a:bodyPr wrap="none" rtlCol="0">
+              <a:spAutoFit/>
+            </a:bodyPr>
+            <a:lstStyle/>
+            <a:p>
+              <a:pPr algn="ctr"/>
+              <a:r>
+                <a:rPr lang="en-US" dirty="0" err="1" smtClean="0"/>
+                <a:t>OracleCatalogue</a:t>
+              </a:r>
+              <a:endParaRPr lang="en-US" dirty="0"/>
+            </a:p>
+          </p:txBody>
+        </p:sp>
+        <p:sp>
+          <p:nvSpPr>
+            <p:cNvPr id="21" name="Rectangle 20"/>
+            <p:cNvSpPr/>
+            <p:nvPr/>
+          </p:nvSpPr>
+          <p:spPr>
+            <a:xfrm>
+              <a:off x="4754672" y="2822602"/>
+              <a:ext cx="1608668" cy="381000"/>
+            </a:xfrm>
+            <a:prstGeom prst="rect">
+              <a:avLst/>
+            </a:prstGeom>
+            <a:noFill/>
+          </p:spPr>
+          <p:style>
+            <a:lnRef idx="2">
+              <a:schemeClr val="accent1">
+                <a:shade val="50000"/>
+              </a:schemeClr>
+            </a:lnRef>
+            <a:fillRef idx="1">
+              <a:schemeClr val="accent1"/>
+            </a:fillRef>
+            <a:effectRef idx="0">
+              <a:schemeClr val="accent1"/>
+            </a:effectRef>
+            <a:fontRef idx="minor">
+              <a:schemeClr val="lt1"/>
+            </a:fontRef>
+          </p:style>
+          <p:txBody>
+            <a:bodyPr rtlCol="0" anchor="ctr"/>
+            <a:lstStyle/>
+            <a:p>
+              <a:pPr algn="ctr"/>
+              <a:endParaRPr lang="en-US"/>
+            </a:p>
+          </p:txBody>
+        </p:sp>
+        <p:sp>
+          <p:nvSpPr>
+            <p:cNvPr id="22" name="TextBox 21"/>
+            <p:cNvSpPr txBox="1"/>
+            <p:nvPr/>
+          </p:nvSpPr>
+          <p:spPr>
+            <a:xfrm>
+              <a:off x="4706102" y="2834270"/>
+              <a:ext cx="1686231" cy="369332"/>
+            </a:xfrm>
+            <a:prstGeom prst="rect">
+              <a:avLst/>
+            </a:prstGeom>
+            <a:noFill/>
+          </p:spPr>
+          <p:txBody>
+            <a:bodyPr wrap="none" rtlCol="0">
+              <a:spAutoFit/>
+            </a:bodyPr>
+            <a:lstStyle/>
+            <a:p>
+              <a:pPr algn="ctr"/>
+              <a:r>
+                <a:rPr lang="en-US" dirty="0" err="1" smtClean="0"/>
+                <a:t>MysqlCatalogue</a:t>
+              </a:r>
+              <a:endParaRPr lang="en-US" dirty="0"/>
+            </a:p>
+          </p:txBody>
+        </p:sp>
+        <p:cxnSp>
+          <p:nvCxnSpPr>
+            <p:cNvPr id="26" name="Straight Connector 25"/>
+            <p:cNvCxnSpPr>
+              <a:stCxn id="31" idx="3"/>
+              <a:endCxn id="19" idx="0"/>
+            </p:cNvCxnSpPr>
+            <p:nvPr/>
+          </p:nvCxnSpPr>
+          <p:spPr>
+            <a:xfrm>
+              <a:off x="3733787" y="2521018"/>
+              <a:ext cx="10985" cy="301584"/>
+            </a:xfrm>
+            <a:prstGeom prst="line">
+              <a:avLst/>
+            </a:prstGeom>
+          </p:spPr>
+          <p:style>
+            <a:lnRef idx="1">
+              <a:schemeClr val="accent1"/>
+            </a:lnRef>
+            <a:fillRef idx="0">
+              <a:schemeClr val="accent1"/>
+            </a:fillRef>
+            <a:effectRef idx="0">
+              <a:schemeClr val="accent1"/>
+            </a:effectRef>
+            <a:fontRef idx="minor">
+              <a:schemeClr val="tx1"/>
+            </a:fontRef>
+          </p:style>
+        </p:cxnSp>
+        <p:sp>
+          <p:nvSpPr>
+            <p:cNvPr id="31" name="Triangle 30"/>
+            <p:cNvSpPr/>
+            <p:nvPr/>
+          </p:nvSpPr>
+          <p:spPr>
+            <a:xfrm>
+              <a:off x="3443914" y="2167526"/>
+              <a:ext cx="579745" cy="353492"/>
+            </a:xfrm>
+            <a:prstGeom prst="triangle">
+              <a:avLst/>
+            </a:prstGeom>
+            <a:solidFill>
+              <a:schemeClr val="bg1"/>
+            </a:solidFill>
+          </p:spPr>
+          <p:style>
+            <a:lnRef idx="2">
+              <a:schemeClr val="accent1">
+                <a:shade val="50000"/>
+              </a:schemeClr>
+            </a:lnRef>
+            <a:fillRef idx="1">
+              <a:schemeClr val="accent1"/>
+            </a:fillRef>
+            <a:effectRef idx="0">
+              <a:schemeClr val="accent1"/>
+            </a:effectRef>
+            <a:fontRef idx="minor">
+              <a:schemeClr val="lt1"/>
+            </a:fontRef>
+          </p:style>
+          <p:txBody>
+            <a:bodyPr rtlCol="0" anchor="ctr"/>
+            <a:lstStyle/>
+            <a:p>
+              <a:pPr algn="ctr"/>
+              <a:endParaRPr lang="en-US"/>
+            </a:p>
+          </p:txBody>
+        </p:sp>
+        <p:cxnSp>
+          <p:nvCxnSpPr>
+            <p:cNvPr id="35" name="Elbow Connector 34"/>
+            <p:cNvCxnSpPr>
+              <a:stCxn id="31" idx="3"/>
+              <a:endCxn id="21" idx="0"/>
+            </p:cNvCxnSpPr>
+            <p:nvPr/>
+          </p:nvCxnSpPr>
+          <p:spPr>
+            <a:xfrm rot="16200000" flipH="1">
+              <a:off x="4495604" y="1759200"/>
+              <a:ext cx="301584" cy="1825219"/>
+            </a:xfrm>
+            <a:prstGeom prst="bentConnector3">
+              <a:avLst/>
+            </a:prstGeom>
+          </p:spPr>
+          <p:style>
+            <a:lnRef idx="1">
+              <a:schemeClr val="accent1"/>
+            </a:lnRef>
+            <a:fillRef idx="0">
+              <a:schemeClr val="accent1"/>
+            </a:fillRef>
+            <a:effectRef idx="0">
+              <a:schemeClr val="accent1"/>
+            </a:effectRef>
+            <a:fontRef idx="minor">
+              <a:schemeClr val="tx1"/>
+            </a:fontRef>
+          </p:style>
+        </p:cxnSp>
+        <p:cxnSp>
+          <p:nvCxnSpPr>
+            <p:cNvPr id="37" name="Elbow Connector 36"/>
+            <p:cNvCxnSpPr>
+              <a:stCxn id="31" idx="3"/>
+              <a:endCxn id="15" idx="0"/>
+            </p:cNvCxnSpPr>
+            <p:nvPr/>
+          </p:nvCxnSpPr>
+          <p:spPr>
+            <a:xfrm rot="5400000">
+              <a:off x="2712910" y="1778389"/>
+              <a:ext cx="278248" cy="1763506"/>
+            </a:xfrm>
+            <a:prstGeom prst="bentConnector3">
+              <a:avLst/>
+            </a:prstGeom>
+          </p:spPr>
+          <p:style>
+            <a:lnRef idx="1">
+              <a:schemeClr val="accent1"/>
+            </a:lnRef>
+            <a:fillRef idx="0">
+              <a:schemeClr val="accent1"/>
+            </a:fillRef>
+            <a:effectRef idx="0">
+              <a:schemeClr val="accent1"/>
+            </a:effectRef>
+            <a:fontRef idx="minor">
+              <a:schemeClr val="tx1"/>
+            </a:fontRef>
+          </p:style>
+        </p:cxnSp>
+        <p:sp>
+          <p:nvSpPr>
+            <p:cNvPr id="38" name="Triangle 37"/>
+            <p:cNvSpPr/>
+            <p:nvPr/>
+          </p:nvSpPr>
+          <p:spPr>
+            <a:xfrm>
+              <a:off x="3443914" y="1236195"/>
+              <a:ext cx="579745" cy="353492"/>
+            </a:xfrm>
+            <a:prstGeom prst="triangle">
+              <a:avLst/>
+            </a:prstGeom>
+            <a:solidFill>
+              <a:schemeClr val="bg1"/>
+            </a:solidFill>
+          </p:spPr>
+          <p:style>
+            <a:lnRef idx="2">
+              <a:schemeClr val="accent1">
+                <a:shade val="50000"/>
+              </a:schemeClr>
+            </a:lnRef>
+            <a:fillRef idx="1">
+              <a:schemeClr val="accent1"/>
+            </a:fillRef>
+            <a:effectRef idx="0">
+              <a:schemeClr val="accent1"/>
+            </a:effectRef>
+            <a:fontRef idx="minor">
+              <a:schemeClr val="lt1"/>
+            </a:fontRef>
+          </p:style>
+          <p:txBody>
+            <a:bodyPr rtlCol="0" anchor="ctr"/>
+            <a:lstStyle/>
+            <a:p>
+              <a:pPr algn="ctr"/>
+              <a:endParaRPr lang="en-US"/>
+            </a:p>
+          </p:txBody>
+        </p:sp>
+        <p:sp>
+          <p:nvSpPr>
+            <p:cNvPr id="41" name="Rectangle 40"/>
+            <p:cNvSpPr/>
+            <p:nvPr/>
+          </p:nvSpPr>
+          <p:spPr>
+            <a:xfrm>
+              <a:off x="387771" y="3747533"/>
+              <a:ext cx="3166893" cy="369332"/>
+            </a:xfrm>
+            <a:prstGeom prst="rect">
+              <a:avLst/>
+            </a:prstGeom>
+            <a:noFill/>
+          </p:spPr>
+          <p:style>
+            <a:lnRef idx="2">
+              <a:schemeClr val="accent1">
+                <a:shade val="50000"/>
+              </a:schemeClr>
+            </a:lnRef>
+            <a:fillRef idx="1">
+              <a:schemeClr val="accent1"/>
+            </a:fillRef>
+            <a:effectRef idx="0">
+              <a:schemeClr val="accent1"/>
+            </a:effectRef>
+            <a:fontRef idx="minor">
+              <a:schemeClr val="lt1"/>
+            </a:fontRef>
+          </p:style>
+          <p:txBody>
+            <a:bodyPr rtlCol="0" anchor="ctr"/>
+            <a:lstStyle/>
+            <a:p>
+              <a:pPr algn="ctr"/>
+              <a:endParaRPr lang="en-US"/>
+            </a:p>
+          </p:txBody>
+        </p:sp>
+        <p:sp>
+          <p:nvSpPr>
+            <p:cNvPr id="42" name="TextBox 41"/>
+            <p:cNvSpPr txBox="1"/>
+            <p:nvPr/>
+          </p:nvSpPr>
+          <p:spPr>
+            <a:xfrm>
+              <a:off x="387771" y="3759201"/>
+              <a:ext cx="3166894" cy="369332"/>
+            </a:xfrm>
+            <a:prstGeom prst="rect">
+              <a:avLst/>
+            </a:prstGeom>
+            <a:noFill/>
+          </p:spPr>
+          <p:txBody>
+            <a:bodyPr wrap="none" rtlCol="0">
+              <a:spAutoFit/>
+            </a:bodyPr>
+            <a:lstStyle/>
+            <a:p>
+              <a:pPr algn="ctr"/>
+              <a:r>
+                <a:rPr lang="en-US" dirty="0" err="1" smtClean="0"/>
+                <a:t>SchemaCreatingSqliteCatalogue</a:t>
+              </a:r>
+              <a:endParaRPr lang="en-US" dirty="0"/>
+            </a:p>
+          </p:txBody>
+        </p:sp>
+        <p:sp>
+          <p:nvSpPr>
+            <p:cNvPr id="45" name="Rectangle 44"/>
+            <p:cNvSpPr/>
+            <p:nvPr/>
+          </p:nvSpPr>
+          <p:spPr>
+            <a:xfrm>
+              <a:off x="917300" y="4767200"/>
+              <a:ext cx="2105961" cy="392668"/>
+            </a:xfrm>
+            <a:prstGeom prst="rect">
+              <a:avLst/>
+            </a:prstGeom>
+            <a:noFill/>
+          </p:spPr>
+          <p:style>
+            <a:lnRef idx="2">
+              <a:schemeClr val="accent1">
+                <a:shade val="50000"/>
+              </a:schemeClr>
+            </a:lnRef>
+            <a:fillRef idx="1">
+              <a:schemeClr val="accent1"/>
+            </a:fillRef>
+            <a:effectRef idx="0">
+              <a:schemeClr val="accent1"/>
+            </a:effectRef>
+            <a:fontRef idx="minor">
+              <a:schemeClr val="lt1"/>
+            </a:fontRef>
+          </p:style>
+          <p:txBody>
+            <a:bodyPr rtlCol="0" anchor="ctr"/>
+            <a:lstStyle/>
+            <a:p>
+              <a:pPr algn="ctr"/>
+              <a:endParaRPr lang="en-US"/>
+            </a:p>
+          </p:txBody>
+        </p:sp>
+        <p:sp>
+          <p:nvSpPr>
+            <p:cNvPr id="46" name="TextBox 45"/>
+            <p:cNvSpPr txBox="1"/>
+            <p:nvPr/>
+          </p:nvSpPr>
+          <p:spPr>
+            <a:xfrm>
+              <a:off x="917300" y="4778868"/>
+              <a:ext cx="2105962" cy="369332"/>
+            </a:xfrm>
+            <a:prstGeom prst="rect">
+              <a:avLst/>
+            </a:prstGeom>
+            <a:noFill/>
+          </p:spPr>
+          <p:txBody>
+            <a:bodyPr wrap="none" rtlCol="0">
+              <a:spAutoFit/>
+            </a:bodyPr>
+            <a:lstStyle/>
+            <a:p>
+              <a:pPr algn="ctr"/>
+              <a:r>
+                <a:rPr lang="en-US" dirty="0" err="1" smtClean="0"/>
+                <a:t>InMemoryCatalogue</a:t>
+              </a:r>
+              <a:endParaRPr lang="en-US" dirty="0"/>
+            </a:p>
+          </p:txBody>
+        </p:sp>
+        <p:sp>
+          <p:nvSpPr>
+            <p:cNvPr id="47" name="Triangle 46"/>
+            <p:cNvSpPr/>
+            <p:nvPr/>
+          </p:nvSpPr>
+          <p:spPr>
+            <a:xfrm>
+              <a:off x="1670619" y="3177663"/>
+              <a:ext cx="579745" cy="353492"/>
+            </a:xfrm>
+            <a:prstGeom prst="triangle">
+              <a:avLst/>
+            </a:prstGeom>
+            <a:solidFill>
+              <a:schemeClr val="bg1"/>
+            </a:solidFill>
+          </p:spPr>
+          <p:style>
+            <a:lnRef idx="2">
+              <a:schemeClr val="accent1">
+                <a:shade val="50000"/>
+              </a:schemeClr>
+            </a:lnRef>
+            <a:fillRef idx="1">
+              <a:schemeClr val="accent1"/>
+            </a:fillRef>
+            <a:effectRef idx="0">
+              <a:schemeClr val="accent1"/>
+            </a:effectRef>
+            <a:fontRef idx="minor">
+              <a:schemeClr val="lt1"/>
+            </a:fontRef>
+          </p:style>
+          <p:txBody>
+            <a:bodyPr rtlCol="0" anchor="ctr"/>
+            <a:lstStyle/>
+            <a:p>
+              <a:pPr algn="ctr"/>
+              <a:endParaRPr lang="en-US"/>
+            </a:p>
+          </p:txBody>
+        </p:sp>
+        <p:sp>
+          <p:nvSpPr>
+            <p:cNvPr id="48" name="Triangle 47"/>
+            <p:cNvSpPr/>
+            <p:nvPr/>
+          </p:nvSpPr>
+          <p:spPr>
+            <a:xfrm>
+              <a:off x="1670619" y="4133505"/>
+              <a:ext cx="579745" cy="353492"/>
+            </a:xfrm>
+            <a:prstGeom prst="triangle">
+              <a:avLst/>
+            </a:prstGeom>
+            <a:solidFill>
+              <a:schemeClr val="bg1"/>
+            </a:solidFill>
+          </p:spPr>
+          <p:style>
+            <a:lnRef idx="2">
+              <a:schemeClr val="accent1">
+                <a:shade val="50000"/>
+              </a:schemeClr>
+            </a:lnRef>
+            <a:fillRef idx="1">
+              <a:schemeClr val="accent1"/>
+            </a:fillRef>
+            <a:effectRef idx="0">
+              <a:schemeClr val="accent1"/>
+            </a:effectRef>
+            <a:fontRef idx="minor">
+              <a:schemeClr val="lt1"/>
+            </a:fontRef>
+          </p:style>
+          <p:txBody>
+            <a:bodyPr rtlCol="0" anchor="ctr"/>
+            <a:lstStyle/>
+            <a:p>
+              <a:pPr algn="ctr"/>
+              <a:endParaRPr lang="en-US"/>
+            </a:p>
+          </p:txBody>
+        </p:sp>
+        <p:cxnSp>
+          <p:nvCxnSpPr>
+            <p:cNvPr id="52" name="Straight Connector 51"/>
+            <p:cNvCxnSpPr>
+              <a:stCxn id="47" idx="3"/>
+              <a:endCxn id="42" idx="0"/>
+            </p:cNvCxnSpPr>
+            <p:nvPr/>
+          </p:nvCxnSpPr>
+          <p:spPr>
+            <a:xfrm>
+              <a:off x="1960492" y="3531155"/>
+              <a:ext cx="10726" cy="228046"/>
+            </a:xfrm>
+            <a:prstGeom prst="line">
+              <a:avLst/>
+            </a:prstGeom>
+          </p:spPr>
+          <p:style>
+            <a:lnRef idx="1">
+              <a:schemeClr val="accent1"/>
+            </a:lnRef>
+            <a:fillRef idx="0">
+              <a:schemeClr val="accent1"/>
+            </a:fillRef>
+            <a:effectRef idx="0">
+              <a:schemeClr val="accent1"/>
+            </a:effectRef>
+            <a:fontRef idx="minor">
+              <a:schemeClr val="tx1"/>
+            </a:fontRef>
+          </p:style>
+        </p:cxnSp>
+        <p:cxnSp>
+          <p:nvCxnSpPr>
+            <p:cNvPr id="54" name="Straight Connector 53"/>
+            <p:cNvCxnSpPr>
+              <a:stCxn id="48" idx="3"/>
+              <a:endCxn id="46" idx="0"/>
+            </p:cNvCxnSpPr>
+            <p:nvPr/>
+          </p:nvCxnSpPr>
+          <p:spPr>
+            <a:xfrm>
+              <a:off x="1960492" y="4486997"/>
+              <a:ext cx="9789" cy="291871"/>
+            </a:xfrm>
+            <a:prstGeom prst="line">
+              <a:avLst/>
+            </a:prstGeom>
+          </p:spPr>
+          <p:style>
+            <a:lnRef idx="1">
+              <a:schemeClr val="accent1"/>
+            </a:lnRef>
+            <a:fillRef idx="0">
+              <a:schemeClr val="accent1"/>
+            </a:fillRef>
+            <a:effectRef idx="0">
+              <a:schemeClr val="accent1"/>
+            </a:effectRef>
+            <a:fontRef idx="minor">
+              <a:schemeClr val="tx1"/>
+            </a:fontRef>
+          </p:style>
+        </p:cxnSp>
+      </p:grpSp>
+      <p:sp>
+        <p:nvSpPr>
+          <p:cNvPr id="27" name="TextBox 26"/>
+          <p:cNvSpPr txBox="1"/>
           <p:nvPr/>
         </p:nvSpPr>
         <p:spPr>
           <a:xfrm>
-            <a:off x="5098242" y="763143"/>
-            <a:ext cx="1608668" cy="381000"/>
+            <a:off x="65662" y="1202723"/>
+            <a:ext cx="6956831" cy="923330"/>
           </a:xfrm>
           <a:prstGeom prst="rect">
             <a:avLst/>
           </a:prstGeom>
           <a:noFill/>
         </p:spPr>
-        <p:style>
-          <a:lnRef idx="2">
-            <a:schemeClr val="accent1">
-              <a:shade val="50000"/>
-            </a:schemeClr>
-          </a:lnRef>
-          <a:fillRef idx="1">
-            <a:schemeClr val="accent1"/>
-          </a:fillRef>
-          <a:effectRef idx="0">
-            <a:schemeClr val="accent1"/>
-          </a:effectRef>
-          <a:fontRef idx="minor">
-            <a:schemeClr val="lt1"/>
-          </a:fontRef>
-        </p:style>
-        <p:txBody>
-          <a:bodyPr rtlCol="0" anchor="ctr"/>
-          <a:lstStyle/>
-          <a:p>
-            <a:pPr algn="ctr"/>
-            <a:endParaRPr lang="en-US"/>
-          </a:p>
-        </p:txBody>
-      </p:sp>
-      <p:sp>
-        <p:nvSpPr>
-          <p:cNvPr id="12" name="TextBox 11"/>
+        <p:txBody>
+          <a:bodyPr wrap="square" rtlCol="0">
+            <a:spAutoFit/>
+          </a:bodyPr>
+          <a:lstStyle/>
+          <a:p>
+            <a:pPr algn="just"/>
+            <a:r>
+              <a:rPr lang="en-US" dirty="0" smtClean="0"/>
+              <a:t>The </a:t>
+            </a:r>
+            <a:r>
+              <a:rPr lang="en-US" dirty="0" err="1" smtClean="0"/>
+              <a:t>RdbmsCatalogue</a:t>
+            </a:r>
+            <a:r>
+              <a:rPr lang="en-US" dirty="0" smtClean="0"/>
+              <a:t> implements of all the Catalogue methods except for those that require database vendor specific API accesses such as bulk inserts or database vendor specific SQL such as database sequences.</a:t>
+            </a:r>
+            <a:endParaRPr lang="en-US" dirty="0"/>
+          </a:p>
+        </p:txBody>
+      </p:sp>
+      <p:sp>
+        <p:nvSpPr>
+          <p:cNvPr id="28" name="TextBox 27"/>
           <p:cNvSpPr txBox="1"/>
           <p:nvPr/>
         </p:nvSpPr>
         <p:spPr>
           <a:xfrm>
-            <a:off x="5331576" y="774811"/>
-            <a:ext cx="1122423" cy="369332"/>
+            <a:off x="57266" y="90723"/>
+            <a:ext cx="6956831" cy="923330"/>
           </a:xfrm>
           <a:prstGeom prst="rect">
             <a:avLst/>
@@ -3023,15 +3915,15 @@
           <a:noFill/>
         </p:spPr>
         <p:txBody>
-          <a:bodyPr wrap="none" rtlCol="0">
+          <a:bodyPr wrap="square" rtlCol="0">
             <a:spAutoFit/>
           </a:bodyPr>
           <a:lstStyle/>
           <a:p>
-            <a:pPr algn="ctr"/>
+            <a:pPr algn="just"/>
             <a:r>
               <a:rPr lang="en-US" dirty="0" smtClean="0"/>
-              <a:t>Catalogue</a:t>
+              <a:t>The Catalogue class is an abstract interface class which facilitates the ability to implement the CTA catalogue using backend data storage technologies other than relational databases.  </a:t>
             </a:r>
             <a:endParaRPr lang="en-US" dirty="0"/>
           </a:p>
@@ -3039,806 +3931,59 @@
       </p:sp>
       <p:sp>
         <p:nvSpPr>
-          <p:cNvPr id="13" name="Rectangle 12"/>
-          <p:cNvSpPr/>
+          <p:cNvPr id="29" name="TextBox 28"/>
+          <p:cNvSpPr txBox="1"/>
           <p:nvPr/>
         </p:nvSpPr>
         <p:spPr>
           <a:xfrm>
-            <a:off x="5098242" y="1721942"/>
-            <a:ext cx="1608668" cy="381000"/>
+            <a:off x="73595" y="4252332"/>
+            <a:ext cx="5931276" cy="1200329"/>
           </a:xfrm>
           <a:prstGeom prst="rect">
             <a:avLst/>
           </a:prstGeom>
           <a:noFill/>
         </p:spPr>
-        <p:style>
-          <a:lnRef idx="2">
-            <a:schemeClr val="accent1">
-              <a:shade val="50000"/>
-            </a:schemeClr>
-          </a:lnRef>
-          <a:fillRef idx="1">
-            <a:schemeClr val="accent1"/>
-          </a:fillRef>
-          <a:effectRef idx="0">
-            <a:schemeClr val="accent1"/>
-          </a:effectRef>
-          <a:fontRef idx="minor">
-            <a:schemeClr val="lt1"/>
-          </a:fontRef>
-        </p:style>
-        <p:txBody>
-          <a:bodyPr rtlCol="0" anchor="ctr"/>
-          <a:lstStyle/>
-          <a:p>
-            <a:pPr algn="ctr"/>
-            <a:endParaRPr lang="en-US"/>
-          </a:p>
-        </p:txBody>
-      </p:sp>
-      <p:sp>
-        <p:nvSpPr>
-          <p:cNvPr id="14" name="TextBox 13"/>
-          <p:cNvSpPr txBox="1"/>
-          <p:nvPr/>
-        </p:nvSpPr>
-        <p:spPr>
-          <a:xfrm>
-            <a:off x="5010174" y="1733610"/>
-            <a:ext cx="1765228" cy="369332"/>
-          </a:xfrm>
-          <a:prstGeom prst="rect">
-            <a:avLst/>
-          </a:prstGeom>
-          <a:noFill/>
-        </p:spPr>
-        <p:txBody>
-          <a:bodyPr wrap="none" rtlCol="0">
+        <p:txBody>
+          <a:bodyPr wrap="square" rtlCol="0">
             <a:spAutoFit/>
           </a:bodyPr>
           <a:lstStyle/>
           <a:p>
-            <a:pPr algn="ctr"/>
+            <a:pPr algn="just"/>
+            <a:r>
+              <a:rPr lang="en-US" dirty="0" err="1" smtClean="0"/>
+              <a:t>InMemoryCatalogue</a:t>
+            </a:r>
+            <a:r>
+              <a:rPr lang="en-US" dirty="0" smtClean="0"/>
+              <a:t> objects are different to other </a:t>
+            </a:r>
             <a:r>
               <a:rPr lang="en-US" dirty="0" err="1" smtClean="0"/>
               <a:t>RdbmsCatalogue</a:t>
             </a:r>
+            <a:r>
+              <a:rPr lang="en-US" dirty="0" smtClean="0"/>
+              <a:t> objects that connect to external databases because </a:t>
+            </a:r>
+            <a:r>
+              <a:rPr lang="en-US" dirty="0" err="1"/>
+              <a:t>InMemoryCatalogue</a:t>
+            </a:r>
+            <a:r>
+              <a:rPr lang="en-US" dirty="0"/>
+              <a:t> objects </a:t>
+            </a:r>
+            <a:r>
+              <a:rPr lang="en-US" dirty="0" smtClean="0"/>
+              <a:t> create the database schema when they are first instantiated. </a:t>
+            </a:r>
             <a:endParaRPr lang="en-US" dirty="0"/>
           </a:p>
         </p:txBody>
       </p:sp>
-      <p:sp>
-        <p:nvSpPr>
-          <p:cNvPr id="15" name="Rectangle 14"/>
-          <p:cNvSpPr/>
-          <p:nvPr/>
-        </p:nvSpPr>
-        <p:spPr>
-          <a:xfrm>
-            <a:off x="3324947" y="2723066"/>
-            <a:ext cx="1608668" cy="381000"/>
-          </a:xfrm>
-          <a:prstGeom prst="rect">
-            <a:avLst/>
-          </a:prstGeom>
-          <a:noFill/>
-        </p:spPr>
-        <p:style>
-          <a:lnRef idx="2">
-            <a:schemeClr val="accent1">
-              <a:shade val="50000"/>
-            </a:schemeClr>
-          </a:lnRef>
-          <a:fillRef idx="1">
-            <a:schemeClr val="accent1"/>
-          </a:fillRef>
-          <a:effectRef idx="0">
-            <a:schemeClr val="accent1"/>
-          </a:effectRef>
-          <a:fontRef idx="minor">
-            <a:schemeClr val="lt1"/>
-          </a:fontRef>
-        </p:style>
-        <p:txBody>
-          <a:bodyPr rtlCol="0" anchor="ctr"/>
-          <a:lstStyle/>
-          <a:p>
-            <a:pPr algn="ctr"/>
-            <a:endParaRPr lang="en-US"/>
-          </a:p>
-        </p:txBody>
-      </p:sp>
-      <p:sp>
-        <p:nvSpPr>
-          <p:cNvPr id="16" name="TextBox 15"/>
-          <p:cNvSpPr txBox="1"/>
-          <p:nvPr/>
-        </p:nvSpPr>
-        <p:spPr>
-          <a:xfrm>
-            <a:off x="3296542" y="2734734"/>
-            <a:ext cx="1645900" cy="369332"/>
-          </a:xfrm>
-          <a:prstGeom prst="rect">
-            <a:avLst/>
-          </a:prstGeom>
-          <a:noFill/>
-        </p:spPr>
-        <p:txBody>
-          <a:bodyPr wrap="none" rtlCol="0">
-            <a:spAutoFit/>
-          </a:bodyPr>
-          <a:lstStyle/>
-          <a:p>
-            <a:pPr algn="ctr"/>
-            <a:r>
-              <a:rPr lang="en-US" dirty="0" err="1" smtClean="0"/>
-              <a:t>SqliteCatalogue</a:t>
-            </a:r>
-            <a:endParaRPr lang="en-US" dirty="0"/>
-          </a:p>
-        </p:txBody>
-      </p:sp>
-      <p:cxnSp>
-        <p:nvCxnSpPr>
-          <p:cNvPr id="18" name="Straight Connector 17"/>
-          <p:cNvCxnSpPr>
-            <a:stCxn id="38" idx="3"/>
-            <a:endCxn id="14" idx="0"/>
-          </p:cNvCxnSpPr>
-          <p:nvPr/>
-        </p:nvCxnSpPr>
-        <p:spPr>
-          <a:xfrm>
-            <a:off x="5892787" y="1513487"/>
-            <a:ext cx="1" cy="220123"/>
-          </a:xfrm>
-          <a:prstGeom prst="line">
-            <a:avLst/>
-          </a:prstGeom>
-        </p:spPr>
-        <p:style>
-          <a:lnRef idx="1">
-            <a:schemeClr val="accent1"/>
-          </a:lnRef>
-          <a:fillRef idx="0">
-            <a:schemeClr val="accent1"/>
-          </a:fillRef>
-          <a:effectRef idx="0">
-            <a:schemeClr val="accent1"/>
-          </a:effectRef>
-          <a:fontRef idx="minor">
-            <a:schemeClr val="tx1"/>
-          </a:fontRef>
-        </p:style>
-      </p:cxnSp>
-      <p:sp>
-        <p:nvSpPr>
-          <p:cNvPr id="19" name="Rectangle 18"/>
-          <p:cNvSpPr/>
-          <p:nvPr/>
-        </p:nvSpPr>
-        <p:spPr>
-          <a:xfrm>
-            <a:off x="5099438" y="2746402"/>
-            <a:ext cx="1608668" cy="381000"/>
-          </a:xfrm>
-          <a:prstGeom prst="rect">
-            <a:avLst/>
-          </a:prstGeom>
-          <a:noFill/>
-        </p:spPr>
-        <p:style>
-          <a:lnRef idx="2">
-            <a:schemeClr val="accent1">
-              <a:shade val="50000"/>
-            </a:schemeClr>
-          </a:lnRef>
-          <a:fillRef idx="1">
-            <a:schemeClr val="accent1"/>
-          </a:fillRef>
-          <a:effectRef idx="0">
-            <a:schemeClr val="accent1"/>
-          </a:effectRef>
-          <a:fontRef idx="minor">
-            <a:schemeClr val="lt1"/>
-          </a:fontRef>
-        </p:style>
-        <p:txBody>
-          <a:bodyPr rtlCol="0" anchor="ctr"/>
-          <a:lstStyle/>
-          <a:p>
-            <a:pPr algn="ctr"/>
-            <a:endParaRPr lang="en-US"/>
-          </a:p>
-        </p:txBody>
-      </p:sp>
-      <p:sp>
-        <p:nvSpPr>
-          <p:cNvPr id="20" name="TextBox 19"/>
-          <p:cNvSpPr txBox="1"/>
-          <p:nvPr/>
-        </p:nvSpPr>
-        <p:spPr>
-          <a:xfrm>
-            <a:off x="5030510" y="2758070"/>
-            <a:ext cx="1726948" cy="369332"/>
-          </a:xfrm>
-          <a:prstGeom prst="rect">
-            <a:avLst/>
-          </a:prstGeom>
-          <a:noFill/>
-        </p:spPr>
-        <p:txBody>
-          <a:bodyPr wrap="none" rtlCol="0">
-            <a:spAutoFit/>
-          </a:bodyPr>
-          <a:lstStyle/>
-          <a:p>
-            <a:pPr algn="ctr"/>
-            <a:r>
-              <a:rPr lang="en-US" dirty="0" err="1" smtClean="0"/>
-              <a:t>OracleCatalogue</a:t>
-            </a:r>
-            <a:endParaRPr lang="en-US" dirty="0"/>
-          </a:p>
-        </p:txBody>
-      </p:sp>
-      <p:sp>
-        <p:nvSpPr>
-          <p:cNvPr id="21" name="Rectangle 20"/>
-          <p:cNvSpPr/>
-          <p:nvPr/>
-        </p:nvSpPr>
-        <p:spPr>
-          <a:xfrm>
-            <a:off x="6913672" y="2746402"/>
-            <a:ext cx="1608668" cy="381000"/>
-          </a:xfrm>
-          <a:prstGeom prst="rect">
-            <a:avLst/>
-          </a:prstGeom>
-          <a:noFill/>
-        </p:spPr>
-        <p:style>
-          <a:lnRef idx="2">
-            <a:schemeClr val="accent1">
-              <a:shade val="50000"/>
-            </a:schemeClr>
-          </a:lnRef>
-          <a:fillRef idx="1">
-            <a:schemeClr val="accent1"/>
-          </a:fillRef>
-          <a:effectRef idx="0">
-            <a:schemeClr val="accent1"/>
-          </a:effectRef>
-          <a:fontRef idx="minor">
-            <a:schemeClr val="lt1"/>
-          </a:fontRef>
-        </p:style>
-        <p:txBody>
-          <a:bodyPr rtlCol="0" anchor="ctr"/>
-          <a:lstStyle/>
-          <a:p>
-            <a:pPr algn="ctr"/>
-            <a:endParaRPr lang="en-US"/>
-          </a:p>
-        </p:txBody>
-      </p:sp>
-      <p:sp>
-        <p:nvSpPr>
-          <p:cNvPr id="22" name="TextBox 21"/>
-          <p:cNvSpPr txBox="1"/>
-          <p:nvPr/>
-        </p:nvSpPr>
-        <p:spPr>
-          <a:xfrm>
-            <a:off x="6865102" y="2758070"/>
-            <a:ext cx="1686231" cy="369332"/>
-          </a:xfrm>
-          <a:prstGeom prst="rect">
-            <a:avLst/>
-          </a:prstGeom>
-          <a:noFill/>
-        </p:spPr>
-        <p:txBody>
-          <a:bodyPr wrap="none" rtlCol="0">
-            <a:spAutoFit/>
-          </a:bodyPr>
-          <a:lstStyle/>
-          <a:p>
-            <a:pPr algn="ctr"/>
-            <a:r>
-              <a:rPr lang="en-US" dirty="0" err="1" smtClean="0"/>
-              <a:t>MysqlCatalogue</a:t>
-            </a:r>
-            <a:endParaRPr lang="en-US" dirty="0"/>
-          </a:p>
-        </p:txBody>
-      </p:sp>
-      <p:cxnSp>
-        <p:nvCxnSpPr>
-          <p:cNvPr id="26" name="Straight Connector 25"/>
-          <p:cNvCxnSpPr>
-            <a:stCxn id="31" idx="3"/>
-            <a:endCxn id="19" idx="0"/>
-          </p:cNvCxnSpPr>
-          <p:nvPr/>
-        </p:nvCxnSpPr>
-        <p:spPr>
-          <a:xfrm>
-            <a:off x="5892787" y="2444818"/>
-            <a:ext cx="10985" cy="301584"/>
-          </a:xfrm>
-          <a:prstGeom prst="line">
-            <a:avLst/>
-          </a:prstGeom>
-        </p:spPr>
-        <p:style>
-          <a:lnRef idx="1">
-            <a:schemeClr val="accent1"/>
-          </a:lnRef>
-          <a:fillRef idx="0">
-            <a:schemeClr val="accent1"/>
-          </a:fillRef>
-          <a:effectRef idx="0">
-            <a:schemeClr val="accent1"/>
-          </a:effectRef>
-          <a:fontRef idx="minor">
-            <a:schemeClr val="tx1"/>
-          </a:fontRef>
-        </p:style>
-      </p:cxnSp>
-      <p:sp>
-        <p:nvSpPr>
-          <p:cNvPr id="31" name="Triangle 30"/>
-          <p:cNvSpPr/>
-          <p:nvPr/>
-        </p:nvSpPr>
-        <p:spPr>
-          <a:xfrm>
-            <a:off x="5602914" y="2091326"/>
-            <a:ext cx="579745" cy="353492"/>
-          </a:xfrm>
-          <a:prstGeom prst="triangle">
-            <a:avLst/>
-          </a:prstGeom>
-          <a:solidFill>
-            <a:schemeClr val="bg1"/>
-          </a:solidFill>
-        </p:spPr>
-        <p:style>
-          <a:lnRef idx="2">
-            <a:schemeClr val="accent1">
-              <a:shade val="50000"/>
-            </a:schemeClr>
-          </a:lnRef>
-          <a:fillRef idx="1">
-            <a:schemeClr val="accent1"/>
-          </a:fillRef>
-          <a:effectRef idx="0">
-            <a:schemeClr val="accent1"/>
-          </a:effectRef>
-          <a:fontRef idx="minor">
-            <a:schemeClr val="lt1"/>
-          </a:fontRef>
-        </p:style>
-        <p:txBody>
-          <a:bodyPr rtlCol="0" anchor="ctr"/>
-          <a:lstStyle/>
-          <a:p>
-            <a:pPr algn="ctr"/>
-            <a:endParaRPr lang="en-US"/>
-          </a:p>
-        </p:txBody>
-      </p:sp>
-      <p:cxnSp>
-        <p:nvCxnSpPr>
-          <p:cNvPr id="35" name="Elbow Connector 34"/>
-          <p:cNvCxnSpPr>
-            <a:stCxn id="31" idx="3"/>
-            <a:endCxn id="21" idx="0"/>
-          </p:cNvCxnSpPr>
-          <p:nvPr/>
-        </p:nvCxnSpPr>
-        <p:spPr>
-          <a:xfrm rot="16200000" flipH="1">
-            <a:off x="6654604" y="1683000"/>
-            <a:ext cx="301584" cy="1825219"/>
-          </a:xfrm>
-          <a:prstGeom prst="bentConnector3">
-            <a:avLst/>
-          </a:prstGeom>
-        </p:spPr>
-        <p:style>
-          <a:lnRef idx="1">
-            <a:schemeClr val="accent1"/>
-          </a:lnRef>
-          <a:fillRef idx="0">
-            <a:schemeClr val="accent1"/>
-          </a:fillRef>
-          <a:effectRef idx="0">
-            <a:schemeClr val="accent1"/>
-          </a:effectRef>
-          <a:fontRef idx="minor">
-            <a:schemeClr val="tx1"/>
-          </a:fontRef>
-        </p:style>
-      </p:cxnSp>
-      <p:cxnSp>
-        <p:nvCxnSpPr>
-          <p:cNvPr id="37" name="Elbow Connector 36"/>
-          <p:cNvCxnSpPr>
-            <a:stCxn id="31" idx="3"/>
-            <a:endCxn id="15" idx="0"/>
-          </p:cNvCxnSpPr>
-          <p:nvPr/>
-        </p:nvCxnSpPr>
-        <p:spPr>
-          <a:xfrm rot="5400000">
-            <a:off x="4871910" y="1702189"/>
-            <a:ext cx="278248" cy="1763506"/>
-          </a:xfrm>
-          <a:prstGeom prst="bentConnector3">
-            <a:avLst/>
-          </a:prstGeom>
-        </p:spPr>
-        <p:style>
-          <a:lnRef idx="1">
-            <a:schemeClr val="accent1"/>
-          </a:lnRef>
-          <a:fillRef idx="0">
-            <a:schemeClr val="accent1"/>
-          </a:fillRef>
-          <a:effectRef idx="0">
-            <a:schemeClr val="accent1"/>
-          </a:effectRef>
-          <a:fontRef idx="minor">
-            <a:schemeClr val="tx1"/>
-          </a:fontRef>
-        </p:style>
-      </p:cxnSp>
-      <p:sp>
-        <p:nvSpPr>
-          <p:cNvPr id="38" name="Triangle 37"/>
-          <p:cNvSpPr/>
-          <p:nvPr/>
-        </p:nvSpPr>
-        <p:spPr>
-          <a:xfrm>
-            <a:off x="5602914" y="1159995"/>
-            <a:ext cx="579745" cy="353492"/>
-          </a:xfrm>
-          <a:prstGeom prst="triangle">
-            <a:avLst/>
-          </a:prstGeom>
-          <a:solidFill>
-            <a:schemeClr val="bg1"/>
-          </a:solidFill>
-        </p:spPr>
-        <p:style>
-          <a:lnRef idx="2">
-            <a:schemeClr val="accent1">
-              <a:shade val="50000"/>
-            </a:schemeClr>
-          </a:lnRef>
-          <a:fillRef idx="1">
-            <a:schemeClr val="accent1"/>
-          </a:fillRef>
-          <a:effectRef idx="0">
-            <a:schemeClr val="accent1"/>
-          </a:effectRef>
-          <a:fontRef idx="minor">
-            <a:schemeClr val="lt1"/>
-          </a:fontRef>
-        </p:style>
-        <p:txBody>
-          <a:bodyPr rtlCol="0" anchor="ctr"/>
-          <a:lstStyle/>
-          <a:p>
-            <a:pPr algn="ctr"/>
-            <a:endParaRPr lang="en-US"/>
-          </a:p>
-        </p:txBody>
-      </p:sp>
-      <p:sp>
-        <p:nvSpPr>
-          <p:cNvPr id="41" name="Rectangle 40"/>
-          <p:cNvSpPr/>
-          <p:nvPr/>
-        </p:nvSpPr>
-        <p:spPr>
-          <a:xfrm>
-            <a:off x="2546771" y="3671333"/>
-            <a:ext cx="3166893" cy="369332"/>
-          </a:xfrm>
-          <a:prstGeom prst="rect">
-            <a:avLst/>
-          </a:prstGeom>
-          <a:noFill/>
-        </p:spPr>
-        <p:style>
-          <a:lnRef idx="2">
-            <a:schemeClr val="accent1">
-              <a:shade val="50000"/>
-            </a:schemeClr>
-          </a:lnRef>
-          <a:fillRef idx="1">
-            <a:schemeClr val="accent1"/>
-          </a:fillRef>
-          <a:effectRef idx="0">
-            <a:schemeClr val="accent1"/>
-          </a:effectRef>
-          <a:fontRef idx="minor">
-            <a:schemeClr val="lt1"/>
-          </a:fontRef>
-        </p:style>
-        <p:txBody>
-          <a:bodyPr rtlCol="0" anchor="ctr"/>
-          <a:lstStyle/>
-          <a:p>
-            <a:pPr algn="ctr"/>
-            <a:endParaRPr lang="en-US"/>
-          </a:p>
-        </p:txBody>
-      </p:sp>
-      <p:sp>
-        <p:nvSpPr>
-          <p:cNvPr id="42" name="TextBox 41"/>
-          <p:cNvSpPr txBox="1"/>
-          <p:nvPr/>
-        </p:nvSpPr>
-        <p:spPr>
-          <a:xfrm>
-            <a:off x="2546771" y="3683001"/>
-            <a:ext cx="3166894" cy="369332"/>
-          </a:xfrm>
-          <a:prstGeom prst="rect">
-            <a:avLst/>
-          </a:prstGeom>
-          <a:noFill/>
-        </p:spPr>
-        <p:txBody>
-          <a:bodyPr wrap="none" rtlCol="0">
-            <a:spAutoFit/>
-          </a:bodyPr>
-          <a:lstStyle/>
-          <a:p>
-            <a:pPr algn="ctr"/>
-            <a:r>
-              <a:rPr lang="en-US" dirty="0" err="1" smtClean="0"/>
-              <a:t>SchemaCreatingSqliteCatalogue</a:t>
-            </a:r>
-            <a:endParaRPr lang="en-US" dirty="0"/>
-          </a:p>
-        </p:txBody>
-      </p:sp>
-      <p:sp>
-        <p:nvSpPr>
-          <p:cNvPr id="45" name="Rectangle 44"/>
-          <p:cNvSpPr/>
-          <p:nvPr/>
-        </p:nvSpPr>
-        <p:spPr>
-          <a:xfrm>
-            <a:off x="3076300" y="4691000"/>
-            <a:ext cx="2105961" cy="392668"/>
-          </a:xfrm>
-          <a:prstGeom prst="rect">
-            <a:avLst/>
-          </a:prstGeom>
-          <a:noFill/>
-        </p:spPr>
-        <p:style>
-          <a:lnRef idx="2">
-            <a:schemeClr val="accent1">
-              <a:shade val="50000"/>
-            </a:schemeClr>
-          </a:lnRef>
-          <a:fillRef idx="1">
-            <a:schemeClr val="accent1"/>
-          </a:fillRef>
-          <a:effectRef idx="0">
-            <a:schemeClr val="accent1"/>
-          </a:effectRef>
-          <a:fontRef idx="minor">
-            <a:schemeClr val="lt1"/>
-          </a:fontRef>
-        </p:style>
-        <p:txBody>
-          <a:bodyPr rtlCol="0" anchor="ctr"/>
-          <a:lstStyle/>
-          <a:p>
-            <a:pPr algn="ctr"/>
-            <a:endParaRPr lang="en-US"/>
-          </a:p>
-        </p:txBody>
-      </p:sp>
-      <p:sp>
-        <p:nvSpPr>
-          <p:cNvPr id="46" name="TextBox 45"/>
-          <p:cNvSpPr txBox="1"/>
-          <p:nvPr/>
-        </p:nvSpPr>
-        <p:spPr>
-          <a:xfrm>
-            <a:off x="3076300" y="4702668"/>
-            <a:ext cx="2105962" cy="369332"/>
-          </a:xfrm>
-          <a:prstGeom prst="rect">
-            <a:avLst/>
-          </a:prstGeom>
-          <a:noFill/>
-        </p:spPr>
-        <p:txBody>
-          <a:bodyPr wrap="none" rtlCol="0">
-            <a:spAutoFit/>
-          </a:bodyPr>
-          <a:lstStyle/>
-          <a:p>
-            <a:pPr algn="ctr"/>
-            <a:r>
-              <a:rPr lang="en-US" dirty="0" err="1" smtClean="0"/>
-              <a:t>InMemoryCatalogue</a:t>
-            </a:r>
-            <a:endParaRPr lang="en-US" dirty="0"/>
-          </a:p>
-        </p:txBody>
-      </p:sp>
-      <p:sp>
-        <p:nvSpPr>
-          <p:cNvPr id="47" name="Triangle 46"/>
-          <p:cNvSpPr/>
-          <p:nvPr/>
-        </p:nvSpPr>
-        <p:spPr>
-          <a:xfrm>
-            <a:off x="3829619" y="3101463"/>
-            <a:ext cx="579745" cy="353492"/>
-          </a:xfrm>
-          <a:prstGeom prst="triangle">
-            <a:avLst/>
-          </a:prstGeom>
-          <a:solidFill>
-            <a:schemeClr val="bg1"/>
-          </a:solidFill>
-        </p:spPr>
-        <p:style>
-          <a:lnRef idx="2">
-            <a:schemeClr val="accent1">
-              <a:shade val="50000"/>
-            </a:schemeClr>
-          </a:lnRef>
-          <a:fillRef idx="1">
-            <a:schemeClr val="accent1"/>
-          </a:fillRef>
-          <a:effectRef idx="0">
-            <a:schemeClr val="accent1"/>
-          </a:effectRef>
-          <a:fontRef idx="minor">
-            <a:schemeClr val="lt1"/>
-          </a:fontRef>
-        </p:style>
-        <p:txBody>
-          <a:bodyPr rtlCol="0" anchor="ctr"/>
-          <a:lstStyle/>
-          <a:p>
-            <a:pPr algn="ctr"/>
-            <a:endParaRPr lang="en-US"/>
-          </a:p>
-        </p:txBody>
-      </p:sp>
-      <p:sp>
-        <p:nvSpPr>
-          <p:cNvPr id="48" name="Triangle 47"/>
-          <p:cNvSpPr/>
-          <p:nvPr/>
-        </p:nvSpPr>
-        <p:spPr>
-          <a:xfrm>
-            <a:off x="3829619" y="4057305"/>
-            <a:ext cx="579745" cy="353492"/>
-          </a:xfrm>
-          <a:prstGeom prst="triangle">
-            <a:avLst/>
-          </a:prstGeom>
-          <a:solidFill>
-            <a:schemeClr val="bg1"/>
-          </a:solidFill>
-        </p:spPr>
-        <p:style>
-          <a:lnRef idx="2">
-            <a:schemeClr val="accent1">
-              <a:shade val="50000"/>
-            </a:schemeClr>
-          </a:lnRef>
-          <a:fillRef idx="1">
-            <a:schemeClr val="accent1"/>
-          </a:fillRef>
-          <a:effectRef idx="0">
-            <a:schemeClr val="accent1"/>
-          </a:effectRef>
-          <a:fontRef idx="minor">
-            <a:schemeClr val="lt1"/>
-          </a:fontRef>
-        </p:style>
-        <p:txBody>
-          <a:bodyPr rtlCol="0" anchor="ctr"/>
-          <a:lstStyle/>
-          <a:p>
-            <a:pPr algn="ctr"/>
-            <a:endParaRPr lang="en-US"/>
-          </a:p>
-        </p:txBody>
-      </p:sp>
-      <p:cxnSp>
-        <p:nvCxnSpPr>
-          <p:cNvPr id="52" name="Straight Connector 51"/>
-          <p:cNvCxnSpPr>
-            <a:stCxn id="47" idx="3"/>
-            <a:endCxn id="42" idx="0"/>
-          </p:cNvCxnSpPr>
-          <p:nvPr/>
-        </p:nvCxnSpPr>
-        <p:spPr>
-          <a:xfrm>
-            <a:off x="4119492" y="3454955"/>
-            <a:ext cx="10726" cy="228046"/>
-          </a:xfrm>
-          <a:prstGeom prst="line">
-            <a:avLst/>
-          </a:prstGeom>
-        </p:spPr>
-        <p:style>
-          <a:lnRef idx="1">
-            <a:schemeClr val="accent1"/>
-          </a:lnRef>
-          <a:fillRef idx="0">
-            <a:schemeClr val="accent1"/>
-          </a:fillRef>
-          <a:effectRef idx="0">
-            <a:schemeClr val="accent1"/>
-          </a:effectRef>
-          <a:fontRef idx="minor">
-            <a:schemeClr val="tx1"/>
-          </a:fontRef>
-        </p:style>
-      </p:cxnSp>
-      <p:cxnSp>
-        <p:nvCxnSpPr>
-          <p:cNvPr id="54" name="Straight Connector 53"/>
-          <p:cNvCxnSpPr>
-            <a:stCxn id="48" idx="3"/>
-            <a:endCxn id="46" idx="0"/>
-          </p:cNvCxnSpPr>
-          <p:nvPr/>
-        </p:nvCxnSpPr>
-        <p:spPr>
-          <a:xfrm>
-            <a:off x="4119492" y="4410797"/>
-            <a:ext cx="9789" cy="291871"/>
-          </a:xfrm>
-          <a:prstGeom prst="line">
-            <a:avLst/>
-          </a:prstGeom>
-        </p:spPr>
-        <p:style>
-          <a:lnRef idx="1">
-            <a:schemeClr val="accent1"/>
-          </a:lnRef>
-          <a:fillRef idx="0">
-            <a:schemeClr val="accent1"/>
-          </a:fillRef>
-          <a:effectRef idx="0">
-            <a:schemeClr val="accent1"/>
-          </a:effectRef>
-          <a:fontRef idx="minor">
-            <a:schemeClr val="tx1"/>
-          </a:fontRef>
-        </p:style>
-      </p:cxnSp>
     </p:spTree>
     <p:extLst>
       <p:ext uri="{BB962C8B-B14F-4D97-AF65-F5344CB8AC3E}">
@@ -3876,15 +4021,1507 @@
           <a:chExt cx="0" cy="0"/>
         </a:xfrm>
       </p:grpSpPr>
-      <p:sp>
-        <p:nvSpPr>
-          <p:cNvPr id="106" name="Rectangle 105"/>
+      <p:grpSp>
+        <p:nvGrpSpPr>
+          <p:cNvPr id="15" name="Group 14"/>
+          <p:cNvGrpSpPr/>
+          <p:nvPr/>
+        </p:nvGrpSpPr>
+        <p:grpSpPr>
+          <a:xfrm>
+            <a:off x="97045" y="1451223"/>
+            <a:ext cx="5089278" cy="1737595"/>
+            <a:chOff x="216607" y="1687414"/>
+            <a:chExt cx="5089278" cy="1737595"/>
+          </a:xfrm>
+        </p:grpSpPr>
+        <p:sp>
+          <p:nvSpPr>
+            <p:cNvPr id="106" name="Rectangle 105"/>
+            <p:cNvSpPr/>
+            <p:nvPr/>
+          </p:nvSpPr>
+          <p:spPr>
+            <a:xfrm>
+              <a:off x="1917553" y="3044009"/>
+              <a:ext cx="1608668" cy="381000"/>
+            </a:xfrm>
+            <a:prstGeom prst="rect">
+              <a:avLst/>
+            </a:prstGeom>
+            <a:noFill/>
+          </p:spPr>
+          <p:style>
+            <a:lnRef idx="2">
+              <a:schemeClr val="accent1">
+                <a:shade val="50000"/>
+              </a:schemeClr>
+            </a:lnRef>
+            <a:fillRef idx="1">
+              <a:schemeClr val="accent1"/>
+            </a:fillRef>
+            <a:effectRef idx="0">
+              <a:schemeClr val="accent1"/>
+            </a:effectRef>
+            <a:fontRef idx="minor">
+              <a:schemeClr val="lt1"/>
+            </a:fontRef>
+          </p:style>
+          <p:txBody>
+            <a:bodyPr rtlCol="0" anchor="ctr"/>
+            <a:lstStyle/>
+            <a:p>
+              <a:pPr algn="ctr"/>
+              <a:endParaRPr lang="en-US"/>
+            </a:p>
+          </p:txBody>
+        </p:sp>
+        <p:sp>
+          <p:nvSpPr>
+            <p:cNvPr id="107" name="TextBox 106"/>
+            <p:cNvSpPr txBox="1"/>
+            <p:nvPr/>
+          </p:nvSpPr>
+          <p:spPr>
+            <a:xfrm>
+              <a:off x="1921080" y="3055677"/>
+              <a:ext cx="1582036" cy="369332"/>
+            </a:xfrm>
+            <a:prstGeom prst="rect">
+              <a:avLst/>
+            </a:prstGeom>
+            <a:noFill/>
+          </p:spPr>
+          <p:txBody>
+            <a:bodyPr wrap="none" rtlCol="0">
+              <a:spAutoFit/>
+            </a:bodyPr>
+            <a:lstStyle/>
+            <a:p>
+              <a:pPr algn="ctr"/>
+              <a:r>
+                <a:rPr lang="en-US" smtClean="0"/>
+                <a:t>ConnAndStmts</a:t>
+              </a:r>
+              <a:endParaRPr lang="en-US" dirty="0"/>
+            </a:p>
+          </p:txBody>
+        </p:sp>
+        <p:sp>
+          <p:nvSpPr>
+            <p:cNvPr id="119" name="Rectangle 118"/>
+            <p:cNvSpPr/>
+            <p:nvPr/>
+          </p:nvSpPr>
+          <p:spPr>
+            <a:xfrm>
+              <a:off x="216607" y="1808227"/>
+              <a:ext cx="1608668" cy="381000"/>
+            </a:xfrm>
+            <a:prstGeom prst="rect">
+              <a:avLst/>
+            </a:prstGeom>
+            <a:noFill/>
+          </p:spPr>
+          <p:style>
+            <a:lnRef idx="2">
+              <a:schemeClr val="accent1">
+                <a:shade val="50000"/>
+              </a:schemeClr>
+            </a:lnRef>
+            <a:fillRef idx="1">
+              <a:schemeClr val="accent1"/>
+            </a:fillRef>
+            <a:effectRef idx="0">
+              <a:schemeClr val="accent1"/>
+            </a:effectRef>
+            <a:fontRef idx="minor">
+              <a:schemeClr val="lt1"/>
+            </a:fontRef>
+          </p:style>
+          <p:txBody>
+            <a:bodyPr rtlCol="0" anchor="ctr"/>
+            <a:lstStyle/>
+            <a:p>
+              <a:pPr algn="ctr"/>
+              <a:endParaRPr lang="en-US"/>
+            </a:p>
+          </p:txBody>
+        </p:sp>
+        <p:sp>
+          <p:nvSpPr>
+            <p:cNvPr id="120" name="TextBox 119"/>
+            <p:cNvSpPr txBox="1"/>
+            <p:nvPr/>
+          </p:nvSpPr>
+          <p:spPr>
+            <a:xfrm>
+              <a:off x="674358" y="1819895"/>
+              <a:ext cx="673582" cy="369332"/>
+            </a:xfrm>
+            <a:prstGeom prst="rect">
+              <a:avLst/>
+            </a:prstGeom>
+            <a:noFill/>
+          </p:spPr>
+          <p:txBody>
+            <a:bodyPr wrap="none" rtlCol="0">
+              <a:spAutoFit/>
+            </a:bodyPr>
+            <a:lstStyle/>
+            <a:p>
+              <a:pPr algn="ctr"/>
+              <a:r>
+                <a:rPr lang="en-US" dirty="0" smtClean="0"/>
+                <a:t>Conn</a:t>
+              </a:r>
+              <a:endParaRPr lang="en-US" dirty="0"/>
+            </a:p>
+          </p:txBody>
+        </p:sp>
+        <p:sp>
+          <p:nvSpPr>
+            <p:cNvPr id="121" name="Diamond 120"/>
+            <p:cNvSpPr/>
+            <p:nvPr/>
+          </p:nvSpPr>
+          <p:spPr>
+            <a:xfrm rot="5400000">
+              <a:off x="850282" y="2233164"/>
+              <a:ext cx="321733" cy="260867"/>
+            </a:xfrm>
+            <a:prstGeom prst="diamond">
+              <a:avLst/>
+            </a:prstGeom>
+            <a:solidFill>
+              <a:schemeClr val="bg1"/>
+            </a:solidFill>
+          </p:spPr>
+          <p:style>
+            <a:lnRef idx="2">
+              <a:schemeClr val="accent1">
+                <a:shade val="50000"/>
+              </a:schemeClr>
+            </a:lnRef>
+            <a:fillRef idx="1">
+              <a:schemeClr val="accent1"/>
+            </a:fillRef>
+            <a:effectRef idx="0">
+              <a:schemeClr val="accent1"/>
+            </a:effectRef>
+            <a:fontRef idx="minor">
+              <a:schemeClr val="lt1"/>
+            </a:fontRef>
+          </p:style>
+          <p:txBody>
+            <a:bodyPr rtlCol="0" anchor="ctr"/>
+            <a:lstStyle/>
+            <a:p>
+              <a:pPr algn="ctr"/>
+              <a:endParaRPr lang="en-US"/>
+            </a:p>
+          </p:txBody>
+        </p:sp>
+        <p:sp>
+          <p:nvSpPr>
+            <p:cNvPr id="123" name="TextBox 122"/>
+            <p:cNvSpPr txBox="1"/>
+            <p:nvPr/>
+          </p:nvSpPr>
+          <p:spPr>
+            <a:xfrm>
+              <a:off x="1020941" y="2405383"/>
+              <a:ext cx="534121" cy="369332"/>
+            </a:xfrm>
+            <a:prstGeom prst="rect">
+              <a:avLst/>
+            </a:prstGeom>
+            <a:noFill/>
+          </p:spPr>
+          <p:txBody>
+            <a:bodyPr wrap="none" rtlCol="0">
+              <a:spAutoFit/>
+            </a:bodyPr>
+            <a:lstStyle/>
+            <a:p>
+              <a:r>
+                <a:rPr lang="en-US" dirty="0" smtClean="0"/>
+                <a:t>0..1</a:t>
+              </a:r>
+              <a:endParaRPr lang="en-US" dirty="0"/>
+            </a:p>
+          </p:txBody>
+        </p:sp>
+        <p:sp>
+          <p:nvSpPr>
+            <p:cNvPr id="124" name="TextBox 123"/>
+            <p:cNvSpPr txBox="1"/>
+            <p:nvPr/>
+          </p:nvSpPr>
+          <p:spPr>
+            <a:xfrm>
+              <a:off x="1461587" y="2923635"/>
+              <a:ext cx="534121" cy="369332"/>
+            </a:xfrm>
+            <a:prstGeom prst="rect">
+              <a:avLst/>
+            </a:prstGeom>
+            <a:noFill/>
+          </p:spPr>
+          <p:txBody>
+            <a:bodyPr wrap="none" rtlCol="0">
+              <a:spAutoFit/>
+            </a:bodyPr>
+            <a:lstStyle/>
+            <a:p>
+              <a:r>
+                <a:rPr lang="en-US" smtClean="0"/>
+                <a:t>0..1</a:t>
+              </a:r>
+              <a:endParaRPr lang="en-US" dirty="0"/>
+            </a:p>
+          </p:txBody>
+        </p:sp>
+        <p:sp>
+          <p:nvSpPr>
+            <p:cNvPr id="125" name="Rectangle 124"/>
+            <p:cNvSpPr/>
+            <p:nvPr/>
+          </p:nvSpPr>
+          <p:spPr>
+            <a:xfrm>
+              <a:off x="3697217" y="1816462"/>
+              <a:ext cx="1608668" cy="381000"/>
+            </a:xfrm>
+            <a:prstGeom prst="rect">
+              <a:avLst/>
+            </a:prstGeom>
+            <a:noFill/>
+          </p:spPr>
+          <p:style>
+            <a:lnRef idx="2">
+              <a:schemeClr val="accent1">
+                <a:shade val="50000"/>
+              </a:schemeClr>
+            </a:lnRef>
+            <a:fillRef idx="1">
+              <a:schemeClr val="accent1"/>
+            </a:fillRef>
+            <a:effectRef idx="0">
+              <a:schemeClr val="accent1"/>
+            </a:effectRef>
+            <a:fontRef idx="minor">
+              <a:schemeClr val="lt1"/>
+            </a:fontRef>
+          </p:style>
+          <p:txBody>
+            <a:bodyPr rtlCol="0" anchor="ctr"/>
+            <a:lstStyle/>
+            <a:p>
+              <a:pPr algn="ctr"/>
+              <a:endParaRPr lang="en-US"/>
+            </a:p>
+          </p:txBody>
+        </p:sp>
+        <p:sp>
+          <p:nvSpPr>
+            <p:cNvPr id="126" name="TextBox 125"/>
+            <p:cNvSpPr txBox="1"/>
+            <p:nvPr/>
+          </p:nvSpPr>
+          <p:spPr>
+            <a:xfrm>
+              <a:off x="3949691" y="1828130"/>
+              <a:ext cx="1084143" cy="369332"/>
+            </a:xfrm>
+            <a:prstGeom prst="rect">
+              <a:avLst/>
+            </a:prstGeom>
+            <a:noFill/>
+          </p:spPr>
+          <p:txBody>
+            <a:bodyPr wrap="none" rtlCol="0">
+              <a:spAutoFit/>
+            </a:bodyPr>
+            <a:lstStyle/>
+            <a:p>
+              <a:pPr algn="ctr"/>
+              <a:r>
+                <a:rPr lang="en-US" dirty="0" err="1" smtClean="0"/>
+                <a:t>ConnPool</a:t>
+              </a:r>
+              <a:endParaRPr lang="en-US" dirty="0"/>
+            </a:p>
+          </p:txBody>
+        </p:sp>
+        <p:cxnSp>
+          <p:nvCxnSpPr>
+            <p:cNvPr id="127" name="Straight Arrow Connector 126"/>
+            <p:cNvCxnSpPr>
+              <a:endCxn id="119" idx="3"/>
+            </p:cNvCxnSpPr>
+            <p:nvPr/>
+          </p:nvCxnSpPr>
+          <p:spPr>
+            <a:xfrm flipH="1" flipV="1">
+              <a:off x="1825275" y="1998727"/>
+              <a:ext cx="1871942" cy="8236"/>
+            </a:xfrm>
+            <a:prstGeom prst="straightConnector1">
+              <a:avLst/>
+            </a:prstGeom>
+            <a:ln>
+              <a:tailEnd type="triangle"/>
+            </a:ln>
+          </p:spPr>
+          <p:style>
+            <a:lnRef idx="1">
+              <a:schemeClr val="accent1"/>
+            </a:lnRef>
+            <a:fillRef idx="0">
+              <a:schemeClr val="accent1"/>
+            </a:fillRef>
+            <a:effectRef idx="0">
+              <a:schemeClr val="accent1"/>
+            </a:effectRef>
+            <a:fontRef idx="minor">
+              <a:schemeClr val="tx1"/>
+            </a:fontRef>
+          </p:style>
+        </p:cxnSp>
+        <p:sp>
+          <p:nvSpPr>
+            <p:cNvPr id="128" name="TextBox 127"/>
+            <p:cNvSpPr txBox="1"/>
+            <p:nvPr/>
+          </p:nvSpPr>
+          <p:spPr>
+            <a:xfrm>
+              <a:off x="2381872" y="1687414"/>
+              <a:ext cx="863378" cy="369332"/>
+            </a:xfrm>
+            <a:prstGeom prst="rect">
+              <a:avLst/>
+            </a:prstGeom>
+            <a:noFill/>
+          </p:spPr>
+          <p:txBody>
+            <a:bodyPr wrap="none" rtlCol="0">
+              <a:spAutoFit/>
+            </a:bodyPr>
+            <a:lstStyle/>
+            <a:p>
+              <a:r>
+                <a:rPr lang="en-US" dirty="0" smtClean="0"/>
+                <a:t>creates</a:t>
+              </a:r>
+              <a:endParaRPr lang="en-US" dirty="0"/>
+            </a:p>
+          </p:txBody>
+        </p:sp>
+        <p:sp>
+          <p:nvSpPr>
+            <p:cNvPr id="129" name="Diamond 128"/>
+            <p:cNvSpPr/>
+            <p:nvPr/>
+          </p:nvSpPr>
+          <p:spPr>
+            <a:xfrm rot="5400000">
+              <a:off x="4330895" y="2253644"/>
+              <a:ext cx="321733" cy="260867"/>
+            </a:xfrm>
+            <a:prstGeom prst="diamond">
+              <a:avLst/>
+            </a:prstGeom>
+            <a:solidFill>
+              <a:schemeClr val="bg1"/>
+            </a:solidFill>
+          </p:spPr>
+          <p:style>
+            <a:lnRef idx="2">
+              <a:schemeClr val="accent1">
+                <a:shade val="50000"/>
+              </a:schemeClr>
+            </a:lnRef>
+            <a:fillRef idx="1">
+              <a:schemeClr val="accent1"/>
+            </a:fillRef>
+            <a:effectRef idx="0">
+              <a:schemeClr val="accent1"/>
+            </a:effectRef>
+            <a:fontRef idx="minor">
+              <a:schemeClr val="lt1"/>
+            </a:fontRef>
+          </p:style>
+          <p:txBody>
+            <a:bodyPr rtlCol="0" anchor="ctr"/>
+            <a:lstStyle/>
+            <a:p>
+              <a:pPr algn="ctr"/>
+              <a:endParaRPr lang="en-US"/>
+            </a:p>
+          </p:txBody>
+        </p:sp>
+        <p:cxnSp>
+          <p:nvCxnSpPr>
+            <p:cNvPr id="131" name="Elbow Connector 130"/>
+            <p:cNvCxnSpPr>
+              <a:stCxn id="106" idx="3"/>
+            </p:cNvCxnSpPr>
+            <p:nvPr/>
+          </p:nvCxnSpPr>
+          <p:spPr>
+            <a:xfrm flipV="1">
+              <a:off x="3526221" y="2544945"/>
+              <a:ext cx="965540" cy="689564"/>
+            </a:xfrm>
+            <a:prstGeom prst="bentConnector3">
+              <a:avLst>
+                <a:gd name="adj1" fmla="val 99105"/>
+              </a:avLst>
+            </a:prstGeom>
+          </p:spPr>
+          <p:style>
+            <a:lnRef idx="1">
+              <a:schemeClr val="accent1"/>
+            </a:lnRef>
+            <a:fillRef idx="0">
+              <a:schemeClr val="accent1"/>
+            </a:fillRef>
+            <a:effectRef idx="0">
+              <a:schemeClr val="accent1"/>
+            </a:effectRef>
+            <a:fontRef idx="minor">
+              <a:schemeClr val="tx1"/>
+            </a:fontRef>
+          </p:style>
+        </p:cxnSp>
+        <p:sp>
+          <p:nvSpPr>
+            <p:cNvPr id="132" name="TextBox 131"/>
+            <p:cNvSpPr txBox="1"/>
+            <p:nvPr/>
+          </p:nvSpPr>
+          <p:spPr>
+            <a:xfrm>
+              <a:off x="3568098" y="2928660"/>
+              <a:ext cx="532518" cy="369332"/>
+            </a:xfrm>
+            <a:prstGeom prst="rect">
+              <a:avLst/>
+            </a:prstGeom>
+            <a:noFill/>
+          </p:spPr>
+          <p:txBody>
+            <a:bodyPr wrap="none" rtlCol="0">
+              <a:spAutoFit/>
+            </a:bodyPr>
+            <a:lstStyle/>
+            <a:p>
+              <a:r>
+                <a:rPr lang="en-US" dirty="0" smtClean="0"/>
+                <a:t>0..*</a:t>
+              </a:r>
+              <a:endParaRPr lang="en-US" dirty="0"/>
+            </a:p>
+          </p:txBody>
+        </p:sp>
+        <p:sp>
+          <p:nvSpPr>
+            <p:cNvPr id="133" name="TextBox 132"/>
+            <p:cNvSpPr txBox="1"/>
+            <p:nvPr/>
+          </p:nvSpPr>
+          <p:spPr>
+            <a:xfrm>
+              <a:off x="3967430" y="2410974"/>
+              <a:ext cx="534121" cy="369332"/>
+            </a:xfrm>
+            <a:prstGeom prst="rect">
+              <a:avLst/>
+            </a:prstGeom>
+            <a:noFill/>
+          </p:spPr>
+          <p:txBody>
+            <a:bodyPr wrap="none" rtlCol="0">
+              <a:spAutoFit/>
+            </a:bodyPr>
+            <a:lstStyle/>
+            <a:p>
+              <a:r>
+                <a:rPr lang="en-US" smtClean="0"/>
+                <a:t>0..1</a:t>
+              </a:r>
+              <a:endParaRPr lang="en-US" dirty="0"/>
+            </a:p>
+          </p:txBody>
+        </p:sp>
+        <p:cxnSp>
+          <p:nvCxnSpPr>
+            <p:cNvPr id="138" name="Elbow Connector 137"/>
+            <p:cNvCxnSpPr>
+              <a:stCxn id="106" idx="1"/>
+              <a:endCxn id="121" idx="3"/>
+            </p:cNvCxnSpPr>
+            <p:nvPr/>
+          </p:nvCxnSpPr>
+          <p:spPr>
+            <a:xfrm rot="10800000">
+              <a:off x="1011149" y="2524465"/>
+              <a:ext cx="906405" cy="710045"/>
+            </a:xfrm>
+            <a:prstGeom prst="bentConnector2">
+              <a:avLst/>
+            </a:prstGeom>
+          </p:spPr>
+          <p:style>
+            <a:lnRef idx="1">
+              <a:schemeClr val="accent1"/>
+            </a:lnRef>
+            <a:fillRef idx="0">
+              <a:schemeClr val="accent1"/>
+            </a:fillRef>
+            <a:effectRef idx="0">
+              <a:schemeClr val="accent1"/>
+            </a:effectRef>
+            <a:fontRef idx="minor">
+              <a:schemeClr val="tx1"/>
+            </a:fontRef>
+          </p:style>
+        </p:cxnSp>
+      </p:grpSp>
+      <p:grpSp>
+        <p:nvGrpSpPr>
+          <p:cNvPr id="16" name="Group 15"/>
+          <p:cNvGrpSpPr/>
+          <p:nvPr/>
+        </p:nvGrpSpPr>
+        <p:grpSpPr>
+          <a:xfrm>
+            <a:off x="5990023" y="1235071"/>
+            <a:ext cx="3718135" cy="2660502"/>
+            <a:chOff x="6705600" y="222057"/>
+            <a:chExt cx="3718135" cy="2660502"/>
+          </a:xfrm>
+        </p:grpSpPr>
+        <p:sp>
+          <p:nvSpPr>
+            <p:cNvPr id="38" name="Rectangle 37"/>
+            <p:cNvSpPr/>
+            <p:nvPr/>
+          </p:nvSpPr>
+          <p:spPr>
+            <a:xfrm>
+              <a:off x="7601744" y="222057"/>
+              <a:ext cx="1608668" cy="381000"/>
+            </a:xfrm>
+            <a:prstGeom prst="rect">
+              <a:avLst/>
+            </a:prstGeom>
+            <a:noFill/>
+          </p:spPr>
+          <p:style>
+            <a:lnRef idx="2">
+              <a:schemeClr val="accent1">
+                <a:shade val="50000"/>
+              </a:schemeClr>
+            </a:lnRef>
+            <a:fillRef idx="1">
+              <a:schemeClr val="accent1"/>
+            </a:fillRef>
+            <a:effectRef idx="0">
+              <a:schemeClr val="accent1"/>
+            </a:effectRef>
+            <a:fontRef idx="minor">
+              <a:schemeClr val="lt1"/>
+            </a:fontRef>
+          </p:style>
+          <p:txBody>
+            <a:bodyPr rtlCol="0" anchor="ctr"/>
+            <a:lstStyle/>
+            <a:p>
+              <a:pPr algn="ctr"/>
+              <a:endParaRPr lang="en-US"/>
+            </a:p>
+          </p:txBody>
+        </p:sp>
+        <p:sp>
+          <p:nvSpPr>
+            <p:cNvPr id="39" name="TextBox 38"/>
+            <p:cNvSpPr txBox="1"/>
+            <p:nvPr/>
+          </p:nvSpPr>
+          <p:spPr>
+            <a:xfrm>
+              <a:off x="7605271" y="233725"/>
+              <a:ext cx="1582036" cy="369332"/>
+            </a:xfrm>
+            <a:prstGeom prst="rect">
+              <a:avLst/>
+            </a:prstGeom>
+            <a:noFill/>
+          </p:spPr>
+          <p:txBody>
+            <a:bodyPr wrap="none" rtlCol="0">
+              <a:spAutoFit/>
+            </a:bodyPr>
+            <a:lstStyle/>
+            <a:p>
+              <a:pPr algn="ctr"/>
+              <a:r>
+                <a:rPr lang="en-US" smtClean="0"/>
+                <a:t>ConnAndStmts</a:t>
+              </a:r>
+              <a:endParaRPr lang="en-US" dirty="0"/>
+            </a:p>
+          </p:txBody>
+        </p:sp>
+        <p:sp>
+          <p:nvSpPr>
+            <p:cNvPr id="40" name="Rectangle 39"/>
+            <p:cNvSpPr/>
+            <p:nvPr/>
+          </p:nvSpPr>
+          <p:spPr>
+            <a:xfrm>
+              <a:off x="6705600" y="1260723"/>
+              <a:ext cx="1608668" cy="381000"/>
+            </a:xfrm>
+            <a:prstGeom prst="rect">
+              <a:avLst/>
+            </a:prstGeom>
+            <a:noFill/>
+          </p:spPr>
+          <p:style>
+            <a:lnRef idx="2">
+              <a:schemeClr val="accent1">
+                <a:shade val="50000"/>
+              </a:schemeClr>
+            </a:lnRef>
+            <a:fillRef idx="1">
+              <a:schemeClr val="accent1"/>
+            </a:fillRef>
+            <a:effectRef idx="0">
+              <a:schemeClr val="accent1"/>
+            </a:effectRef>
+            <a:fontRef idx="minor">
+              <a:schemeClr val="lt1"/>
+            </a:fontRef>
+          </p:style>
+          <p:txBody>
+            <a:bodyPr rtlCol="0" anchor="ctr"/>
+            <a:lstStyle/>
+            <a:p>
+              <a:pPr algn="ctr"/>
+              <a:endParaRPr lang="en-US"/>
+            </a:p>
+          </p:txBody>
+        </p:sp>
+        <p:sp>
+          <p:nvSpPr>
+            <p:cNvPr id="41" name="TextBox 40"/>
+            <p:cNvSpPr txBox="1"/>
+            <p:nvPr/>
+          </p:nvSpPr>
+          <p:spPr>
+            <a:xfrm>
+              <a:off x="6705602" y="1272391"/>
+              <a:ext cx="1589089" cy="369332"/>
+            </a:xfrm>
+            <a:prstGeom prst="rect">
+              <a:avLst/>
+            </a:prstGeom>
+            <a:noFill/>
+          </p:spPr>
+          <p:txBody>
+            <a:bodyPr wrap="none" rtlCol="0">
+              <a:spAutoFit/>
+            </a:bodyPr>
+            <a:lstStyle/>
+            <a:p>
+              <a:pPr algn="ctr"/>
+              <a:r>
+                <a:rPr lang="en-US" dirty="0"/>
+                <a:t>w</a:t>
+              </a:r>
+              <a:r>
+                <a:rPr lang="en-US" dirty="0" smtClean="0"/>
+                <a:t>rapper</a:t>
+              </a:r>
+              <a:r>
+                <a:rPr lang="en-US" dirty="0" smtClean="0"/>
+                <a:t>::Conn</a:t>
+              </a:r>
+              <a:endParaRPr lang="en-US" dirty="0"/>
+            </a:p>
+          </p:txBody>
+        </p:sp>
+        <p:sp>
+          <p:nvSpPr>
+            <p:cNvPr id="42" name="Rectangle 41"/>
+            <p:cNvSpPr/>
+            <p:nvPr/>
+          </p:nvSpPr>
+          <p:spPr>
+            <a:xfrm>
+              <a:off x="8772021" y="1272392"/>
+              <a:ext cx="1608668" cy="381000"/>
+            </a:xfrm>
+            <a:prstGeom prst="rect">
+              <a:avLst/>
+            </a:prstGeom>
+            <a:noFill/>
+          </p:spPr>
+          <p:style>
+            <a:lnRef idx="2">
+              <a:schemeClr val="accent1">
+                <a:shade val="50000"/>
+              </a:schemeClr>
+            </a:lnRef>
+            <a:fillRef idx="1">
+              <a:schemeClr val="accent1"/>
+            </a:fillRef>
+            <a:effectRef idx="0">
+              <a:schemeClr val="accent1"/>
+            </a:effectRef>
+            <a:fontRef idx="minor">
+              <a:schemeClr val="lt1"/>
+            </a:fontRef>
+          </p:style>
+          <p:txBody>
+            <a:bodyPr rtlCol="0" anchor="ctr"/>
+            <a:lstStyle/>
+            <a:p>
+              <a:pPr algn="ctr"/>
+              <a:endParaRPr lang="en-US"/>
+            </a:p>
+          </p:txBody>
+        </p:sp>
+        <p:sp>
+          <p:nvSpPr>
+            <p:cNvPr id="43" name="TextBox 42"/>
+            <p:cNvSpPr txBox="1"/>
+            <p:nvPr/>
+          </p:nvSpPr>
+          <p:spPr>
+            <a:xfrm>
+              <a:off x="9047964" y="1284060"/>
+              <a:ext cx="1037207" cy="369332"/>
+            </a:xfrm>
+            <a:prstGeom prst="rect">
+              <a:avLst/>
+            </a:prstGeom>
+            <a:noFill/>
+          </p:spPr>
+          <p:txBody>
+            <a:bodyPr wrap="none" rtlCol="0">
+              <a:spAutoFit/>
+            </a:bodyPr>
+            <a:lstStyle/>
+            <a:p>
+              <a:pPr algn="ctr"/>
+              <a:r>
+                <a:rPr lang="en-US" dirty="0" err="1" smtClean="0"/>
+                <a:t>StmtPool</a:t>
+              </a:r>
+              <a:endParaRPr lang="en-US" dirty="0"/>
+            </a:p>
+          </p:txBody>
+        </p:sp>
+        <p:sp>
+          <p:nvSpPr>
+            <p:cNvPr id="44" name="Diamond 43"/>
+            <p:cNvSpPr/>
+            <p:nvPr/>
+          </p:nvSpPr>
+          <p:spPr>
+            <a:xfrm rot="5400000">
+              <a:off x="7749909" y="645158"/>
+              <a:ext cx="321733" cy="260867"/>
+            </a:xfrm>
+            <a:prstGeom prst="diamond">
+              <a:avLst/>
+            </a:prstGeom>
+            <a:solidFill>
+              <a:schemeClr val="bg1"/>
+            </a:solidFill>
+          </p:spPr>
+          <p:style>
+            <a:lnRef idx="2">
+              <a:schemeClr val="accent1">
+                <a:shade val="50000"/>
+              </a:schemeClr>
+            </a:lnRef>
+            <a:fillRef idx="1">
+              <a:schemeClr val="accent1"/>
+            </a:fillRef>
+            <a:effectRef idx="0">
+              <a:schemeClr val="accent1"/>
+            </a:effectRef>
+            <a:fontRef idx="minor">
+              <a:schemeClr val="lt1"/>
+            </a:fontRef>
+          </p:style>
+          <p:txBody>
+            <a:bodyPr rtlCol="0" anchor="ctr"/>
+            <a:lstStyle/>
+            <a:p>
+              <a:pPr algn="ctr"/>
+              <a:endParaRPr lang="en-US"/>
+            </a:p>
+          </p:txBody>
+        </p:sp>
+        <p:sp>
+          <p:nvSpPr>
+            <p:cNvPr id="45" name="Diamond 44"/>
+            <p:cNvSpPr/>
+            <p:nvPr/>
+          </p:nvSpPr>
+          <p:spPr>
+            <a:xfrm rot="5400000">
+              <a:off x="8827472" y="645158"/>
+              <a:ext cx="321733" cy="260867"/>
+            </a:xfrm>
+            <a:prstGeom prst="diamond">
+              <a:avLst/>
+            </a:prstGeom>
+            <a:solidFill>
+              <a:schemeClr val="bg1"/>
+            </a:solidFill>
+          </p:spPr>
+          <p:style>
+            <a:lnRef idx="2">
+              <a:schemeClr val="accent1">
+                <a:shade val="50000"/>
+              </a:schemeClr>
+            </a:lnRef>
+            <a:fillRef idx="1">
+              <a:schemeClr val="accent1"/>
+            </a:fillRef>
+            <a:effectRef idx="0">
+              <a:schemeClr val="accent1"/>
+            </a:effectRef>
+            <a:fontRef idx="minor">
+              <a:schemeClr val="lt1"/>
+            </a:fontRef>
+          </p:style>
+          <p:txBody>
+            <a:bodyPr rtlCol="0" anchor="ctr"/>
+            <a:lstStyle/>
+            <a:p>
+              <a:pPr algn="ctr"/>
+              <a:endParaRPr lang="en-US"/>
+            </a:p>
+          </p:txBody>
+        </p:sp>
+        <p:cxnSp>
+          <p:nvCxnSpPr>
+            <p:cNvPr id="46" name="Elbow Connector 45"/>
+            <p:cNvCxnSpPr/>
+            <p:nvPr/>
+          </p:nvCxnSpPr>
+          <p:spPr>
+            <a:xfrm rot="16200000" flipH="1">
+              <a:off x="9114379" y="810416"/>
+              <a:ext cx="335934" cy="588017"/>
+            </a:xfrm>
+            <a:prstGeom prst="bentConnector3">
+              <a:avLst/>
+            </a:prstGeom>
+          </p:spPr>
+          <p:style>
+            <a:lnRef idx="1">
+              <a:schemeClr val="accent1"/>
+            </a:lnRef>
+            <a:fillRef idx="0">
+              <a:schemeClr val="accent1"/>
+            </a:fillRef>
+            <a:effectRef idx="0">
+              <a:schemeClr val="accent1"/>
+            </a:effectRef>
+            <a:fontRef idx="minor">
+              <a:schemeClr val="tx1"/>
+            </a:fontRef>
+          </p:style>
+        </p:cxnSp>
+        <p:sp>
+          <p:nvSpPr>
+            <p:cNvPr id="47" name="TextBox 46"/>
+            <p:cNvSpPr txBox="1"/>
+            <p:nvPr/>
+          </p:nvSpPr>
+          <p:spPr>
+            <a:xfrm>
+              <a:off x="7600624" y="763359"/>
+              <a:ext cx="301686" cy="369332"/>
+            </a:xfrm>
+            <a:prstGeom prst="rect">
+              <a:avLst/>
+            </a:prstGeom>
+            <a:noFill/>
+          </p:spPr>
+          <p:txBody>
+            <a:bodyPr wrap="none" rtlCol="0">
+              <a:spAutoFit/>
+            </a:bodyPr>
+            <a:lstStyle/>
+            <a:p>
+              <a:r>
+                <a:rPr lang="en-US" dirty="0" smtClean="0"/>
+                <a:t>1</a:t>
+              </a:r>
+              <a:endParaRPr lang="en-US" dirty="0"/>
+            </a:p>
+          </p:txBody>
+        </p:sp>
+        <p:sp>
+          <p:nvSpPr>
+            <p:cNvPr id="48" name="TextBox 47"/>
+            <p:cNvSpPr txBox="1"/>
+            <p:nvPr/>
+          </p:nvSpPr>
+          <p:spPr>
+            <a:xfrm>
+              <a:off x="9007211" y="775591"/>
+              <a:ext cx="301686" cy="369332"/>
+            </a:xfrm>
+            <a:prstGeom prst="rect">
+              <a:avLst/>
+            </a:prstGeom>
+            <a:noFill/>
+          </p:spPr>
+          <p:txBody>
+            <a:bodyPr wrap="none" rtlCol="0">
+              <a:spAutoFit/>
+            </a:bodyPr>
+            <a:lstStyle/>
+            <a:p>
+              <a:r>
+                <a:rPr lang="en-US" dirty="0" smtClean="0"/>
+                <a:t>1</a:t>
+              </a:r>
+              <a:endParaRPr lang="en-US" dirty="0"/>
+            </a:p>
+          </p:txBody>
+        </p:sp>
+        <p:sp>
+          <p:nvSpPr>
+            <p:cNvPr id="49" name="TextBox 48"/>
+            <p:cNvSpPr txBox="1"/>
+            <p:nvPr/>
+          </p:nvSpPr>
+          <p:spPr>
+            <a:xfrm>
+              <a:off x="7032919" y="935326"/>
+              <a:ext cx="534121" cy="369332"/>
+            </a:xfrm>
+            <a:prstGeom prst="rect">
+              <a:avLst/>
+            </a:prstGeom>
+            <a:noFill/>
+          </p:spPr>
+          <p:txBody>
+            <a:bodyPr wrap="none" rtlCol="0">
+              <a:spAutoFit/>
+            </a:bodyPr>
+            <a:lstStyle/>
+            <a:p>
+              <a:r>
+                <a:rPr lang="en-US" smtClean="0"/>
+                <a:t>0..1</a:t>
+              </a:r>
+              <a:endParaRPr lang="en-US" dirty="0"/>
+            </a:p>
+          </p:txBody>
+        </p:sp>
+        <p:sp>
+          <p:nvSpPr>
+            <p:cNvPr id="50" name="TextBox 49"/>
+            <p:cNvSpPr txBox="1"/>
+            <p:nvPr/>
+          </p:nvSpPr>
+          <p:spPr>
+            <a:xfrm>
+              <a:off x="9612828" y="956728"/>
+              <a:ext cx="534121" cy="369332"/>
+            </a:xfrm>
+            <a:prstGeom prst="rect">
+              <a:avLst/>
+            </a:prstGeom>
+            <a:noFill/>
+          </p:spPr>
+          <p:txBody>
+            <a:bodyPr wrap="none" rtlCol="0">
+              <a:spAutoFit/>
+            </a:bodyPr>
+            <a:lstStyle/>
+            <a:p>
+              <a:r>
+                <a:rPr lang="en-US" smtClean="0"/>
+                <a:t>0..1</a:t>
+              </a:r>
+              <a:endParaRPr lang="en-US" dirty="0"/>
+            </a:p>
+          </p:txBody>
+        </p:sp>
+        <p:cxnSp>
+          <p:nvCxnSpPr>
+            <p:cNvPr id="61" name="Elbow Connector 60"/>
+            <p:cNvCxnSpPr/>
+            <p:nvPr/>
+          </p:nvCxnSpPr>
+          <p:spPr>
+            <a:xfrm rot="5400000" flipH="1" flipV="1">
+              <a:off x="7537495" y="899111"/>
+              <a:ext cx="335933" cy="410628"/>
+            </a:xfrm>
+            <a:prstGeom prst="bentConnector3">
+              <a:avLst/>
+            </a:prstGeom>
+          </p:spPr>
+          <p:style>
+            <a:lnRef idx="1">
+              <a:schemeClr val="accent1"/>
+            </a:lnRef>
+            <a:fillRef idx="0">
+              <a:schemeClr val="accent1"/>
+            </a:fillRef>
+            <a:effectRef idx="0">
+              <a:schemeClr val="accent1"/>
+            </a:effectRef>
+            <a:fontRef idx="minor">
+              <a:schemeClr val="tx1"/>
+            </a:fontRef>
+          </p:style>
+        </p:cxnSp>
+        <p:sp>
+          <p:nvSpPr>
+            <p:cNvPr id="66" name="Rectangle 65"/>
+            <p:cNvSpPr/>
+            <p:nvPr/>
+          </p:nvSpPr>
+          <p:spPr>
+            <a:xfrm>
+              <a:off x="8815067" y="2501559"/>
+              <a:ext cx="1608668" cy="381000"/>
+            </a:xfrm>
+            <a:prstGeom prst="rect">
+              <a:avLst/>
+            </a:prstGeom>
+            <a:noFill/>
+          </p:spPr>
+          <p:style>
+            <a:lnRef idx="2">
+              <a:schemeClr val="accent1">
+                <a:shade val="50000"/>
+              </a:schemeClr>
+            </a:lnRef>
+            <a:fillRef idx="1">
+              <a:schemeClr val="accent1"/>
+            </a:fillRef>
+            <a:effectRef idx="0">
+              <a:schemeClr val="accent1"/>
+            </a:effectRef>
+            <a:fontRef idx="minor">
+              <a:schemeClr val="lt1"/>
+            </a:fontRef>
+          </p:style>
+          <p:txBody>
+            <a:bodyPr rtlCol="0" anchor="ctr"/>
+            <a:lstStyle/>
+            <a:p>
+              <a:pPr algn="ctr"/>
+              <a:endParaRPr lang="en-US"/>
+            </a:p>
+          </p:txBody>
+        </p:sp>
+        <p:sp>
+          <p:nvSpPr>
+            <p:cNvPr id="67" name="TextBox 66"/>
+            <p:cNvSpPr txBox="1"/>
+            <p:nvPr/>
+          </p:nvSpPr>
+          <p:spPr>
+            <a:xfrm>
+              <a:off x="8838536" y="2513227"/>
+              <a:ext cx="1542153" cy="369332"/>
+            </a:xfrm>
+            <a:prstGeom prst="rect">
+              <a:avLst/>
+            </a:prstGeom>
+            <a:noFill/>
+          </p:spPr>
+          <p:txBody>
+            <a:bodyPr wrap="none" rtlCol="0">
+              <a:spAutoFit/>
+            </a:bodyPr>
+            <a:lstStyle/>
+            <a:p>
+              <a:pPr algn="ctr"/>
+              <a:r>
+                <a:rPr lang="en-US" dirty="0"/>
+                <a:t>w</a:t>
+              </a:r>
+              <a:r>
+                <a:rPr lang="en-US" dirty="0" smtClean="0"/>
+                <a:t>rapper::</a:t>
+              </a:r>
+              <a:r>
+                <a:rPr lang="en-US" dirty="0" err="1" smtClean="0"/>
+                <a:t>Stmt</a:t>
+              </a:r>
+              <a:endParaRPr lang="en-US" dirty="0"/>
+            </a:p>
+          </p:txBody>
+        </p:sp>
+        <p:sp>
+          <p:nvSpPr>
+            <p:cNvPr id="68" name="Diamond 67"/>
+            <p:cNvSpPr/>
+            <p:nvPr/>
+          </p:nvSpPr>
+          <p:spPr>
+            <a:xfrm rot="5400000">
+              <a:off x="9455891" y="1688096"/>
+              <a:ext cx="321733" cy="260867"/>
+            </a:xfrm>
+            <a:prstGeom prst="diamond">
+              <a:avLst/>
+            </a:prstGeom>
+            <a:solidFill>
+              <a:schemeClr val="bg1"/>
+            </a:solidFill>
+          </p:spPr>
+          <p:style>
+            <a:lnRef idx="2">
+              <a:schemeClr val="accent1">
+                <a:shade val="50000"/>
+              </a:schemeClr>
+            </a:lnRef>
+            <a:fillRef idx="1">
+              <a:schemeClr val="accent1"/>
+            </a:fillRef>
+            <a:effectRef idx="0">
+              <a:schemeClr val="accent1"/>
+            </a:effectRef>
+            <a:fontRef idx="minor">
+              <a:schemeClr val="lt1"/>
+            </a:fontRef>
+          </p:style>
+          <p:txBody>
+            <a:bodyPr rtlCol="0" anchor="ctr"/>
+            <a:lstStyle/>
+            <a:p>
+              <a:pPr algn="ctr"/>
+              <a:endParaRPr lang="en-US"/>
+            </a:p>
+          </p:txBody>
+        </p:sp>
+        <p:cxnSp>
+          <p:nvCxnSpPr>
+            <p:cNvPr id="69" name="Straight Connector 68"/>
+            <p:cNvCxnSpPr/>
+            <p:nvPr/>
+          </p:nvCxnSpPr>
+          <p:spPr>
+            <a:xfrm flipH="1">
+              <a:off x="9609613" y="1979396"/>
+              <a:ext cx="7144" cy="533831"/>
+            </a:xfrm>
+            <a:prstGeom prst="line">
+              <a:avLst/>
+            </a:prstGeom>
+          </p:spPr>
+          <p:style>
+            <a:lnRef idx="1">
+              <a:schemeClr val="accent1"/>
+            </a:lnRef>
+            <a:fillRef idx="0">
+              <a:schemeClr val="accent1"/>
+            </a:fillRef>
+            <a:effectRef idx="0">
+              <a:schemeClr val="accent1"/>
+            </a:effectRef>
+            <a:fontRef idx="minor">
+              <a:schemeClr val="tx1"/>
+            </a:fontRef>
+          </p:style>
+        </p:cxnSp>
+        <p:sp>
+          <p:nvSpPr>
+            <p:cNvPr id="70" name="TextBox 69"/>
+            <p:cNvSpPr txBox="1"/>
+            <p:nvPr/>
+          </p:nvSpPr>
+          <p:spPr>
+            <a:xfrm>
+              <a:off x="9617500" y="2197462"/>
+              <a:ext cx="532518" cy="369332"/>
+            </a:xfrm>
+            <a:prstGeom prst="rect">
+              <a:avLst/>
+            </a:prstGeom>
+            <a:noFill/>
+          </p:spPr>
+          <p:txBody>
+            <a:bodyPr wrap="none" rtlCol="0">
+              <a:spAutoFit/>
+            </a:bodyPr>
+            <a:lstStyle/>
+            <a:p>
+              <a:r>
+                <a:rPr lang="en-US" dirty="0" smtClean="0"/>
+                <a:t>0..*</a:t>
+              </a:r>
+              <a:endParaRPr lang="en-US" dirty="0"/>
+            </a:p>
+          </p:txBody>
+        </p:sp>
+        <p:sp>
+          <p:nvSpPr>
+            <p:cNvPr id="71" name="TextBox 70"/>
+            <p:cNvSpPr txBox="1"/>
+            <p:nvPr/>
+          </p:nvSpPr>
+          <p:spPr>
+            <a:xfrm>
+              <a:off x="9628393" y="1805249"/>
+              <a:ext cx="301686" cy="369332"/>
+            </a:xfrm>
+            <a:prstGeom prst="rect">
+              <a:avLst/>
+            </a:prstGeom>
+            <a:noFill/>
+          </p:spPr>
+          <p:txBody>
+            <a:bodyPr wrap="none" rtlCol="0">
+              <a:spAutoFit/>
+            </a:bodyPr>
+            <a:lstStyle/>
+            <a:p>
+              <a:r>
+                <a:rPr lang="en-US" dirty="0" smtClean="0"/>
+                <a:t>1</a:t>
+              </a:r>
+              <a:endParaRPr lang="en-US" dirty="0"/>
+            </a:p>
+          </p:txBody>
+        </p:sp>
+      </p:grpSp>
+      <p:sp>
+        <p:nvSpPr>
+          <p:cNvPr id="3" name="TextBox 2"/>
+          <p:cNvSpPr txBox="1"/>
+          <p:nvPr/>
+        </p:nvSpPr>
+        <p:spPr>
+          <a:xfrm>
+            <a:off x="8323" y="28191"/>
+            <a:ext cx="5179036" cy="1477328"/>
+          </a:xfrm>
+          <a:prstGeom prst="rect">
+            <a:avLst/>
+          </a:prstGeom>
+          <a:noFill/>
+        </p:spPr>
+        <p:txBody>
+          <a:bodyPr wrap="square" rtlCol="0">
+            <a:spAutoFit/>
+          </a:bodyPr>
+          <a:lstStyle/>
+          <a:p>
+            <a:pPr algn="just"/>
+            <a:r>
+              <a:rPr lang="en-US" dirty="0" err="1" smtClean="0"/>
+              <a:t>ConnAndStmt</a:t>
+            </a:r>
+            <a:r>
+              <a:rPr lang="en-US" dirty="0" smtClean="0"/>
+              <a:t> objects contain the “real” data database resources. Conn objects temporarily own these “real” database resources and give them back to the corresponding </a:t>
+            </a:r>
+            <a:r>
+              <a:rPr lang="en-US" dirty="0" err="1" smtClean="0"/>
+              <a:t>ConnPool</a:t>
+            </a:r>
+            <a:r>
+              <a:rPr lang="en-US" dirty="0" smtClean="0"/>
+              <a:t> object when they go out of scope.</a:t>
+            </a:r>
+            <a:endParaRPr lang="en-US" dirty="0"/>
+          </a:p>
+        </p:txBody>
+      </p:sp>
+      <p:sp>
+        <p:nvSpPr>
+          <p:cNvPr id="73" name="Rectangle 72"/>
           <p:cNvSpPr/>
           <p:nvPr/>
         </p:nvSpPr>
         <p:spPr>
           <a:xfrm>
-            <a:off x="5095845" y="2673744"/>
+            <a:off x="59515" y="6237173"/>
+            <a:ext cx="2011135" cy="381000"/>
+          </a:xfrm>
+          <a:prstGeom prst="rect">
+            <a:avLst/>
+          </a:prstGeom>
+          <a:noFill/>
+        </p:spPr>
+        <p:style>
+          <a:lnRef idx="2">
+            <a:schemeClr val="accent1">
+              <a:shade val="50000"/>
+            </a:schemeClr>
+          </a:lnRef>
+          <a:fillRef idx="1">
+            <a:schemeClr val="accent1"/>
+          </a:fillRef>
+          <a:effectRef idx="0">
+            <a:schemeClr val="accent1"/>
+          </a:effectRef>
+          <a:fontRef idx="minor">
+            <a:schemeClr val="lt1"/>
+          </a:fontRef>
+        </p:style>
+        <p:txBody>
+          <a:bodyPr rtlCol="0" anchor="ctr"/>
+          <a:lstStyle/>
+          <a:p>
+            <a:pPr algn="ctr"/>
+            <a:endParaRPr lang="en-US"/>
+          </a:p>
+        </p:txBody>
+      </p:sp>
+      <p:sp>
+        <p:nvSpPr>
+          <p:cNvPr id="74" name="TextBox 73"/>
+          <p:cNvSpPr txBox="1"/>
+          <p:nvPr/>
+        </p:nvSpPr>
+        <p:spPr>
+          <a:xfrm>
+            <a:off x="80810" y="6248841"/>
+            <a:ext cx="1983834" cy="369332"/>
+          </a:xfrm>
+          <a:prstGeom prst="rect">
+            <a:avLst/>
+          </a:prstGeom>
+          <a:noFill/>
+        </p:spPr>
+        <p:txBody>
+          <a:bodyPr wrap="square" rtlCol="0">
+            <a:spAutoFit/>
+          </a:bodyPr>
+          <a:lstStyle/>
+          <a:p>
+            <a:pPr algn="ctr"/>
+            <a:r>
+              <a:rPr lang="en-US" dirty="0"/>
+              <a:t>w</a:t>
+            </a:r>
+            <a:r>
+              <a:rPr lang="en-US" dirty="0" smtClean="0"/>
+              <a:t>rapper</a:t>
+            </a:r>
+            <a:r>
+              <a:rPr lang="en-US" dirty="0" smtClean="0"/>
+              <a:t>::</a:t>
+            </a:r>
+            <a:r>
+              <a:rPr lang="en-US" dirty="0" err="1" smtClean="0"/>
+              <a:t>OcciConn</a:t>
+            </a:r>
+            <a:endParaRPr lang="en-US" dirty="0"/>
+          </a:p>
+        </p:txBody>
+      </p:sp>
+      <p:sp>
+        <p:nvSpPr>
+          <p:cNvPr id="76" name="TextBox 75"/>
+          <p:cNvSpPr txBox="1"/>
+          <p:nvPr/>
+        </p:nvSpPr>
+        <p:spPr>
+          <a:xfrm>
+            <a:off x="2120441" y="6248841"/>
+            <a:ext cx="1273297" cy="369332"/>
+          </a:xfrm>
+          <a:prstGeom prst="rect">
+            <a:avLst/>
+          </a:prstGeom>
+          <a:noFill/>
+        </p:spPr>
+        <p:txBody>
+          <a:bodyPr wrap="none" rtlCol="0">
+            <a:spAutoFit/>
+          </a:bodyPr>
+          <a:lstStyle/>
+          <a:p>
+            <a:pPr algn="ctr"/>
+            <a:r>
+              <a:rPr lang="en-US" dirty="0"/>
+              <a:t>w</a:t>
+            </a:r>
+            <a:r>
+              <a:rPr lang="en-US" dirty="0" smtClean="0"/>
+              <a:t>rapper</a:t>
+            </a:r>
+            <a:r>
+              <a:rPr lang="en-US" dirty="0" smtClean="0"/>
+              <a:t>::</a:t>
+            </a:r>
+            <a:r>
+              <a:rPr lang="mr-IN" dirty="0" smtClean="0"/>
+              <a:t>…</a:t>
+            </a:r>
+            <a:endParaRPr lang="en-US" dirty="0"/>
+          </a:p>
+        </p:txBody>
+      </p:sp>
+      <p:sp>
+        <p:nvSpPr>
+          <p:cNvPr id="79" name="TextBox 78"/>
+          <p:cNvSpPr txBox="1"/>
+          <p:nvPr/>
+        </p:nvSpPr>
+        <p:spPr>
+          <a:xfrm>
+            <a:off x="5878790" y="16156"/>
+            <a:ext cx="6259641" cy="1200329"/>
+          </a:xfrm>
+          <a:prstGeom prst="rect">
+            <a:avLst/>
+          </a:prstGeom>
+          <a:noFill/>
+        </p:spPr>
+        <p:txBody>
+          <a:bodyPr wrap="square" rtlCol="0">
+            <a:spAutoFit/>
+          </a:bodyPr>
+          <a:lstStyle/>
+          <a:p>
+            <a:pPr algn="just"/>
+            <a:r>
+              <a:rPr lang="en-US" dirty="0" err="1" smtClean="0"/>
+              <a:t>ConnAndStmt</a:t>
+            </a:r>
+            <a:r>
+              <a:rPr lang="en-US" dirty="0" smtClean="0"/>
+              <a:t> objects group database connections together with their prepared statements.  This is facilitates the requirement of needing to delete/release a database connection’s prepared statements before the connection itself is deleted/released.</a:t>
+            </a:r>
+            <a:endParaRPr lang="en-US" dirty="0"/>
+          </a:p>
+        </p:txBody>
+      </p:sp>
+      <p:sp>
+        <p:nvSpPr>
+          <p:cNvPr id="80" name="Rectangle 79"/>
+          <p:cNvSpPr/>
+          <p:nvPr/>
+        </p:nvSpPr>
+        <p:spPr>
+          <a:xfrm>
+            <a:off x="1103108" y="5007776"/>
             <a:ext cx="1608668" cy="381000"/>
           </a:xfrm>
           <a:prstGeom prst="rect">
@@ -3919,14 +5556,14 @@
       </p:sp>
       <p:sp>
         <p:nvSpPr>
-          <p:cNvPr id="107" name="TextBox 106"/>
+          <p:cNvPr id="81" name="TextBox 80"/>
           <p:cNvSpPr txBox="1"/>
           <p:nvPr/>
         </p:nvSpPr>
         <p:spPr>
           <a:xfrm>
-            <a:off x="5099372" y="2685412"/>
-            <a:ext cx="1582036" cy="369332"/>
+            <a:off x="1103109" y="5019444"/>
+            <a:ext cx="1589089" cy="369332"/>
           </a:xfrm>
           <a:prstGeom prst="rect">
             <a:avLst/>
@@ -3941,8 +5578,16 @@
           <a:p>
             <a:pPr algn="ctr"/>
             <a:r>
-              <a:rPr lang="en-US" smtClean="0"/>
-              <a:t>ConnAndStmts</a:t>
+              <a:rPr lang="en-US" dirty="0"/>
+              <a:t>w</a:t>
+            </a:r>
+            <a:r>
+              <a:rPr lang="en-US" dirty="0" smtClean="0"/>
+              <a:t>rapper</a:t>
+            </a:r>
+            <a:r>
+              <a:rPr lang="en-US" dirty="0" smtClean="0"/>
+              <a:t>::Conn</a:t>
             </a:r>
             <a:endParaRPr lang="en-US" dirty="0"/>
           </a:p>
@@ -3950,13 +5595,405 @@
       </p:sp>
       <p:sp>
         <p:nvSpPr>
-          <p:cNvPr id="108" name="Rectangle 107"/>
+          <p:cNvPr id="82" name="Triangle 81"/>
           <p:cNvSpPr/>
           <p:nvPr/>
         </p:nvSpPr>
         <p:spPr>
           <a:xfrm>
-            <a:off x="4199701" y="3712410"/>
+            <a:off x="1607780" y="5400444"/>
+            <a:ext cx="579745" cy="353492"/>
+          </a:xfrm>
+          <a:prstGeom prst="triangle">
+            <a:avLst/>
+          </a:prstGeom>
+          <a:solidFill>
+            <a:schemeClr val="bg1"/>
+          </a:solidFill>
+        </p:spPr>
+        <p:style>
+          <a:lnRef idx="2">
+            <a:schemeClr val="accent1">
+              <a:shade val="50000"/>
+            </a:schemeClr>
+          </a:lnRef>
+          <a:fillRef idx="1">
+            <a:schemeClr val="accent1"/>
+          </a:fillRef>
+          <a:effectRef idx="0">
+            <a:schemeClr val="accent1"/>
+          </a:effectRef>
+          <a:fontRef idx="minor">
+            <a:schemeClr val="lt1"/>
+          </a:fontRef>
+        </p:style>
+        <p:txBody>
+          <a:bodyPr rtlCol="0" anchor="ctr"/>
+          <a:lstStyle/>
+          <a:p>
+            <a:pPr algn="ctr"/>
+            <a:endParaRPr lang="en-US"/>
+          </a:p>
+        </p:txBody>
+      </p:sp>
+      <p:cxnSp>
+        <p:nvCxnSpPr>
+          <p:cNvPr id="5" name="Elbow Connector 4"/>
+          <p:cNvCxnSpPr>
+            <a:stCxn id="73" idx="0"/>
+            <a:endCxn id="82" idx="3"/>
+          </p:cNvCxnSpPr>
+          <p:nvPr/>
+        </p:nvCxnSpPr>
+        <p:spPr>
+          <a:xfrm rot="5400000" flipH="1" flipV="1">
+            <a:off x="1239750" y="5579270"/>
+            <a:ext cx="483237" cy="832570"/>
+          </a:xfrm>
+          <a:prstGeom prst="bentConnector3">
+            <a:avLst/>
+          </a:prstGeom>
+        </p:spPr>
+        <p:style>
+          <a:lnRef idx="1">
+            <a:schemeClr val="accent1"/>
+          </a:lnRef>
+          <a:fillRef idx="0">
+            <a:schemeClr val="accent1"/>
+          </a:fillRef>
+          <a:effectRef idx="0">
+            <a:schemeClr val="accent1"/>
+          </a:effectRef>
+          <a:fontRef idx="minor">
+            <a:schemeClr val="tx1"/>
+          </a:fontRef>
+        </p:style>
+      </p:cxnSp>
+      <p:sp>
+        <p:nvSpPr>
+          <p:cNvPr id="94" name="TextBox 93"/>
+          <p:cNvSpPr txBox="1"/>
+          <p:nvPr/>
+        </p:nvSpPr>
+        <p:spPr>
+          <a:xfrm>
+            <a:off x="8323" y="4309480"/>
+            <a:ext cx="10206500" cy="646331"/>
+          </a:xfrm>
+          <a:prstGeom prst="rect">
+            <a:avLst/>
+          </a:prstGeom>
+          <a:noFill/>
+        </p:spPr>
+        <p:txBody>
+          <a:bodyPr wrap="square" rtlCol="0">
+            <a:spAutoFit/>
+          </a:bodyPr>
+          <a:lstStyle/>
+          <a:p>
+            <a:pPr algn="just"/>
+            <a:r>
+              <a:rPr lang="en-US" dirty="0" smtClean="0"/>
+              <a:t>The wrapper::Conn, wrapper::</a:t>
+            </a:r>
+            <a:r>
+              <a:rPr lang="en-US" dirty="0" err="1" smtClean="0"/>
+              <a:t>Stmt</a:t>
+            </a:r>
+            <a:r>
+              <a:rPr lang="en-US" dirty="0" smtClean="0"/>
+              <a:t> and wrapper::</a:t>
+            </a:r>
+            <a:r>
+              <a:rPr lang="en-US" dirty="0" err="1" smtClean="0"/>
+              <a:t>Rset</a:t>
+            </a:r>
+            <a:r>
+              <a:rPr lang="en-US" dirty="0" smtClean="0"/>
+              <a:t> classes are extended in order to provide support for different relation database management systems. </a:t>
+            </a:r>
+            <a:endParaRPr lang="en-US" dirty="0"/>
+          </a:p>
+        </p:txBody>
+      </p:sp>
+      <p:grpSp>
+        <p:nvGrpSpPr>
+          <p:cNvPr id="24" name="Group 23"/>
+          <p:cNvGrpSpPr/>
+          <p:nvPr/>
+        </p:nvGrpSpPr>
+        <p:grpSpPr>
+          <a:xfrm>
+            <a:off x="2180680" y="6161417"/>
+            <a:ext cx="1343745" cy="555848"/>
+            <a:chOff x="2536280" y="5627778"/>
+            <a:chExt cx="1343745" cy="555848"/>
+          </a:xfrm>
+        </p:grpSpPr>
+        <p:sp>
+          <p:nvSpPr>
+            <p:cNvPr id="75" name="Rectangle 74"/>
+            <p:cNvSpPr/>
+            <p:nvPr/>
+          </p:nvSpPr>
+          <p:spPr>
+            <a:xfrm>
+              <a:off x="2536280" y="5715202"/>
+              <a:ext cx="1225758" cy="381000"/>
+            </a:xfrm>
+            <a:prstGeom prst="rect">
+              <a:avLst/>
+            </a:prstGeom>
+            <a:noFill/>
+            <a:ln>
+              <a:prstDash val="dash"/>
+            </a:ln>
+          </p:spPr>
+          <p:style>
+            <a:lnRef idx="2">
+              <a:schemeClr val="accent1">
+                <a:shade val="50000"/>
+              </a:schemeClr>
+            </a:lnRef>
+            <a:fillRef idx="1">
+              <a:schemeClr val="accent1"/>
+            </a:fillRef>
+            <a:effectRef idx="0">
+              <a:schemeClr val="accent1"/>
+            </a:effectRef>
+            <a:fontRef idx="minor">
+              <a:schemeClr val="lt1"/>
+            </a:fontRef>
+          </p:style>
+          <p:txBody>
+            <a:bodyPr rtlCol="0" anchor="ctr"/>
+            <a:lstStyle/>
+            <a:p>
+              <a:pPr algn="ctr"/>
+              <a:endParaRPr lang="en-US"/>
+            </a:p>
+          </p:txBody>
+        </p:sp>
+        <p:sp>
+          <p:nvSpPr>
+            <p:cNvPr id="154" name="Rectangle 153"/>
+            <p:cNvSpPr/>
+            <p:nvPr/>
+          </p:nvSpPr>
+          <p:spPr>
+            <a:xfrm>
+              <a:off x="3640613" y="5627778"/>
+              <a:ext cx="239412" cy="555848"/>
+            </a:xfrm>
+            <a:prstGeom prst="rect">
+              <a:avLst/>
+            </a:prstGeom>
+            <a:solidFill>
+              <a:schemeClr val="bg1"/>
+            </a:solidFill>
+            <a:ln>
+              <a:noFill/>
+              <a:prstDash val="dash"/>
+            </a:ln>
+          </p:spPr>
+          <p:style>
+            <a:lnRef idx="2">
+              <a:schemeClr val="accent1">
+                <a:shade val="50000"/>
+              </a:schemeClr>
+            </a:lnRef>
+            <a:fillRef idx="1">
+              <a:schemeClr val="accent1"/>
+            </a:fillRef>
+            <a:effectRef idx="0">
+              <a:schemeClr val="accent1"/>
+            </a:effectRef>
+            <a:fontRef idx="minor">
+              <a:schemeClr val="lt1"/>
+            </a:fontRef>
+          </p:style>
+          <p:txBody>
+            <a:bodyPr rtlCol="0" anchor="ctr"/>
+            <a:lstStyle/>
+            <a:p>
+              <a:pPr algn="ctr"/>
+              <a:endParaRPr lang="en-US"/>
+            </a:p>
+          </p:txBody>
+        </p:sp>
+      </p:grpSp>
+      <p:cxnSp>
+        <p:nvCxnSpPr>
+          <p:cNvPr id="26" name="Elbow Connector 25"/>
+          <p:cNvCxnSpPr>
+            <a:stCxn id="76" idx="0"/>
+            <a:endCxn id="82" idx="3"/>
+          </p:cNvCxnSpPr>
+          <p:nvPr/>
+        </p:nvCxnSpPr>
+        <p:spPr>
+          <a:xfrm rot="16200000" flipV="1">
+            <a:off x="2079920" y="5571670"/>
+            <a:ext cx="494905" cy="859437"/>
+          </a:xfrm>
+          <a:prstGeom prst="bentConnector3">
+            <a:avLst/>
+          </a:prstGeom>
+          <a:ln>
+            <a:prstDash val="dash"/>
+          </a:ln>
+        </p:spPr>
+        <p:style>
+          <a:lnRef idx="1">
+            <a:schemeClr val="accent1"/>
+          </a:lnRef>
+          <a:fillRef idx="0">
+            <a:schemeClr val="accent1"/>
+          </a:fillRef>
+          <a:effectRef idx="0">
+            <a:schemeClr val="accent1"/>
+          </a:effectRef>
+          <a:fontRef idx="minor">
+            <a:schemeClr val="tx1"/>
+          </a:fontRef>
+        </p:style>
+      </p:cxnSp>
+      <p:sp>
+        <p:nvSpPr>
+          <p:cNvPr id="166" name="Rectangle 165"/>
+          <p:cNvSpPr/>
+          <p:nvPr/>
+        </p:nvSpPr>
+        <p:spPr>
+          <a:xfrm>
+            <a:off x="3503852" y="6225505"/>
+            <a:ext cx="2011135" cy="381000"/>
+          </a:xfrm>
+          <a:prstGeom prst="rect">
+            <a:avLst/>
+          </a:prstGeom>
+          <a:noFill/>
+        </p:spPr>
+        <p:style>
+          <a:lnRef idx="2">
+            <a:schemeClr val="accent1">
+              <a:shade val="50000"/>
+            </a:schemeClr>
+          </a:lnRef>
+          <a:fillRef idx="1">
+            <a:schemeClr val="accent1"/>
+          </a:fillRef>
+          <a:effectRef idx="0">
+            <a:schemeClr val="accent1"/>
+          </a:effectRef>
+          <a:fontRef idx="minor">
+            <a:schemeClr val="lt1"/>
+          </a:fontRef>
+        </p:style>
+        <p:txBody>
+          <a:bodyPr rtlCol="0" anchor="ctr"/>
+          <a:lstStyle/>
+          <a:p>
+            <a:pPr algn="ctr"/>
+            <a:endParaRPr lang="en-US"/>
+          </a:p>
+        </p:txBody>
+      </p:sp>
+      <p:sp>
+        <p:nvSpPr>
+          <p:cNvPr id="167" name="TextBox 166"/>
+          <p:cNvSpPr txBox="1"/>
+          <p:nvPr/>
+        </p:nvSpPr>
+        <p:spPr>
+          <a:xfrm>
+            <a:off x="3525147" y="6237173"/>
+            <a:ext cx="1983834" cy="369332"/>
+          </a:xfrm>
+          <a:prstGeom prst="rect">
+            <a:avLst/>
+          </a:prstGeom>
+          <a:noFill/>
+        </p:spPr>
+        <p:txBody>
+          <a:bodyPr wrap="square" rtlCol="0">
+            <a:spAutoFit/>
+          </a:bodyPr>
+          <a:lstStyle/>
+          <a:p>
+            <a:pPr algn="ctr"/>
+            <a:r>
+              <a:rPr lang="en-US" dirty="0"/>
+              <a:t>w</a:t>
+            </a:r>
+            <a:r>
+              <a:rPr lang="en-US" dirty="0" smtClean="0"/>
+              <a:t>rapper</a:t>
+            </a:r>
+            <a:r>
+              <a:rPr lang="en-US" dirty="0" smtClean="0"/>
+              <a:t>::</a:t>
+            </a:r>
+            <a:r>
+              <a:rPr lang="en-US" dirty="0" err="1" smtClean="0"/>
+              <a:t>OcciStmt</a:t>
+            </a:r>
+            <a:endParaRPr lang="en-US" dirty="0"/>
+          </a:p>
+        </p:txBody>
+      </p:sp>
+      <p:sp>
+        <p:nvSpPr>
+          <p:cNvPr id="168" name="TextBox 167"/>
+          <p:cNvSpPr txBox="1"/>
+          <p:nvPr/>
+        </p:nvSpPr>
+        <p:spPr>
+          <a:xfrm>
+            <a:off x="5564778" y="6237173"/>
+            <a:ext cx="1273297" cy="369332"/>
+          </a:xfrm>
+          <a:prstGeom prst="rect">
+            <a:avLst/>
+          </a:prstGeom>
+          <a:noFill/>
+        </p:spPr>
+        <p:txBody>
+          <a:bodyPr wrap="none" rtlCol="0">
+            <a:spAutoFit/>
+          </a:bodyPr>
+          <a:lstStyle/>
+          <a:p>
+            <a:pPr algn="ctr"/>
+            <a:r>
+              <a:rPr lang="en-US" dirty="0"/>
+              <a:t>w</a:t>
+            </a:r>
+            <a:r>
+              <a:rPr lang="en-US" dirty="0" smtClean="0"/>
+              <a:t>rapper</a:t>
+            </a:r>
+            <a:r>
+              <a:rPr lang="en-US" dirty="0" smtClean="0"/>
+              <a:t>::</a:t>
+            </a:r>
+            <a:r>
+              <a:rPr lang="mr-IN" dirty="0" smtClean="0"/>
+              <a:t>…</a:t>
+            </a:r>
+            <a:endParaRPr lang="en-US" dirty="0"/>
+          </a:p>
+        </p:txBody>
+      </p:sp>
+      <p:sp>
+        <p:nvSpPr>
+          <p:cNvPr id="169" name="Rectangle 168"/>
+          <p:cNvSpPr/>
+          <p:nvPr/>
+        </p:nvSpPr>
+        <p:spPr>
+          <a:xfrm>
+            <a:off x="4547445" y="4996108"/>
             <a:ext cx="1608668" cy="381000"/>
           </a:xfrm>
           <a:prstGeom prst="rect">
@@ -3991,14 +6028,14 @@
       </p:sp>
       <p:sp>
         <p:nvSpPr>
-          <p:cNvPr id="109" name="TextBox 108"/>
+          <p:cNvPr id="170" name="TextBox 169"/>
           <p:cNvSpPr txBox="1"/>
           <p:nvPr/>
         </p:nvSpPr>
         <p:spPr>
           <a:xfrm>
-            <a:off x="4230961" y="3724078"/>
-            <a:ext cx="1526573" cy="369332"/>
+            <a:off x="4570914" y="5007776"/>
+            <a:ext cx="1542153" cy="369332"/>
           </a:xfrm>
           <a:prstGeom prst="rect">
             <a:avLst/>
@@ -4013,12 +6050,20 @@
           <a:p>
             <a:pPr algn="ctr"/>
             <a:r>
-              <a:rPr lang="en-US" dirty="0" err="1"/>
+              <a:rPr lang="en-US" dirty="0"/>
               <a:t>w</a:t>
             </a:r>
             <a:r>
+              <a:rPr lang="en-US" dirty="0" smtClean="0"/>
+              <a:t>rapper</a:t>
+            </a:r>
+            <a:r>
+              <a:rPr lang="en-US" dirty="0" smtClean="0"/>
+              <a:t>::</a:t>
+            </a:r>
+            <a:r>
               <a:rPr lang="en-US" dirty="0" err="1" smtClean="0"/>
-              <a:t>rapper:Conn</a:t>
+              <a:t>Stmt</a:t>
             </a:r>
             <a:endParaRPr lang="en-US" dirty="0"/>
           </a:p>
@@ -4026,13 +6071,349 @@
       </p:sp>
       <p:sp>
         <p:nvSpPr>
-          <p:cNvPr id="110" name="Rectangle 109"/>
+          <p:cNvPr id="171" name="Triangle 170"/>
           <p:cNvSpPr/>
           <p:nvPr/>
         </p:nvSpPr>
         <p:spPr>
           <a:xfrm>
-            <a:off x="6266122" y="3724079"/>
+            <a:off x="5052117" y="5388776"/>
+            <a:ext cx="579745" cy="353492"/>
+          </a:xfrm>
+          <a:prstGeom prst="triangle">
+            <a:avLst/>
+          </a:prstGeom>
+          <a:solidFill>
+            <a:schemeClr val="bg1"/>
+          </a:solidFill>
+        </p:spPr>
+        <p:style>
+          <a:lnRef idx="2">
+            <a:schemeClr val="accent1">
+              <a:shade val="50000"/>
+            </a:schemeClr>
+          </a:lnRef>
+          <a:fillRef idx="1">
+            <a:schemeClr val="accent1"/>
+          </a:fillRef>
+          <a:effectRef idx="0">
+            <a:schemeClr val="accent1"/>
+          </a:effectRef>
+          <a:fontRef idx="minor">
+            <a:schemeClr val="lt1"/>
+          </a:fontRef>
+        </p:style>
+        <p:txBody>
+          <a:bodyPr rtlCol="0" anchor="ctr"/>
+          <a:lstStyle/>
+          <a:p>
+            <a:pPr algn="ctr"/>
+            <a:endParaRPr lang="en-US"/>
+          </a:p>
+        </p:txBody>
+      </p:sp>
+      <p:cxnSp>
+        <p:nvCxnSpPr>
+          <p:cNvPr id="172" name="Elbow Connector 171"/>
+          <p:cNvCxnSpPr/>
+          <p:nvPr/>
+        </p:nvCxnSpPr>
+        <p:spPr>
+          <a:xfrm rot="5400000" flipH="1" flipV="1">
+            <a:off x="4684087" y="5567602"/>
+            <a:ext cx="483237" cy="832570"/>
+          </a:xfrm>
+          <a:prstGeom prst="bentConnector3">
+            <a:avLst/>
+          </a:prstGeom>
+        </p:spPr>
+        <p:style>
+          <a:lnRef idx="1">
+            <a:schemeClr val="accent1"/>
+          </a:lnRef>
+          <a:fillRef idx="0">
+            <a:schemeClr val="accent1"/>
+          </a:fillRef>
+          <a:effectRef idx="0">
+            <a:schemeClr val="accent1"/>
+          </a:effectRef>
+          <a:fontRef idx="minor">
+            <a:schemeClr val="tx1"/>
+          </a:fontRef>
+        </p:style>
+      </p:cxnSp>
+      <p:grpSp>
+        <p:nvGrpSpPr>
+          <p:cNvPr id="173" name="Group 172"/>
+          <p:cNvGrpSpPr/>
+          <p:nvPr/>
+        </p:nvGrpSpPr>
+        <p:grpSpPr>
+          <a:xfrm>
+            <a:off x="5625017" y="6149749"/>
+            <a:ext cx="1343745" cy="555848"/>
+            <a:chOff x="2536280" y="5627778"/>
+            <a:chExt cx="1343745" cy="555848"/>
+          </a:xfrm>
+        </p:grpSpPr>
+        <p:sp>
+          <p:nvSpPr>
+            <p:cNvPr id="174" name="Rectangle 173"/>
+            <p:cNvSpPr/>
+            <p:nvPr/>
+          </p:nvSpPr>
+          <p:spPr>
+            <a:xfrm>
+              <a:off x="2536280" y="5715202"/>
+              <a:ext cx="1225758" cy="381000"/>
+            </a:xfrm>
+            <a:prstGeom prst="rect">
+              <a:avLst/>
+            </a:prstGeom>
+            <a:noFill/>
+            <a:ln>
+              <a:prstDash val="dash"/>
+            </a:ln>
+          </p:spPr>
+          <p:style>
+            <a:lnRef idx="2">
+              <a:schemeClr val="accent1">
+                <a:shade val="50000"/>
+              </a:schemeClr>
+            </a:lnRef>
+            <a:fillRef idx="1">
+              <a:schemeClr val="accent1"/>
+            </a:fillRef>
+            <a:effectRef idx="0">
+              <a:schemeClr val="accent1"/>
+            </a:effectRef>
+            <a:fontRef idx="minor">
+              <a:schemeClr val="lt1"/>
+            </a:fontRef>
+          </p:style>
+          <p:txBody>
+            <a:bodyPr rtlCol="0" anchor="ctr"/>
+            <a:lstStyle/>
+            <a:p>
+              <a:pPr algn="ctr"/>
+              <a:endParaRPr lang="en-US"/>
+            </a:p>
+          </p:txBody>
+        </p:sp>
+        <p:sp>
+          <p:nvSpPr>
+            <p:cNvPr id="175" name="Rectangle 174"/>
+            <p:cNvSpPr/>
+            <p:nvPr/>
+          </p:nvSpPr>
+          <p:spPr>
+            <a:xfrm>
+              <a:off x="3640613" y="5627778"/>
+              <a:ext cx="239412" cy="555848"/>
+            </a:xfrm>
+            <a:prstGeom prst="rect">
+              <a:avLst/>
+            </a:prstGeom>
+            <a:solidFill>
+              <a:schemeClr val="bg1"/>
+            </a:solidFill>
+            <a:ln>
+              <a:noFill/>
+              <a:prstDash val="dash"/>
+            </a:ln>
+          </p:spPr>
+          <p:style>
+            <a:lnRef idx="2">
+              <a:schemeClr val="accent1">
+                <a:shade val="50000"/>
+              </a:schemeClr>
+            </a:lnRef>
+            <a:fillRef idx="1">
+              <a:schemeClr val="accent1"/>
+            </a:fillRef>
+            <a:effectRef idx="0">
+              <a:schemeClr val="accent1"/>
+            </a:effectRef>
+            <a:fontRef idx="minor">
+              <a:schemeClr val="lt1"/>
+            </a:fontRef>
+          </p:style>
+          <p:txBody>
+            <a:bodyPr rtlCol="0" anchor="ctr"/>
+            <a:lstStyle/>
+            <a:p>
+              <a:pPr algn="ctr"/>
+              <a:endParaRPr lang="en-US"/>
+            </a:p>
+          </p:txBody>
+        </p:sp>
+      </p:grpSp>
+      <p:cxnSp>
+        <p:nvCxnSpPr>
+          <p:cNvPr id="176" name="Elbow Connector 175"/>
+          <p:cNvCxnSpPr/>
+          <p:nvPr/>
+        </p:nvCxnSpPr>
+        <p:spPr>
+          <a:xfrm rot="16200000" flipV="1">
+            <a:off x="5524257" y="5560002"/>
+            <a:ext cx="494905" cy="859437"/>
+          </a:xfrm>
+          <a:prstGeom prst="bentConnector3">
+            <a:avLst/>
+          </a:prstGeom>
+        </p:spPr>
+        <p:style>
+          <a:lnRef idx="1">
+            <a:schemeClr val="accent1"/>
+          </a:lnRef>
+          <a:fillRef idx="0">
+            <a:schemeClr val="accent1"/>
+          </a:fillRef>
+          <a:effectRef idx="0">
+            <a:schemeClr val="accent1"/>
+          </a:effectRef>
+          <a:fontRef idx="minor">
+            <a:schemeClr val="tx1"/>
+          </a:fontRef>
+        </p:style>
+      </p:cxnSp>
+      <p:sp>
+        <p:nvSpPr>
+          <p:cNvPr id="177" name="Rectangle 176"/>
+          <p:cNvSpPr/>
+          <p:nvPr/>
+        </p:nvSpPr>
+        <p:spPr>
+          <a:xfrm>
+            <a:off x="6989325" y="6213457"/>
+            <a:ext cx="2011135" cy="381000"/>
+          </a:xfrm>
+          <a:prstGeom prst="rect">
+            <a:avLst/>
+          </a:prstGeom>
+          <a:noFill/>
+        </p:spPr>
+        <p:style>
+          <a:lnRef idx="2">
+            <a:schemeClr val="accent1">
+              <a:shade val="50000"/>
+            </a:schemeClr>
+          </a:lnRef>
+          <a:fillRef idx="1">
+            <a:schemeClr val="accent1"/>
+          </a:fillRef>
+          <a:effectRef idx="0">
+            <a:schemeClr val="accent1"/>
+          </a:effectRef>
+          <a:fontRef idx="minor">
+            <a:schemeClr val="lt1"/>
+          </a:fontRef>
+        </p:style>
+        <p:txBody>
+          <a:bodyPr rtlCol="0" anchor="ctr"/>
+          <a:lstStyle/>
+          <a:p>
+            <a:pPr algn="ctr"/>
+            <a:endParaRPr lang="en-US"/>
+          </a:p>
+        </p:txBody>
+      </p:sp>
+      <p:sp>
+        <p:nvSpPr>
+          <p:cNvPr id="178" name="TextBox 177"/>
+          <p:cNvSpPr txBox="1"/>
+          <p:nvPr/>
+        </p:nvSpPr>
+        <p:spPr>
+          <a:xfrm>
+            <a:off x="7010620" y="6225125"/>
+            <a:ext cx="1983834" cy="369332"/>
+          </a:xfrm>
+          <a:prstGeom prst="rect">
+            <a:avLst/>
+          </a:prstGeom>
+          <a:noFill/>
+        </p:spPr>
+        <p:txBody>
+          <a:bodyPr wrap="square" rtlCol="0">
+            <a:spAutoFit/>
+          </a:bodyPr>
+          <a:lstStyle/>
+          <a:p>
+            <a:pPr algn="ctr"/>
+            <a:r>
+              <a:rPr lang="en-US" dirty="0"/>
+              <a:t>w</a:t>
+            </a:r>
+            <a:r>
+              <a:rPr lang="en-US" dirty="0" smtClean="0"/>
+              <a:t>rapper</a:t>
+            </a:r>
+            <a:r>
+              <a:rPr lang="en-US" dirty="0" smtClean="0"/>
+              <a:t>::</a:t>
+            </a:r>
+            <a:r>
+              <a:rPr lang="en-US" dirty="0" err="1" smtClean="0"/>
+              <a:t>OcciRset</a:t>
+            </a:r>
+            <a:endParaRPr lang="en-US" dirty="0"/>
+          </a:p>
+        </p:txBody>
+      </p:sp>
+      <p:sp>
+        <p:nvSpPr>
+          <p:cNvPr id="179" name="TextBox 178"/>
+          <p:cNvSpPr txBox="1"/>
+          <p:nvPr/>
+        </p:nvSpPr>
+        <p:spPr>
+          <a:xfrm>
+            <a:off x="9050251" y="6225125"/>
+            <a:ext cx="1273297" cy="369332"/>
+          </a:xfrm>
+          <a:prstGeom prst="rect">
+            <a:avLst/>
+          </a:prstGeom>
+          <a:noFill/>
+        </p:spPr>
+        <p:txBody>
+          <a:bodyPr wrap="none" rtlCol="0">
+            <a:spAutoFit/>
+          </a:bodyPr>
+          <a:lstStyle/>
+          <a:p>
+            <a:pPr algn="ctr"/>
+            <a:r>
+              <a:rPr lang="en-US" dirty="0"/>
+              <a:t>w</a:t>
+            </a:r>
+            <a:r>
+              <a:rPr lang="en-US" dirty="0" smtClean="0"/>
+              <a:t>rapper</a:t>
+            </a:r>
+            <a:r>
+              <a:rPr lang="en-US" dirty="0" smtClean="0"/>
+              <a:t>::</a:t>
+            </a:r>
+            <a:r>
+              <a:rPr lang="mr-IN" dirty="0" smtClean="0"/>
+              <a:t>…</a:t>
+            </a:r>
+            <a:endParaRPr lang="en-US" dirty="0"/>
+          </a:p>
+        </p:txBody>
+      </p:sp>
+      <p:sp>
+        <p:nvSpPr>
+          <p:cNvPr id="180" name="Rectangle 179"/>
+          <p:cNvSpPr/>
+          <p:nvPr/>
+        </p:nvSpPr>
+        <p:spPr>
+          <a:xfrm>
+            <a:off x="8032918" y="4984060"/>
             <a:ext cx="1608668" cy="381000"/>
           </a:xfrm>
           <a:prstGeom prst="rect">
@@ -4067,14 +6448,14 @@
       </p:sp>
       <p:sp>
         <p:nvSpPr>
-          <p:cNvPr id="111" name="TextBox 110"/>
+          <p:cNvPr id="181" name="TextBox 180"/>
           <p:cNvSpPr txBox="1"/>
           <p:nvPr/>
         </p:nvSpPr>
         <p:spPr>
           <a:xfrm>
-            <a:off x="6542065" y="3735747"/>
-            <a:ext cx="1037207" cy="369332"/>
+            <a:off x="8074373" y="4995728"/>
+            <a:ext cx="1506182" cy="369332"/>
           </a:xfrm>
           <a:prstGeom prst="rect">
             <a:avLst/>
@@ -4089,8 +6470,20 @@
           <a:p>
             <a:pPr algn="ctr"/>
             <a:r>
+              <a:rPr lang="en-US" dirty="0"/>
+              <a:t>w</a:t>
+            </a:r>
+            <a:r>
+              <a:rPr lang="en-US" dirty="0" smtClean="0"/>
+              <a:t>rapper</a:t>
+            </a:r>
+            <a:r>
+              <a:rPr lang="en-US" dirty="0" smtClean="0"/>
+              <a:t>::</a:t>
+            </a:r>
+            <a:r>
               <a:rPr lang="en-US" dirty="0" err="1" smtClean="0"/>
-              <a:t>StmtPool</a:t>
+              <a:t>Rset</a:t>
             </a:r>
             <a:endParaRPr lang="en-US" dirty="0"/>
           </a:p>
@@ -4098,16 +6491,16 @@
       </p:sp>
       <p:sp>
         <p:nvSpPr>
-          <p:cNvPr id="112" name="Diamond 111"/>
+          <p:cNvPr id="182" name="Triangle 181"/>
           <p:cNvSpPr/>
           <p:nvPr/>
         </p:nvSpPr>
         <p:spPr>
-          <a:xfrm rot="5400000">
-            <a:off x="5244010" y="3096845"/>
-            <a:ext cx="321733" cy="260867"/>
+          <a:xfrm>
+            <a:off x="8537590" y="5376728"/>
+            <a:ext cx="579745" cy="353492"/>
           </a:xfrm>
-          <a:prstGeom prst="diamond">
+          <a:prstGeom prst="triangle">
             <a:avLst/>
           </a:prstGeom>
           <a:solidFill>
@@ -4139,59 +6532,16 @@
           </a:p>
         </p:txBody>
       </p:sp>
-      <p:sp>
-        <p:nvSpPr>
-          <p:cNvPr id="113" name="Diamond 112"/>
-          <p:cNvSpPr/>
-          <p:nvPr/>
-        </p:nvSpPr>
-        <p:spPr>
-          <a:xfrm rot="5400000">
-            <a:off x="6321573" y="3096845"/>
-            <a:ext cx="321733" cy="260867"/>
-          </a:xfrm>
-          <a:prstGeom prst="diamond">
-            <a:avLst/>
-          </a:prstGeom>
-          <a:solidFill>
-            <a:schemeClr val="bg1"/>
-          </a:solidFill>
-        </p:spPr>
-        <p:style>
-          <a:lnRef idx="2">
-            <a:schemeClr val="accent1">
-              <a:shade val="50000"/>
-            </a:schemeClr>
-          </a:lnRef>
-          <a:fillRef idx="1">
-            <a:schemeClr val="accent1"/>
-          </a:fillRef>
-          <a:effectRef idx="0">
-            <a:schemeClr val="accent1"/>
-          </a:effectRef>
-          <a:fontRef idx="minor">
-            <a:schemeClr val="lt1"/>
-          </a:fontRef>
-        </p:style>
-        <p:txBody>
-          <a:bodyPr rtlCol="0" anchor="ctr"/>
-          <a:lstStyle/>
-          <a:p>
-            <a:pPr algn="ctr"/>
-            <a:endParaRPr lang="en-US"/>
-          </a:p>
-        </p:txBody>
-      </p:sp>
       <p:cxnSp>
         <p:nvCxnSpPr>
-          <p:cNvPr id="114" name="Elbow Connector 113"/>
+          <p:cNvPr id="183" name="Elbow Connector 182"/>
           <p:cNvCxnSpPr/>
           <p:nvPr/>
         </p:nvCxnSpPr>
         <p:spPr>
-          <a:xfrm rot="16200000" flipH="1">
-            <a:off x="6608480" y="3262103"/>
-            <a:ext cx="335934" cy="588017"/>
+          <a:xfrm rot="5400000" flipH="1" flipV="1">
+            <a:off x="8169560" y="5555554"/>
+            <a:ext cx="483237" cy="832570"/>
           </a:xfrm>
           <a:prstGeom prst="bentConnector3">
             <a:avLst/>
@@ -4212,491 +6562,122 @@
           </a:fontRef>
         </p:style>
       </p:cxnSp>
-      <p:sp>
-        <p:nvSpPr>
-          <p:cNvPr id="115" name="TextBox 114"/>
-          <p:cNvSpPr txBox="1"/>
+      <p:grpSp>
+        <p:nvGrpSpPr>
+          <p:cNvPr id="184" name="Group 183"/>
+          <p:cNvGrpSpPr/>
           <p:nvPr/>
-        </p:nvSpPr>
-        <p:spPr>
+        </p:nvGrpSpPr>
+        <p:grpSpPr>
           <a:xfrm>
-            <a:off x="5094725" y="3215046"/>
-            <a:ext cx="301686" cy="369332"/>
+            <a:off x="9110490" y="6137701"/>
+            <a:ext cx="1343745" cy="555848"/>
+            <a:chOff x="2536280" y="5627778"/>
+            <a:chExt cx="1343745" cy="555848"/>
           </a:xfrm>
-          <a:prstGeom prst="rect">
-            <a:avLst/>
-          </a:prstGeom>
-          <a:noFill/>
-        </p:spPr>
-        <p:txBody>
-          <a:bodyPr wrap="none" rtlCol="0">
-            <a:spAutoFit/>
-          </a:bodyPr>
-          <a:lstStyle/>
-          <a:p>
-            <a:r>
-              <a:rPr lang="en-US" dirty="0" smtClean="0"/>
-              <a:t>1</a:t>
-            </a:r>
-            <a:endParaRPr lang="en-US" dirty="0"/>
-          </a:p>
-        </p:txBody>
-      </p:sp>
-      <p:sp>
-        <p:nvSpPr>
-          <p:cNvPr id="116" name="TextBox 115"/>
-          <p:cNvSpPr txBox="1"/>
-          <p:nvPr/>
-        </p:nvSpPr>
-        <p:spPr>
-          <a:xfrm>
-            <a:off x="6501312" y="3227278"/>
-            <a:ext cx="301686" cy="369332"/>
-          </a:xfrm>
-          <a:prstGeom prst="rect">
-            <a:avLst/>
-          </a:prstGeom>
-          <a:noFill/>
-        </p:spPr>
-        <p:txBody>
-          <a:bodyPr wrap="none" rtlCol="0">
-            <a:spAutoFit/>
-          </a:bodyPr>
-          <a:lstStyle/>
-          <a:p>
-            <a:r>
-              <a:rPr lang="en-US" dirty="0" smtClean="0"/>
-              <a:t>1</a:t>
-            </a:r>
-            <a:endParaRPr lang="en-US" dirty="0"/>
-          </a:p>
-        </p:txBody>
-      </p:sp>
-      <p:sp>
-        <p:nvSpPr>
-          <p:cNvPr id="117" name="TextBox 116"/>
-          <p:cNvSpPr txBox="1"/>
-          <p:nvPr/>
-        </p:nvSpPr>
-        <p:spPr>
-          <a:xfrm>
-            <a:off x="4527020" y="3387013"/>
-            <a:ext cx="534121" cy="369332"/>
-          </a:xfrm>
-          <a:prstGeom prst="rect">
-            <a:avLst/>
-          </a:prstGeom>
-          <a:noFill/>
-        </p:spPr>
-        <p:txBody>
-          <a:bodyPr wrap="none" rtlCol="0">
-            <a:spAutoFit/>
-          </a:bodyPr>
-          <a:lstStyle/>
-          <a:p>
-            <a:r>
-              <a:rPr lang="en-US" smtClean="0"/>
-              <a:t>0..1</a:t>
-            </a:r>
-            <a:endParaRPr lang="en-US" dirty="0"/>
-          </a:p>
-        </p:txBody>
-      </p:sp>
-      <p:sp>
-        <p:nvSpPr>
-          <p:cNvPr id="118" name="TextBox 117"/>
-          <p:cNvSpPr txBox="1"/>
-          <p:nvPr/>
-        </p:nvSpPr>
-        <p:spPr>
-          <a:xfrm>
-            <a:off x="7106929" y="3408415"/>
-            <a:ext cx="534121" cy="369332"/>
-          </a:xfrm>
-          <a:prstGeom prst="rect">
-            <a:avLst/>
-          </a:prstGeom>
-          <a:noFill/>
-        </p:spPr>
-        <p:txBody>
-          <a:bodyPr wrap="none" rtlCol="0">
-            <a:spAutoFit/>
-          </a:bodyPr>
-          <a:lstStyle/>
-          <a:p>
-            <a:r>
-              <a:rPr lang="en-US" smtClean="0"/>
-              <a:t>0..1</a:t>
-            </a:r>
-            <a:endParaRPr lang="en-US" dirty="0"/>
-          </a:p>
-        </p:txBody>
-      </p:sp>
-      <p:sp>
-        <p:nvSpPr>
-          <p:cNvPr id="119" name="Rectangle 118"/>
-          <p:cNvSpPr/>
-          <p:nvPr/>
-        </p:nvSpPr>
-        <p:spPr>
-          <a:xfrm>
-            <a:off x="3394899" y="1437962"/>
-            <a:ext cx="1608668" cy="381000"/>
-          </a:xfrm>
-          <a:prstGeom prst="rect">
-            <a:avLst/>
-          </a:prstGeom>
-          <a:noFill/>
-        </p:spPr>
-        <p:style>
-          <a:lnRef idx="2">
-            <a:schemeClr val="accent1">
-              <a:shade val="50000"/>
-            </a:schemeClr>
-          </a:lnRef>
-          <a:fillRef idx="1">
-            <a:schemeClr val="accent1"/>
-          </a:fillRef>
-          <a:effectRef idx="0">
-            <a:schemeClr val="accent1"/>
-          </a:effectRef>
-          <a:fontRef idx="minor">
-            <a:schemeClr val="lt1"/>
-          </a:fontRef>
-        </p:style>
-        <p:txBody>
-          <a:bodyPr rtlCol="0" anchor="ctr"/>
-          <a:lstStyle/>
-          <a:p>
-            <a:pPr algn="ctr"/>
-            <a:endParaRPr lang="en-US"/>
-          </a:p>
-        </p:txBody>
-      </p:sp>
-      <p:sp>
-        <p:nvSpPr>
-          <p:cNvPr id="120" name="TextBox 119"/>
-          <p:cNvSpPr txBox="1"/>
-          <p:nvPr/>
-        </p:nvSpPr>
-        <p:spPr>
-          <a:xfrm>
-            <a:off x="3852650" y="1449630"/>
-            <a:ext cx="673582" cy="369332"/>
-          </a:xfrm>
-          <a:prstGeom prst="rect">
-            <a:avLst/>
-          </a:prstGeom>
-          <a:noFill/>
-        </p:spPr>
-        <p:txBody>
-          <a:bodyPr wrap="none" rtlCol="0">
-            <a:spAutoFit/>
-          </a:bodyPr>
-          <a:lstStyle/>
-          <a:p>
-            <a:pPr algn="ctr"/>
-            <a:r>
-              <a:rPr lang="en-US" dirty="0" smtClean="0"/>
-              <a:t>Conn</a:t>
-            </a:r>
-            <a:endParaRPr lang="en-US" dirty="0"/>
-          </a:p>
-        </p:txBody>
-      </p:sp>
-      <p:sp>
-        <p:nvSpPr>
-          <p:cNvPr id="121" name="Diamond 120"/>
-          <p:cNvSpPr/>
-          <p:nvPr/>
-        </p:nvSpPr>
-        <p:spPr>
-          <a:xfrm rot="5400000">
-            <a:off x="4028574" y="1862899"/>
-            <a:ext cx="321733" cy="260867"/>
-          </a:xfrm>
-          <a:prstGeom prst="diamond">
-            <a:avLst/>
-          </a:prstGeom>
-          <a:solidFill>
-            <a:schemeClr val="bg1"/>
-          </a:solidFill>
-        </p:spPr>
-        <p:style>
-          <a:lnRef idx="2">
-            <a:schemeClr val="accent1">
-              <a:shade val="50000"/>
-            </a:schemeClr>
-          </a:lnRef>
-          <a:fillRef idx="1">
-            <a:schemeClr val="accent1"/>
-          </a:fillRef>
-          <a:effectRef idx="0">
-            <a:schemeClr val="accent1"/>
-          </a:effectRef>
-          <a:fontRef idx="minor">
-            <a:schemeClr val="lt1"/>
-          </a:fontRef>
-        </p:style>
-        <p:txBody>
-          <a:bodyPr rtlCol="0" anchor="ctr"/>
-          <a:lstStyle/>
-          <a:p>
-            <a:pPr algn="ctr"/>
-            <a:endParaRPr lang="en-US"/>
-          </a:p>
-        </p:txBody>
-      </p:sp>
-      <p:sp>
-        <p:nvSpPr>
-          <p:cNvPr id="123" name="TextBox 122"/>
-          <p:cNvSpPr txBox="1"/>
-          <p:nvPr/>
-        </p:nvSpPr>
-        <p:spPr>
-          <a:xfrm>
-            <a:off x="4199233" y="2035118"/>
-            <a:ext cx="534121" cy="369332"/>
-          </a:xfrm>
-          <a:prstGeom prst="rect">
-            <a:avLst/>
-          </a:prstGeom>
-          <a:noFill/>
-        </p:spPr>
-        <p:txBody>
-          <a:bodyPr wrap="none" rtlCol="0">
-            <a:spAutoFit/>
-          </a:bodyPr>
-          <a:lstStyle/>
-          <a:p>
-            <a:r>
-              <a:rPr lang="en-US" dirty="0" smtClean="0"/>
-              <a:t>0..1</a:t>
-            </a:r>
-            <a:endParaRPr lang="en-US" dirty="0"/>
-          </a:p>
-        </p:txBody>
-      </p:sp>
-      <p:sp>
-        <p:nvSpPr>
-          <p:cNvPr id="124" name="TextBox 123"/>
-          <p:cNvSpPr txBox="1"/>
-          <p:nvPr/>
-        </p:nvSpPr>
-        <p:spPr>
-          <a:xfrm>
-            <a:off x="4639879" y="2553370"/>
-            <a:ext cx="534121" cy="369332"/>
-          </a:xfrm>
-          <a:prstGeom prst="rect">
-            <a:avLst/>
-          </a:prstGeom>
-          <a:noFill/>
-        </p:spPr>
-        <p:txBody>
-          <a:bodyPr wrap="none" rtlCol="0">
-            <a:spAutoFit/>
-          </a:bodyPr>
-          <a:lstStyle/>
-          <a:p>
-            <a:r>
-              <a:rPr lang="en-US" smtClean="0"/>
-              <a:t>0..1</a:t>
-            </a:r>
-            <a:endParaRPr lang="en-US" dirty="0"/>
-          </a:p>
-        </p:txBody>
-      </p:sp>
-      <p:sp>
-        <p:nvSpPr>
-          <p:cNvPr id="125" name="Rectangle 124"/>
-          <p:cNvSpPr/>
-          <p:nvPr/>
-        </p:nvSpPr>
-        <p:spPr>
-          <a:xfrm>
-            <a:off x="6875509" y="1446197"/>
-            <a:ext cx="1608668" cy="381000"/>
-          </a:xfrm>
-          <a:prstGeom prst="rect">
-            <a:avLst/>
-          </a:prstGeom>
-          <a:noFill/>
-        </p:spPr>
-        <p:style>
-          <a:lnRef idx="2">
-            <a:schemeClr val="accent1">
-              <a:shade val="50000"/>
-            </a:schemeClr>
-          </a:lnRef>
-          <a:fillRef idx="1">
-            <a:schemeClr val="accent1"/>
-          </a:fillRef>
-          <a:effectRef idx="0">
-            <a:schemeClr val="accent1"/>
-          </a:effectRef>
-          <a:fontRef idx="minor">
-            <a:schemeClr val="lt1"/>
-          </a:fontRef>
-        </p:style>
-        <p:txBody>
-          <a:bodyPr rtlCol="0" anchor="ctr"/>
-          <a:lstStyle/>
-          <a:p>
-            <a:pPr algn="ctr"/>
-            <a:endParaRPr lang="en-US"/>
-          </a:p>
-        </p:txBody>
-      </p:sp>
-      <p:sp>
-        <p:nvSpPr>
-          <p:cNvPr id="126" name="TextBox 125"/>
-          <p:cNvSpPr txBox="1"/>
-          <p:nvPr/>
-        </p:nvSpPr>
-        <p:spPr>
-          <a:xfrm>
-            <a:off x="7127983" y="1457865"/>
-            <a:ext cx="1084143" cy="369332"/>
-          </a:xfrm>
-          <a:prstGeom prst="rect">
-            <a:avLst/>
-          </a:prstGeom>
-          <a:noFill/>
-        </p:spPr>
-        <p:txBody>
-          <a:bodyPr wrap="none" rtlCol="0">
-            <a:spAutoFit/>
-          </a:bodyPr>
-          <a:lstStyle/>
-          <a:p>
-            <a:pPr algn="ctr"/>
-            <a:r>
-              <a:rPr lang="en-US" dirty="0" err="1" smtClean="0"/>
-              <a:t>ConnPool</a:t>
-            </a:r>
-            <a:endParaRPr lang="en-US" dirty="0"/>
-          </a:p>
-        </p:txBody>
-      </p:sp>
+        </p:grpSpPr>
+        <p:sp>
+          <p:nvSpPr>
+            <p:cNvPr id="185" name="Rectangle 184"/>
+            <p:cNvSpPr/>
+            <p:nvPr/>
+          </p:nvSpPr>
+          <p:spPr>
+            <a:xfrm>
+              <a:off x="2536280" y="5715202"/>
+              <a:ext cx="1225758" cy="381000"/>
+            </a:xfrm>
+            <a:prstGeom prst="rect">
+              <a:avLst/>
+            </a:prstGeom>
+            <a:noFill/>
+            <a:ln>
+              <a:prstDash val="dash"/>
+            </a:ln>
+          </p:spPr>
+          <p:style>
+            <a:lnRef idx="2">
+              <a:schemeClr val="accent1">
+                <a:shade val="50000"/>
+              </a:schemeClr>
+            </a:lnRef>
+            <a:fillRef idx="1">
+              <a:schemeClr val="accent1"/>
+            </a:fillRef>
+            <a:effectRef idx="0">
+              <a:schemeClr val="accent1"/>
+            </a:effectRef>
+            <a:fontRef idx="minor">
+              <a:schemeClr val="lt1"/>
+            </a:fontRef>
+          </p:style>
+          <p:txBody>
+            <a:bodyPr rtlCol="0" anchor="ctr"/>
+            <a:lstStyle/>
+            <a:p>
+              <a:pPr algn="ctr"/>
+              <a:endParaRPr lang="en-US"/>
+            </a:p>
+          </p:txBody>
+        </p:sp>
+        <p:sp>
+          <p:nvSpPr>
+            <p:cNvPr id="186" name="Rectangle 185"/>
+            <p:cNvSpPr/>
+            <p:nvPr/>
+          </p:nvSpPr>
+          <p:spPr>
+            <a:xfrm>
+              <a:off x="3640613" y="5627778"/>
+              <a:ext cx="239412" cy="555848"/>
+            </a:xfrm>
+            <a:prstGeom prst="rect">
+              <a:avLst/>
+            </a:prstGeom>
+            <a:solidFill>
+              <a:schemeClr val="bg1"/>
+            </a:solidFill>
+            <a:ln>
+              <a:noFill/>
+              <a:prstDash val="dash"/>
+            </a:ln>
+          </p:spPr>
+          <p:style>
+            <a:lnRef idx="2">
+              <a:schemeClr val="accent1">
+                <a:shade val="50000"/>
+              </a:schemeClr>
+            </a:lnRef>
+            <a:fillRef idx="1">
+              <a:schemeClr val="accent1"/>
+            </a:fillRef>
+            <a:effectRef idx="0">
+              <a:schemeClr val="accent1"/>
+            </a:effectRef>
+            <a:fontRef idx="minor">
+              <a:schemeClr val="lt1"/>
+            </a:fontRef>
+          </p:style>
+          <p:txBody>
+            <a:bodyPr rtlCol="0" anchor="ctr"/>
+            <a:lstStyle/>
+            <a:p>
+              <a:pPr algn="ctr"/>
+              <a:endParaRPr lang="en-US"/>
+            </a:p>
+          </p:txBody>
+        </p:sp>
+      </p:grpSp>
       <p:cxnSp>
         <p:nvCxnSpPr>
-          <p:cNvPr id="127" name="Straight Arrow Connector 126"/>
-          <p:cNvCxnSpPr>
-            <a:endCxn id="119" idx="3"/>
-          </p:cNvCxnSpPr>
-          <p:nvPr/>
-        </p:nvCxnSpPr>
-        <p:spPr>
-          <a:xfrm flipH="1" flipV="1">
-            <a:off x="5003567" y="1628462"/>
-            <a:ext cx="1871942" cy="8236"/>
-          </a:xfrm>
-          <a:prstGeom prst="straightConnector1">
-            <a:avLst/>
-          </a:prstGeom>
-          <a:ln>
-            <a:tailEnd type="triangle"/>
-          </a:ln>
-        </p:spPr>
-        <p:style>
-          <a:lnRef idx="1">
-            <a:schemeClr val="accent1"/>
-          </a:lnRef>
-          <a:fillRef idx="0">
-            <a:schemeClr val="accent1"/>
-          </a:fillRef>
-          <a:effectRef idx="0">
-            <a:schemeClr val="accent1"/>
-          </a:effectRef>
-          <a:fontRef idx="minor">
-            <a:schemeClr val="tx1"/>
-          </a:fontRef>
-        </p:style>
-      </p:cxnSp>
-      <p:sp>
-        <p:nvSpPr>
-          <p:cNvPr id="128" name="TextBox 127"/>
-          <p:cNvSpPr txBox="1"/>
-          <p:nvPr/>
-        </p:nvSpPr>
-        <p:spPr>
-          <a:xfrm>
-            <a:off x="5560164" y="1317149"/>
-            <a:ext cx="863378" cy="369332"/>
-          </a:xfrm>
-          <a:prstGeom prst="rect">
-            <a:avLst/>
-          </a:prstGeom>
-          <a:noFill/>
-        </p:spPr>
-        <p:txBody>
-          <a:bodyPr wrap="none" rtlCol="0">
-            <a:spAutoFit/>
-          </a:bodyPr>
-          <a:lstStyle/>
-          <a:p>
-            <a:r>
-              <a:rPr lang="en-US" dirty="0" smtClean="0"/>
-              <a:t>creates</a:t>
-            </a:r>
-            <a:endParaRPr lang="en-US" dirty="0"/>
-          </a:p>
-        </p:txBody>
-      </p:sp>
-      <p:sp>
-        <p:nvSpPr>
-          <p:cNvPr id="129" name="Diamond 128"/>
-          <p:cNvSpPr/>
-          <p:nvPr/>
-        </p:nvSpPr>
-        <p:spPr>
-          <a:xfrm rot="5400000">
-            <a:off x="7509187" y="1883379"/>
-            <a:ext cx="321733" cy="260867"/>
-          </a:xfrm>
-          <a:prstGeom prst="diamond">
-            <a:avLst/>
-          </a:prstGeom>
-          <a:solidFill>
-            <a:schemeClr val="bg1"/>
-          </a:solidFill>
-        </p:spPr>
-        <p:style>
-          <a:lnRef idx="2">
-            <a:schemeClr val="accent1">
-              <a:shade val="50000"/>
-            </a:schemeClr>
-          </a:lnRef>
-          <a:fillRef idx="1">
-            <a:schemeClr val="accent1"/>
-          </a:fillRef>
-          <a:effectRef idx="0">
-            <a:schemeClr val="accent1"/>
-          </a:effectRef>
-          <a:fontRef idx="minor">
-            <a:schemeClr val="lt1"/>
-          </a:fontRef>
-        </p:style>
-        <p:txBody>
-          <a:bodyPr rtlCol="0" anchor="ctr"/>
-          <a:lstStyle/>
-          <a:p>
-            <a:pPr algn="ctr"/>
-            <a:endParaRPr lang="en-US"/>
-          </a:p>
-        </p:txBody>
-      </p:sp>
-      <p:cxnSp>
-        <p:nvCxnSpPr>
-          <p:cNvPr id="130" name="Elbow Connector 129"/>
+          <p:cNvPr id="187" name="Elbow Connector 186"/>
           <p:cNvCxnSpPr/>
           <p:nvPr/>
         </p:nvCxnSpPr>
         <p:spPr>
-          <a:xfrm rot="5400000" flipH="1" flipV="1">
-            <a:off x="5031596" y="3350798"/>
-            <a:ext cx="335933" cy="410628"/>
+          <a:xfrm rot="16200000" flipV="1">
+            <a:off x="9009730" y="5547954"/>
+            <a:ext cx="494905" cy="859437"/>
           </a:xfrm>
           <a:prstGeom prst="bentConnector3">
             <a:avLst/>
@@ -4717,348 +6698,6 @@
           </a:fontRef>
         </p:style>
       </p:cxnSp>
-      <p:cxnSp>
-        <p:nvCxnSpPr>
-          <p:cNvPr id="131" name="Elbow Connector 130"/>
-          <p:cNvCxnSpPr>
-            <a:stCxn id="106" idx="3"/>
-          </p:cNvCxnSpPr>
-          <p:nvPr/>
-        </p:nvCxnSpPr>
-        <p:spPr>
-          <a:xfrm flipV="1">
-            <a:off x="6704513" y="2174680"/>
-            <a:ext cx="965540" cy="689564"/>
-          </a:xfrm>
-          <a:prstGeom prst="bentConnector3">
-            <a:avLst>
-              <a:gd name="adj1" fmla="val 99105"/>
-            </a:avLst>
-          </a:prstGeom>
-        </p:spPr>
-        <p:style>
-          <a:lnRef idx="1">
-            <a:schemeClr val="accent1"/>
-          </a:lnRef>
-          <a:fillRef idx="0">
-            <a:schemeClr val="accent1"/>
-          </a:fillRef>
-          <a:effectRef idx="0">
-            <a:schemeClr val="accent1"/>
-          </a:effectRef>
-          <a:fontRef idx="minor">
-            <a:schemeClr val="tx1"/>
-          </a:fontRef>
-        </p:style>
-      </p:cxnSp>
-      <p:sp>
-        <p:nvSpPr>
-          <p:cNvPr id="132" name="TextBox 131"/>
-          <p:cNvSpPr txBox="1"/>
-          <p:nvPr/>
-        </p:nvSpPr>
-        <p:spPr>
-          <a:xfrm>
-            <a:off x="6746390" y="2558395"/>
-            <a:ext cx="532518" cy="369332"/>
-          </a:xfrm>
-          <a:prstGeom prst="rect">
-            <a:avLst/>
-          </a:prstGeom>
-          <a:noFill/>
-        </p:spPr>
-        <p:txBody>
-          <a:bodyPr wrap="none" rtlCol="0">
-            <a:spAutoFit/>
-          </a:bodyPr>
-          <a:lstStyle/>
-          <a:p>
-            <a:r>
-              <a:rPr lang="en-US" dirty="0" smtClean="0"/>
-              <a:t>0..*</a:t>
-            </a:r>
-            <a:endParaRPr lang="en-US" dirty="0"/>
-          </a:p>
-        </p:txBody>
-      </p:sp>
-      <p:sp>
-        <p:nvSpPr>
-          <p:cNvPr id="133" name="TextBox 132"/>
-          <p:cNvSpPr txBox="1"/>
-          <p:nvPr/>
-        </p:nvSpPr>
-        <p:spPr>
-          <a:xfrm>
-            <a:off x="7145722" y="2040709"/>
-            <a:ext cx="534121" cy="369332"/>
-          </a:xfrm>
-          <a:prstGeom prst="rect">
-            <a:avLst/>
-          </a:prstGeom>
-          <a:noFill/>
-        </p:spPr>
-        <p:txBody>
-          <a:bodyPr wrap="none" rtlCol="0">
-            <a:spAutoFit/>
-          </a:bodyPr>
-          <a:lstStyle/>
-          <a:p>
-            <a:r>
-              <a:rPr lang="en-US" smtClean="0"/>
-              <a:t>0..1</a:t>
-            </a:r>
-            <a:endParaRPr lang="en-US" dirty="0"/>
-          </a:p>
-        </p:txBody>
-      </p:sp>
-      <p:cxnSp>
-        <p:nvCxnSpPr>
-          <p:cNvPr id="138" name="Elbow Connector 137"/>
-          <p:cNvCxnSpPr>
-            <a:stCxn id="106" idx="1"/>
-            <a:endCxn id="121" idx="3"/>
-          </p:cNvCxnSpPr>
-          <p:nvPr/>
-        </p:nvCxnSpPr>
-        <p:spPr>
-          <a:xfrm rot="10800000">
-            <a:off x="4189441" y="2154200"/>
-            <a:ext cx="906405" cy="710045"/>
-          </a:xfrm>
-          <a:prstGeom prst="bentConnector2">
-            <a:avLst/>
-          </a:prstGeom>
-        </p:spPr>
-        <p:style>
-          <a:lnRef idx="1">
-            <a:schemeClr val="accent1"/>
-          </a:lnRef>
-          <a:fillRef idx="0">
-            <a:schemeClr val="accent1"/>
-          </a:fillRef>
-          <a:effectRef idx="0">
-            <a:schemeClr val="accent1"/>
-          </a:effectRef>
-          <a:fontRef idx="minor">
-            <a:schemeClr val="tx1"/>
-          </a:fontRef>
-        </p:style>
-      </p:cxnSp>
-      <p:sp>
-        <p:nvSpPr>
-          <p:cNvPr id="139" name="Rectangle 138"/>
-          <p:cNvSpPr/>
-          <p:nvPr/>
-        </p:nvSpPr>
-        <p:spPr>
-          <a:xfrm>
-            <a:off x="6309168" y="4953246"/>
-            <a:ext cx="1608668" cy="381000"/>
-          </a:xfrm>
-          <a:prstGeom prst="rect">
-            <a:avLst/>
-          </a:prstGeom>
-          <a:noFill/>
-        </p:spPr>
-        <p:style>
-          <a:lnRef idx="2">
-            <a:schemeClr val="accent1">
-              <a:shade val="50000"/>
-            </a:schemeClr>
-          </a:lnRef>
-          <a:fillRef idx="1">
-            <a:schemeClr val="accent1"/>
-          </a:fillRef>
-          <a:effectRef idx="0">
-            <a:schemeClr val="accent1"/>
-          </a:effectRef>
-          <a:fontRef idx="minor">
-            <a:schemeClr val="lt1"/>
-          </a:fontRef>
-        </p:style>
-        <p:txBody>
-          <a:bodyPr rtlCol="0" anchor="ctr"/>
-          <a:lstStyle/>
-          <a:p>
-            <a:pPr algn="ctr"/>
-            <a:endParaRPr lang="en-US"/>
-          </a:p>
-        </p:txBody>
-      </p:sp>
-      <p:sp>
-        <p:nvSpPr>
-          <p:cNvPr id="140" name="TextBox 139"/>
-          <p:cNvSpPr txBox="1"/>
-          <p:nvPr/>
-        </p:nvSpPr>
-        <p:spPr>
-          <a:xfrm>
-            <a:off x="6332637" y="4964914"/>
-            <a:ext cx="1542153" cy="369332"/>
-          </a:xfrm>
-          <a:prstGeom prst="rect">
-            <a:avLst/>
-          </a:prstGeom>
-          <a:noFill/>
-        </p:spPr>
-        <p:txBody>
-          <a:bodyPr wrap="none" rtlCol="0">
-            <a:spAutoFit/>
-          </a:bodyPr>
-          <a:lstStyle/>
-          <a:p>
-            <a:pPr algn="ctr"/>
-            <a:r>
-              <a:rPr lang="en-US" dirty="0"/>
-              <a:t>w</a:t>
-            </a:r>
-            <a:r>
-              <a:rPr lang="en-US" dirty="0" smtClean="0"/>
-              <a:t>rapper::</a:t>
-            </a:r>
-            <a:r>
-              <a:rPr lang="en-US" dirty="0" err="1" smtClean="0"/>
-              <a:t>Stmt</a:t>
-            </a:r>
-            <a:endParaRPr lang="en-US" dirty="0"/>
-          </a:p>
-        </p:txBody>
-      </p:sp>
-      <p:sp>
-        <p:nvSpPr>
-          <p:cNvPr id="141" name="Diamond 140"/>
-          <p:cNvSpPr/>
-          <p:nvPr/>
-        </p:nvSpPr>
-        <p:spPr>
-          <a:xfrm rot="5400000">
-            <a:off x="6949992" y="4139783"/>
-            <a:ext cx="321733" cy="260867"/>
-          </a:xfrm>
-          <a:prstGeom prst="diamond">
-            <a:avLst/>
-          </a:prstGeom>
-          <a:solidFill>
-            <a:schemeClr val="bg1"/>
-          </a:solidFill>
-        </p:spPr>
-        <p:style>
-          <a:lnRef idx="2">
-            <a:schemeClr val="accent1">
-              <a:shade val="50000"/>
-            </a:schemeClr>
-          </a:lnRef>
-          <a:fillRef idx="1">
-            <a:schemeClr val="accent1"/>
-          </a:fillRef>
-          <a:effectRef idx="0">
-            <a:schemeClr val="accent1"/>
-          </a:effectRef>
-          <a:fontRef idx="minor">
-            <a:schemeClr val="lt1"/>
-          </a:fontRef>
-        </p:style>
-        <p:txBody>
-          <a:bodyPr rtlCol="0" anchor="ctr"/>
-          <a:lstStyle/>
-          <a:p>
-            <a:pPr algn="ctr"/>
-            <a:endParaRPr lang="en-US"/>
-          </a:p>
-        </p:txBody>
-      </p:sp>
-      <p:cxnSp>
-        <p:nvCxnSpPr>
-          <p:cNvPr id="142" name="Straight Connector 141"/>
-          <p:cNvCxnSpPr>
-            <a:endCxn id="142" idx="0"/>
-          </p:cNvCxnSpPr>
-          <p:nvPr/>
-        </p:nvCxnSpPr>
-        <p:spPr>
-          <a:xfrm flipH="1">
-            <a:off x="7103714" y="4431083"/>
-            <a:ext cx="7144" cy="533831"/>
-          </a:xfrm>
-          <a:prstGeom prst="line">
-            <a:avLst/>
-          </a:prstGeom>
-        </p:spPr>
-        <p:style>
-          <a:lnRef idx="1">
-            <a:schemeClr val="accent1"/>
-          </a:lnRef>
-          <a:fillRef idx="0">
-            <a:schemeClr val="accent1"/>
-          </a:fillRef>
-          <a:effectRef idx="0">
-            <a:schemeClr val="accent1"/>
-          </a:effectRef>
-          <a:fontRef idx="minor">
-            <a:schemeClr val="tx1"/>
-          </a:fontRef>
-        </p:style>
-      </p:cxnSp>
-      <p:sp>
-        <p:nvSpPr>
-          <p:cNvPr id="143" name="TextBox 142"/>
-          <p:cNvSpPr txBox="1"/>
-          <p:nvPr/>
-        </p:nvSpPr>
-        <p:spPr>
-          <a:xfrm>
-            <a:off x="7111601" y="4649149"/>
-            <a:ext cx="532518" cy="369332"/>
-          </a:xfrm>
-          <a:prstGeom prst="rect">
-            <a:avLst/>
-          </a:prstGeom>
-          <a:noFill/>
-        </p:spPr>
-        <p:txBody>
-          <a:bodyPr wrap="none" rtlCol="0">
-            <a:spAutoFit/>
-          </a:bodyPr>
-          <a:lstStyle/>
-          <a:p>
-            <a:r>
-              <a:rPr lang="en-US" dirty="0" smtClean="0"/>
-              <a:t>0..*</a:t>
-            </a:r>
-            <a:endParaRPr lang="en-US" dirty="0"/>
-          </a:p>
-        </p:txBody>
-      </p:sp>
-      <p:sp>
-        <p:nvSpPr>
-          <p:cNvPr id="144" name="TextBox 143"/>
-          <p:cNvSpPr txBox="1"/>
-          <p:nvPr/>
-        </p:nvSpPr>
-        <p:spPr>
-          <a:xfrm>
-            <a:off x="7122494" y="4256936"/>
-            <a:ext cx="301686" cy="369332"/>
-          </a:xfrm>
-          <a:prstGeom prst="rect">
-            <a:avLst/>
-          </a:prstGeom>
-          <a:noFill/>
-        </p:spPr>
-        <p:txBody>
-          <a:bodyPr wrap="none" rtlCol="0">
-            <a:spAutoFit/>
-          </a:bodyPr>
-          <a:lstStyle/>
-          <a:p>
-            <a:r>
-              <a:rPr lang="en-US" dirty="0" smtClean="0"/>
-              <a:t>1</a:t>
-            </a:r>
-            <a:endParaRPr lang="en-US" dirty="0"/>
-          </a:p>
-        </p:txBody>
-      </p:sp>
     </p:spTree>
     <p:extLst>
       <p:ext uri="{BB962C8B-B14F-4D97-AF65-F5344CB8AC3E}">

--- a/catalogue/rdbms_classes.pptx
+++ b/catalogue/rdbms_classes.pptx
@@ -7,6 +7,7 @@
   <p:sldIdLst>
     <p:sldId id="257" r:id="rId2"/>
     <p:sldId id="258" r:id="rId3"/>
+    <p:sldId id="259" r:id="rId4"/>
   </p:sldIdLst>
   <p:sldSz cx="12192000" cy="6858000"/>
   <p:notesSz cx="6858000" cy="9144000"/>
@@ -244,7 +245,7 @@
           <a:p>
             <a:fld id="{A324B053-0AC1-C047-A94D-AE791A5219A0}" type="datetimeFigureOut">
               <a:rPr lang="en-US" smtClean="0"/>
-              <a:t>11/1/18</a:t>
+              <a:t>9/27/19</a:t>
             </a:fld>
             <a:endParaRPr lang="en-US"/>
           </a:p>
@@ -414,7 +415,7 @@
           <a:p>
             <a:fld id="{A324B053-0AC1-C047-A94D-AE791A5219A0}" type="datetimeFigureOut">
               <a:rPr lang="en-US" smtClean="0"/>
-              <a:t>11/1/18</a:t>
+              <a:t>9/27/19</a:t>
             </a:fld>
             <a:endParaRPr lang="en-US"/>
           </a:p>
@@ -594,7 +595,7 @@
           <a:p>
             <a:fld id="{A324B053-0AC1-C047-A94D-AE791A5219A0}" type="datetimeFigureOut">
               <a:rPr lang="en-US" smtClean="0"/>
-              <a:t>11/1/18</a:t>
+              <a:t>9/27/19</a:t>
             </a:fld>
             <a:endParaRPr lang="en-US"/>
           </a:p>
@@ -764,7 +765,7 @@
           <a:p>
             <a:fld id="{A324B053-0AC1-C047-A94D-AE791A5219A0}" type="datetimeFigureOut">
               <a:rPr lang="en-US" smtClean="0"/>
-              <a:t>11/1/18</a:t>
+              <a:t>9/27/19</a:t>
             </a:fld>
             <a:endParaRPr lang="en-US"/>
           </a:p>
@@ -1010,7 +1011,7 @@
           <a:p>
             <a:fld id="{A324B053-0AC1-C047-A94D-AE791A5219A0}" type="datetimeFigureOut">
               <a:rPr lang="en-US" smtClean="0"/>
-              <a:t>11/1/18</a:t>
+              <a:t>9/27/19</a:t>
             </a:fld>
             <a:endParaRPr lang="en-US"/>
           </a:p>
@@ -1242,7 +1243,7 @@
           <a:p>
             <a:fld id="{A324B053-0AC1-C047-A94D-AE791A5219A0}" type="datetimeFigureOut">
               <a:rPr lang="en-US" smtClean="0"/>
-              <a:t>11/1/18</a:t>
+              <a:t>9/27/19</a:t>
             </a:fld>
             <a:endParaRPr lang="en-US"/>
           </a:p>
@@ -1609,7 +1610,7 @@
           <a:p>
             <a:fld id="{A324B053-0AC1-C047-A94D-AE791A5219A0}" type="datetimeFigureOut">
               <a:rPr lang="en-US" smtClean="0"/>
-              <a:t>11/1/18</a:t>
+              <a:t>9/27/19</a:t>
             </a:fld>
             <a:endParaRPr lang="en-US"/>
           </a:p>
@@ -1727,7 +1728,7 @@
           <a:p>
             <a:fld id="{A324B053-0AC1-C047-A94D-AE791A5219A0}" type="datetimeFigureOut">
               <a:rPr lang="en-US" smtClean="0"/>
-              <a:t>11/1/18</a:t>
+              <a:t>9/27/19</a:t>
             </a:fld>
             <a:endParaRPr lang="en-US"/>
           </a:p>
@@ -1822,7 +1823,7 @@
           <a:p>
             <a:fld id="{A324B053-0AC1-C047-A94D-AE791A5219A0}" type="datetimeFigureOut">
               <a:rPr lang="en-US" smtClean="0"/>
-              <a:t>11/1/18</a:t>
+              <a:t>9/27/19</a:t>
             </a:fld>
             <a:endParaRPr lang="en-US"/>
           </a:p>
@@ -2099,7 +2100,7 @@
           <a:p>
             <a:fld id="{A324B053-0AC1-C047-A94D-AE791A5219A0}" type="datetimeFigureOut">
               <a:rPr lang="en-US" smtClean="0"/>
-              <a:t>11/1/18</a:t>
+              <a:t>9/27/19</a:t>
             </a:fld>
             <a:endParaRPr lang="en-US"/>
           </a:p>
@@ -2352,7 +2353,7 @@
           <a:p>
             <a:fld id="{A324B053-0AC1-C047-A94D-AE791A5219A0}" type="datetimeFigureOut">
               <a:rPr lang="en-US" smtClean="0"/>
-              <a:t>11/1/18</a:t>
+              <a:t>9/27/19</a:t>
             </a:fld>
             <a:endParaRPr lang="en-US"/>
           </a:p>
@@ -2565,7 +2566,7 @@
           <a:p>
             <a:fld id="{A324B053-0AC1-C047-A94D-AE791A5219A0}" type="datetimeFigureOut">
               <a:rPr lang="en-US" smtClean="0"/>
-              <a:t>11/1/18</a:t>
+              <a:t>9/27/19</a:t>
             </a:fld>
             <a:endParaRPr lang="en-US"/>
           </a:p>
@@ -2970,29 +2971,154 @@
           <a:chExt cx="0" cy="0"/>
         </a:xfrm>
       </p:grpSpPr>
+      <p:sp>
+        <p:nvSpPr>
+          <p:cNvPr id="27" name="TextBox 26"/>
+          <p:cNvSpPr txBox="1"/>
+          <p:nvPr/>
+        </p:nvSpPr>
+        <p:spPr>
+          <a:xfrm>
+            <a:off x="65662" y="1202723"/>
+            <a:ext cx="6956831" cy="923330"/>
+          </a:xfrm>
+          <a:prstGeom prst="rect">
+            <a:avLst/>
+          </a:prstGeom>
+          <a:noFill/>
+        </p:spPr>
+        <p:txBody>
+          <a:bodyPr wrap="square" rtlCol="0">
+            <a:spAutoFit/>
+          </a:bodyPr>
+          <a:lstStyle/>
+          <a:p>
+            <a:pPr algn="just"/>
+            <a:r>
+              <a:rPr lang="en-US" dirty="0" smtClean="0"/>
+              <a:t>The </a:t>
+            </a:r>
+            <a:r>
+              <a:rPr lang="en-US" dirty="0" err="1" smtClean="0"/>
+              <a:t>RdbmsCatalogue</a:t>
+            </a:r>
+            <a:r>
+              <a:rPr lang="en-US" dirty="0" smtClean="0"/>
+              <a:t> implements of all the Catalogue methods except for those that require database vendor specific API accesses such as bulk inserts or database vendor specific SQL such as database sequences.</a:t>
+            </a:r>
+            <a:endParaRPr lang="en-US" dirty="0"/>
+          </a:p>
+        </p:txBody>
+      </p:sp>
+      <p:sp>
+        <p:nvSpPr>
+          <p:cNvPr id="28" name="TextBox 27"/>
+          <p:cNvSpPr txBox="1"/>
+          <p:nvPr/>
+        </p:nvSpPr>
+        <p:spPr>
+          <a:xfrm>
+            <a:off x="57266" y="90723"/>
+            <a:ext cx="6956831" cy="923330"/>
+          </a:xfrm>
+          <a:prstGeom prst="rect">
+            <a:avLst/>
+          </a:prstGeom>
+          <a:noFill/>
+        </p:spPr>
+        <p:txBody>
+          <a:bodyPr wrap="square" rtlCol="0">
+            <a:spAutoFit/>
+          </a:bodyPr>
+          <a:lstStyle/>
+          <a:p>
+            <a:pPr algn="just"/>
+            <a:r>
+              <a:rPr lang="en-US" dirty="0" smtClean="0"/>
+              <a:t>The Catalogue class is an abstract interface class which facilitates the ability to implement the CTA catalogue using backend data storage technologies other than relational databases.  </a:t>
+            </a:r>
+            <a:endParaRPr lang="en-US" dirty="0"/>
+          </a:p>
+        </p:txBody>
+      </p:sp>
+      <p:sp>
+        <p:nvSpPr>
+          <p:cNvPr id="29" name="TextBox 28"/>
+          <p:cNvSpPr txBox="1"/>
+          <p:nvPr/>
+        </p:nvSpPr>
+        <p:spPr>
+          <a:xfrm>
+            <a:off x="73595" y="5331832"/>
+            <a:ext cx="5931276" cy="1200329"/>
+          </a:xfrm>
+          <a:prstGeom prst="rect">
+            <a:avLst/>
+          </a:prstGeom>
+          <a:noFill/>
+        </p:spPr>
+        <p:txBody>
+          <a:bodyPr wrap="square" rtlCol="0">
+            <a:spAutoFit/>
+          </a:bodyPr>
+          <a:lstStyle/>
+          <a:p>
+            <a:pPr algn="just"/>
+            <a:r>
+              <a:rPr lang="en-US" dirty="0" err="1" smtClean="0"/>
+              <a:t>InMemoryCatalogue</a:t>
+            </a:r>
+            <a:r>
+              <a:rPr lang="en-US" dirty="0" smtClean="0"/>
+              <a:t> objects are different to other </a:t>
+            </a:r>
+            <a:r>
+              <a:rPr lang="en-US" dirty="0" err="1" smtClean="0"/>
+              <a:t>RdbmsCatalogue</a:t>
+            </a:r>
+            <a:r>
+              <a:rPr lang="en-US" dirty="0" smtClean="0"/>
+              <a:t> objects that connect to external databases because </a:t>
+            </a:r>
+            <a:r>
+              <a:rPr lang="en-US" dirty="0" err="1"/>
+              <a:t>InMemoryCatalogue</a:t>
+            </a:r>
+            <a:r>
+              <a:rPr lang="en-US" dirty="0"/>
+              <a:t> objects </a:t>
+            </a:r>
+            <a:r>
+              <a:rPr lang="en-US" dirty="0" smtClean="0"/>
+              <a:t> create the database schema when they are first instantiated. </a:t>
+            </a:r>
+            <a:endParaRPr lang="en-US" dirty="0"/>
+          </a:p>
+        </p:txBody>
+      </p:sp>
       <p:grpSp>
         <p:nvGrpSpPr>
-          <p:cNvPr id="2" name="Group 1"/>
+          <p:cNvPr id="30" name="Group 29"/>
           <p:cNvGrpSpPr/>
           <p:nvPr/>
         </p:nvGrpSpPr>
         <p:grpSpPr>
           <a:xfrm>
-            <a:off x="5996938" y="407543"/>
-            <a:ext cx="6004562" cy="4320525"/>
-            <a:chOff x="387771" y="839343"/>
-            <a:chExt cx="6004562" cy="4320525"/>
+            <a:off x="3039233" y="552388"/>
+            <a:ext cx="8805808" cy="4358053"/>
+            <a:chOff x="1031238" y="636715"/>
+            <a:chExt cx="8805808" cy="4358053"/>
           </a:xfrm>
         </p:grpSpPr>
         <p:sp>
           <p:nvSpPr>
-            <p:cNvPr id="11" name="Rectangle 10"/>
+            <p:cNvPr id="32" name="Rectangle 31"/>
             <p:cNvSpPr/>
             <p:nvPr/>
           </p:nvSpPr>
           <p:spPr>
             <a:xfrm>
-              <a:off x="2939242" y="839343"/>
+              <a:off x="5038483" y="636715"/>
               <a:ext cx="1608668" cy="381000"/>
             </a:xfrm>
             <a:prstGeom prst="rect">
@@ -3027,13 +3153,13 @@
         </p:sp>
         <p:sp>
           <p:nvSpPr>
-            <p:cNvPr id="12" name="TextBox 11"/>
+            <p:cNvPr id="33" name="TextBox 32"/>
             <p:cNvSpPr txBox="1"/>
             <p:nvPr/>
           </p:nvSpPr>
           <p:spPr>
             <a:xfrm>
-              <a:off x="3172576" y="851011"/>
+              <a:off x="5271817" y="648383"/>
               <a:ext cx="1122423" cy="369332"/>
             </a:xfrm>
             <a:prstGeom prst="rect">
@@ -3058,13 +3184,13 @@
         </p:sp>
         <p:sp>
           <p:nvSpPr>
-            <p:cNvPr id="13" name="Rectangle 12"/>
+            <p:cNvPr id="34" name="Rectangle 33"/>
             <p:cNvSpPr/>
             <p:nvPr/>
           </p:nvSpPr>
           <p:spPr>
             <a:xfrm>
-              <a:off x="2939242" y="1798142"/>
+              <a:off x="5038483" y="1595514"/>
               <a:ext cx="1608668" cy="381000"/>
             </a:xfrm>
             <a:prstGeom prst="rect">
@@ -3099,13 +3225,13 @@
         </p:sp>
         <p:sp>
           <p:nvSpPr>
-            <p:cNvPr id="14" name="TextBox 13"/>
+            <p:cNvPr id="36" name="TextBox 35"/>
             <p:cNvSpPr txBox="1"/>
             <p:nvPr/>
           </p:nvSpPr>
           <p:spPr>
             <a:xfrm>
-              <a:off x="2851174" y="1809810"/>
+              <a:off x="4950415" y="1607182"/>
               <a:ext cx="1765228" cy="369332"/>
             </a:xfrm>
             <a:prstGeom prst="rect">
@@ -3128,21 +3254,130 @@
             </a:p>
           </p:txBody>
         </p:sp>
+        <p:cxnSp>
+          <p:nvCxnSpPr>
+            <p:cNvPr id="39" name="Straight Connector 38"/>
+            <p:cNvCxnSpPr/>
+            <p:nvPr/>
+          </p:nvCxnSpPr>
+          <p:spPr>
+            <a:xfrm>
+              <a:off x="5833028" y="1387059"/>
+              <a:ext cx="1" cy="220123"/>
+            </a:xfrm>
+            <a:prstGeom prst="line">
+              <a:avLst/>
+            </a:prstGeom>
+          </p:spPr>
+          <p:style>
+            <a:lnRef idx="1">
+              <a:schemeClr val="accent1"/>
+            </a:lnRef>
+            <a:fillRef idx="0">
+              <a:schemeClr val="accent1"/>
+            </a:fillRef>
+            <a:effectRef idx="0">
+              <a:schemeClr val="accent1"/>
+            </a:effectRef>
+            <a:fontRef idx="minor">
+              <a:schemeClr val="tx1"/>
+            </a:fontRef>
+          </p:style>
+        </p:cxnSp>
         <p:sp>
           <p:nvSpPr>
-            <p:cNvPr id="15" name="Rectangle 14"/>
+            <p:cNvPr id="40" name="Triangle 39"/>
             <p:cNvSpPr/>
             <p:nvPr/>
           </p:nvSpPr>
           <p:spPr>
             <a:xfrm>
-              <a:off x="1165947" y="2799266"/>
-              <a:ext cx="1608668" cy="381000"/>
-            </a:xfrm>
-            <a:prstGeom prst="rect">
+              <a:off x="5543155" y="1964898"/>
+              <a:ext cx="579745" cy="353492"/>
+            </a:xfrm>
+            <a:prstGeom prst="triangle">
               <a:avLst/>
             </a:prstGeom>
-            <a:noFill/>
+            <a:solidFill>
+              <a:schemeClr val="bg1"/>
+            </a:solidFill>
+          </p:spPr>
+          <p:style>
+            <a:lnRef idx="2">
+              <a:schemeClr val="accent1">
+                <a:shade val="50000"/>
+              </a:schemeClr>
+            </a:lnRef>
+            <a:fillRef idx="1">
+              <a:schemeClr val="accent1"/>
+            </a:fillRef>
+            <a:effectRef idx="0">
+              <a:schemeClr val="accent1"/>
+            </a:effectRef>
+            <a:fontRef idx="minor">
+              <a:schemeClr val="lt1"/>
+            </a:fontRef>
+          </p:style>
+          <p:txBody>
+            <a:bodyPr rtlCol="0" anchor="ctr"/>
+            <a:lstStyle/>
+            <a:p>
+              <a:pPr algn="ctr"/>
+              <a:endParaRPr lang="en-US"/>
+            </a:p>
+          </p:txBody>
+        </p:sp>
+        <p:cxnSp>
+          <p:nvCxnSpPr>
+            <p:cNvPr id="43" name="Elbow Connector 42"/>
+            <p:cNvCxnSpPr>
+              <a:stCxn id="55" idx="3"/>
+            </p:cNvCxnSpPr>
+            <p:nvPr/>
+          </p:nvCxnSpPr>
+          <p:spPr>
+            <a:xfrm rot="5400000">
+              <a:off x="4067506" y="860206"/>
+              <a:ext cx="307339" cy="3223707"/>
+            </a:xfrm>
+            <a:prstGeom prst="bentConnector3">
+              <a:avLst>
+                <a:gd name="adj1" fmla="val 50000"/>
+              </a:avLst>
+            </a:prstGeom>
+          </p:spPr>
+          <p:style>
+            <a:lnRef idx="1">
+              <a:schemeClr val="accent1"/>
+            </a:lnRef>
+            <a:fillRef idx="0">
+              <a:schemeClr val="accent1"/>
+            </a:fillRef>
+            <a:effectRef idx="0">
+              <a:schemeClr val="accent1"/>
+            </a:effectRef>
+            <a:fontRef idx="minor">
+              <a:schemeClr val="tx1"/>
+            </a:fontRef>
+          </p:style>
+        </p:cxnSp>
+        <p:sp>
+          <p:nvSpPr>
+            <p:cNvPr id="44" name="Triangle 43"/>
+            <p:cNvSpPr/>
+            <p:nvPr/>
+          </p:nvSpPr>
+          <p:spPr>
+            <a:xfrm>
+              <a:off x="5543155" y="1033567"/>
+              <a:ext cx="579745" cy="353492"/>
+            </a:xfrm>
+            <a:prstGeom prst="triangle">
+              <a:avLst/>
+            </a:prstGeom>
+            <a:solidFill>
+              <a:schemeClr val="bg1"/>
+            </a:solidFill>
           </p:spPr>
           <p:style>
             <a:lnRef idx="2">
@@ -3171,78 +3406,14 @@
         </p:sp>
         <p:sp>
           <p:nvSpPr>
-            <p:cNvPr id="16" name="TextBox 15"/>
-            <p:cNvSpPr txBox="1"/>
+            <p:cNvPr id="49" name="Rectangle 48"/>
+            <p:cNvSpPr/>
             <p:nvPr/>
           </p:nvSpPr>
           <p:spPr>
             <a:xfrm>
-              <a:off x="1137542" y="2810934"/>
-              <a:ext cx="1645900" cy="369332"/>
-            </a:xfrm>
-            <a:prstGeom prst="rect">
-              <a:avLst/>
-            </a:prstGeom>
-            <a:noFill/>
-          </p:spPr>
-          <p:txBody>
-            <a:bodyPr wrap="none" rtlCol="0">
-              <a:spAutoFit/>
-            </a:bodyPr>
-            <a:lstStyle/>
-            <a:p>
-              <a:pPr algn="ctr"/>
-              <a:r>
-                <a:rPr lang="en-US" dirty="0" err="1" smtClean="0"/>
-                <a:t>SqliteCatalogue</a:t>
-              </a:r>
-              <a:endParaRPr lang="en-US" dirty="0"/>
-            </a:p>
-          </p:txBody>
-        </p:sp>
-        <p:cxnSp>
-          <p:nvCxnSpPr>
-            <p:cNvPr id="18" name="Straight Connector 17"/>
-            <p:cNvCxnSpPr>
-              <a:stCxn id="38" idx="3"/>
-              <a:endCxn id="14" idx="0"/>
-            </p:cNvCxnSpPr>
-            <p:nvPr/>
-          </p:nvCxnSpPr>
-          <p:spPr>
-            <a:xfrm>
-              <a:off x="3733787" y="1589687"/>
-              <a:ext cx="1" cy="220123"/>
-            </a:xfrm>
-            <a:prstGeom prst="line">
-              <a:avLst/>
-            </a:prstGeom>
-          </p:spPr>
-          <p:style>
-            <a:lnRef idx="1">
-              <a:schemeClr val="accent1"/>
-            </a:lnRef>
-            <a:fillRef idx="0">
-              <a:schemeClr val="accent1"/>
-            </a:fillRef>
-            <a:effectRef idx="0">
-              <a:schemeClr val="accent1"/>
-            </a:effectRef>
-            <a:fontRef idx="minor">
-              <a:schemeClr val="tx1"/>
-            </a:fontRef>
-          </p:style>
-        </p:cxnSp>
-        <p:sp>
-          <p:nvSpPr>
-            <p:cNvPr id="19" name="Rectangle 18"/>
-            <p:cNvSpPr/>
-            <p:nvPr/>
-          </p:nvSpPr>
-          <p:spPr>
-            <a:xfrm>
-              <a:off x="2940438" y="2822602"/>
-              <a:ext cx="1608668" cy="381000"/>
+              <a:off x="1031238" y="3582433"/>
+              <a:ext cx="3166893" cy="369332"/>
             </a:xfrm>
             <a:prstGeom prst="rect">
               <a:avLst/>
@@ -3276,342 +3447,13 @@
         </p:sp>
         <p:sp>
           <p:nvSpPr>
-            <p:cNvPr id="20" name="TextBox 19"/>
+            <p:cNvPr id="50" name="TextBox 49"/>
             <p:cNvSpPr txBox="1"/>
             <p:nvPr/>
           </p:nvSpPr>
           <p:spPr>
             <a:xfrm>
-              <a:off x="2871510" y="2834270"/>
-              <a:ext cx="1726948" cy="369332"/>
-            </a:xfrm>
-            <a:prstGeom prst="rect">
-              <a:avLst/>
-            </a:prstGeom>
-            <a:noFill/>
-          </p:spPr>
-          <p:txBody>
-            <a:bodyPr wrap="none" rtlCol="0">
-              <a:spAutoFit/>
-            </a:bodyPr>
-            <a:lstStyle/>
-            <a:p>
-              <a:pPr algn="ctr"/>
-              <a:r>
-                <a:rPr lang="en-US" dirty="0" err="1" smtClean="0"/>
-                <a:t>OracleCatalogue</a:t>
-              </a:r>
-              <a:endParaRPr lang="en-US" dirty="0"/>
-            </a:p>
-          </p:txBody>
-        </p:sp>
-        <p:sp>
-          <p:nvSpPr>
-            <p:cNvPr id="21" name="Rectangle 20"/>
-            <p:cNvSpPr/>
-            <p:nvPr/>
-          </p:nvSpPr>
-          <p:spPr>
-            <a:xfrm>
-              <a:off x="4754672" y="2822602"/>
-              <a:ext cx="1608668" cy="381000"/>
-            </a:xfrm>
-            <a:prstGeom prst="rect">
-              <a:avLst/>
-            </a:prstGeom>
-            <a:noFill/>
-          </p:spPr>
-          <p:style>
-            <a:lnRef idx="2">
-              <a:schemeClr val="accent1">
-                <a:shade val="50000"/>
-              </a:schemeClr>
-            </a:lnRef>
-            <a:fillRef idx="1">
-              <a:schemeClr val="accent1"/>
-            </a:fillRef>
-            <a:effectRef idx="0">
-              <a:schemeClr val="accent1"/>
-            </a:effectRef>
-            <a:fontRef idx="minor">
-              <a:schemeClr val="lt1"/>
-            </a:fontRef>
-          </p:style>
-          <p:txBody>
-            <a:bodyPr rtlCol="0" anchor="ctr"/>
-            <a:lstStyle/>
-            <a:p>
-              <a:pPr algn="ctr"/>
-              <a:endParaRPr lang="en-US"/>
-            </a:p>
-          </p:txBody>
-        </p:sp>
-        <p:sp>
-          <p:nvSpPr>
-            <p:cNvPr id="22" name="TextBox 21"/>
-            <p:cNvSpPr txBox="1"/>
-            <p:nvPr/>
-          </p:nvSpPr>
-          <p:spPr>
-            <a:xfrm>
-              <a:off x="4706102" y="2834270"/>
-              <a:ext cx="1686231" cy="369332"/>
-            </a:xfrm>
-            <a:prstGeom prst="rect">
-              <a:avLst/>
-            </a:prstGeom>
-            <a:noFill/>
-          </p:spPr>
-          <p:txBody>
-            <a:bodyPr wrap="none" rtlCol="0">
-              <a:spAutoFit/>
-            </a:bodyPr>
-            <a:lstStyle/>
-            <a:p>
-              <a:pPr algn="ctr"/>
-              <a:r>
-                <a:rPr lang="en-US" dirty="0" err="1" smtClean="0"/>
-                <a:t>MysqlCatalogue</a:t>
-              </a:r>
-              <a:endParaRPr lang="en-US" dirty="0"/>
-            </a:p>
-          </p:txBody>
-        </p:sp>
-        <p:cxnSp>
-          <p:nvCxnSpPr>
-            <p:cNvPr id="26" name="Straight Connector 25"/>
-            <p:cNvCxnSpPr>
-              <a:stCxn id="31" idx="3"/>
-              <a:endCxn id="19" idx="0"/>
-            </p:cNvCxnSpPr>
-            <p:nvPr/>
-          </p:nvCxnSpPr>
-          <p:spPr>
-            <a:xfrm>
-              <a:off x="3733787" y="2521018"/>
-              <a:ext cx="10985" cy="301584"/>
-            </a:xfrm>
-            <a:prstGeom prst="line">
-              <a:avLst/>
-            </a:prstGeom>
-          </p:spPr>
-          <p:style>
-            <a:lnRef idx="1">
-              <a:schemeClr val="accent1"/>
-            </a:lnRef>
-            <a:fillRef idx="0">
-              <a:schemeClr val="accent1"/>
-            </a:fillRef>
-            <a:effectRef idx="0">
-              <a:schemeClr val="accent1"/>
-            </a:effectRef>
-            <a:fontRef idx="minor">
-              <a:schemeClr val="tx1"/>
-            </a:fontRef>
-          </p:style>
-        </p:cxnSp>
-        <p:sp>
-          <p:nvSpPr>
-            <p:cNvPr id="31" name="Triangle 30"/>
-            <p:cNvSpPr/>
-            <p:nvPr/>
-          </p:nvSpPr>
-          <p:spPr>
-            <a:xfrm>
-              <a:off x="3443914" y="2167526"/>
-              <a:ext cx="579745" cy="353492"/>
-            </a:xfrm>
-            <a:prstGeom prst="triangle">
-              <a:avLst/>
-            </a:prstGeom>
-            <a:solidFill>
-              <a:schemeClr val="bg1"/>
-            </a:solidFill>
-          </p:spPr>
-          <p:style>
-            <a:lnRef idx="2">
-              <a:schemeClr val="accent1">
-                <a:shade val="50000"/>
-              </a:schemeClr>
-            </a:lnRef>
-            <a:fillRef idx="1">
-              <a:schemeClr val="accent1"/>
-            </a:fillRef>
-            <a:effectRef idx="0">
-              <a:schemeClr val="accent1"/>
-            </a:effectRef>
-            <a:fontRef idx="minor">
-              <a:schemeClr val="lt1"/>
-            </a:fontRef>
-          </p:style>
-          <p:txBody>
-            <a:bodyPr rtlCol="0" anchor="ctr"/>
-            <a:lstStyle/>
-            <a:p>
-              <a:pPr algn="ctr"/>
-              <a:endParaRPr lang="en-US"/>
-            </a:p>
-          </p:txBody>
-        </p:sp>
-        <p:cxnSp>
-          <p:nvCxnSpPr>
-            <p:cNvPr id="35" name="Elbow Connector 34"/>
-            <p:cNvCxnSpPr>
-              <a:stCxn id="31" idx="3"/>
-              <a:endCxn id="21" idx="0"/>
-            </p:cNvCxnSpPr>
-            <p:nvPr/>
-          </p:nvCxnSpPr>
-          <p:spPr>
-            <a:xfrm rot="16200000" flipH="1">
-              <a:off x="4495604" y="1759200"/>
-              <a:ext cx="301584" cy="1825219"/>
-            </a:xfrm>
-            <a:prstGeom prst="bentConnector3">
-              <a:avLst/>
-            </a:prstGeom>
-          </p:spPr>
-          <p:style>
-            <a:lnRef idx="1">
-              <a:schemeClr val="accent1"/>
-            </a:lnRef>
-            <a:fillRef idx="0">
-              <a:schemeClr val="accent1"/>
-            </a:fillRef>
-            <a:effectRef idx="0">
-              <a:schemeClr val="accent1"/>
-            </a:effectRef>
-            <a:fontRef idx="minor">
-              <a:schemeClr val="tx1"/>
-            </a:fontRef>
-          </p:style>
-        </p:cxnSp>
-        <p:cxnSp>
-          <p:nvCxnSpPr>
-            <p:cNvPr id="37" name="Elbow Connector 36"/>
-            <p:cNvCxnSpPr>
-              <a:stCxn id="31" idx="3"/>
-              <a:endCxn id="15" idx="0"/>
-            </p:cNvCxnSpPr>
-            <p:nvPr/>
-          </p:nvCxnSpPr>
-          <p:spPr>
-            <a:xfrm rot="5400000">
-              <a:off x="2712910" y="1778389"/>
-              <a:ext cx="278248" cy="1763506"/>
-            </a:xfrm>
-            <a:prstGeom prst="bentConnector3">
-              <a:avLst/>
-            </a:prstGeom>
-          </p:spPr>
-          <p:style>
-            <a:lnRef idx="1">
-              <a:schemeClr val="accent1"/>
-            </a:lnRef>
-            <a:fillRef idx="0">
-              <a:schemeClr val="accent1"/>
-            </a:fillRef>
-            <a:effectRef idx="0">
-              <a:schemeClr val="accent1"/>
-            </a:effectRef>
-            <a:fontRef idx="minor">
-              <a:schemeClr val="tx1"/>
-            </a:fontRef>
-          </p:style>
-        </p:cxnSp>
-        <p:sp>
-          <p:nvSpPr>
-            <p:cNvPr id="38" name="Triangle 37"/>
-            <p:cNvSpPr/>
-            <p:nvPr/>
-          </p:nvSpPr>
-          <p:spPr>
-            <a:xfrm>
-              <a:off x="3443914" y="1236195"/>
-              <a:ext cx="579745" cy="353492"/>
-            </a:xfrm>
-            <a:prstGeom prst="triangle">
-              <a:avLst/>
-            </a:prstGeom>
-            <a:solidFill>
-              <a:schemeClr val="bg1"/>
-            </a:solidFill>
-          </p:spPr>
-          <p:style>
-            <a:lnRef idx="2">
-              <a:schemeClr val="accent1">
-                <a:shade val="50000"/>
-              </a:schemeClr>
-            </a:lnRef>
-            <a:fillRef idx="1">
-              <a:schemeClr val="accent1"/>
-            </a:fillRef>
-            <a:effectRef idx="0">
-              <a:schemeClr val="accent1"/>
-            </a:effectRef>
-            <a:fontRef idx="minor">
-              <a:schemeClr val="lt1"/>
-            </a:fontRef>
-          </p:style>
-          <p:txBody>
-            <a:bodyPr rtlCol="0" anchor="ctr"/>
-            <a:lstStyle/>
-            <a:p>
-              <a:pPr algn="ctr"/>
-              <a:endParaRPr lang="en-US"/>
-            </a:p>
-          </p:txBody>
-        </p:sp>
-        <p:sp>
-          <p:nvSpPr>
-            <p:cNvPr id="41" name="Rectangle 40"/>
-            <p:cNvSpPr/>
-            <p:nvPr/>
-          </p:nvSpPr>
-          <p:spPr>
-            <a:xfrm>
-              <a:off x="387771" y="3747533"/>
-              <a:ext cx="3166893" cy="369332"/>
-            </a:xfrm>
-            <a:prstGeom prst="rect">
-              <a:avLst/>
-            </a:prstGeom>
-            <a:noFill/>
-          </p:spPr>
-          <p:style>
-            <a:lnRef idx="2">
-              <a:schemeClr val="accent1">
-                <a:shade val="50000"/>
-              </a:schemeClr>
-            </a:lnRef>
-            <a:fillRef idx="1">
-              <a:schemeClr val="accent1"/>
-            </a:fillRef>
-            <a:effectRef idx="0">
-              <a:schemeClr val="accent1"/>
-            </a:effectRef>
-            <a:fontRef idx="minor">
-              <a:schemeClr val="lt1"/>
-            </a:fontRef>
-          </p:style>
-          <p:txBody>
-            <a:bodyPr rtlCol="0" anchor="ctr"/>
-            <a:lstStyle/>
-            <a:p>
-              <a:pPr algn="ctr"/>
-              <a:endParaRPr lang="en-US"/>
-            </a:p>
-          </p:txBody>
-        </p:sp>
-        <p:sp>
-          <p:nvSpPr>
-            <p:cNvPr id="42" name="TextBox 41"/>
-            <p:cNvSpPr txBox="1"/>
-            <p:nvPr/>
-          </p:nvSpPr>
-          <p:spPr>
-            <a:xfrm>
-              <a:off x="387771" y="3759201"/>
+              <a:off x="1031238" y="3594101"/>
               <a:ext cx="3166894" cy="369332"/>
             </a:xfrm>
             <a:prstGeom prst="rect">
@@ -3636,13 +3478,13 @@
         </p:sp>
         <p:sp>
           <p:nvSpPr>
-            <p:cNvPr id="45" name="Rectangle 44"/>
+            <p:cNvPr id="51" name="Rectangle 50"/>
             <p:cNvSpPr/>
             <p:nvPr/>
           </p:nvSpPr>
           <p:spPr>
             <a:xfrm>
-              <a:off x="917300" y="4767200"/>
+              <a:off x="1560767" y="4602100"/>
               <a:ext cx="2105961" cy="392668"/>
             </a:xfrm>
             <a:prstGeom prst="rect">
@@ -3677,13 +3519,13 @@
         </p:sp>
         <p:sp>
           <p:nvSpPr>
-            <p:cNvPr id="46" name="TextBox 45"/>
+            <p:cNvPr id="53" name="TextBox 52"/>
             <p:cNvSpPr txBox="1"/>
             <p:nvPr/>
           </p:nvSpPr>
           <p:spPr>
             <a:xfrm>
-              <a:off x="917300" y="4778868"/>
+              <a:off x="1560767" y="4613768"/>
               <a:ext cx="2105962" cy="369332"/>
             </a:xfrm>
             <a:prstGeom prst="rect">
@@ -3708,13 +3550,13 @@
         </p:sp>
         <p:sp>
           <p:nvSpPr>
-            <p:cNvPr id="47" name="Triangle 46"/>
+            <p:cNvPr id="55" name="Triangle 54"/>
             <p:cNvSpPr/>
             <p:nvPr/>
           </p:nvSpPr>
           <p:spPr>
             <a:xfrm>
-              <a:off x="1670619" y="3177663"/>
+              <a:off x="2314086" y="3012563"/>
               <a:ext cx="579745" cy="353492"/>
             </a:xfrm>
             <a:prstGeom prst="triangle">
@@ -3751,13 +3593,13 @@
         </p:sp>
         <p:sp>
           <p:nvSpPr>
-            <p:cNvPr id="48" name="Triangle 47"/>
+            <p:cNvPr id="56" name="Triangle 55"/>
             <p:cNvSpPr/>
             <p:nvPr/>
           </p:nvSpPr>
           <p:spPr>
             <a:xfrm>
-              <a:off x="1670619" y="4133505"/>
+              <a:off x="2314086" y="3968405"/>
               <a:ext cx="579745" cy="353492"/>
             </a:xfrm>
             <a:prstGeom prst="triangle">
@@ -3794,16 +3636,13 @@
         </p:sp>
         <p:cxnSp>
           <p:nvCxnSpPr>
-            <p:cNvPr id="52" name="Straight Connector 51"/>
-            <p:cNvCxnSpPr>
-              <a:stCxn id="47" idx="3"/>
-              <a:endCxn id="42" idx="0"/>
-            </p:cNvCxnSpPr>
+            <p:cNvPr id="57" name="Straight Connector 56"/>
+            <p:cNvCxnSpPr/>
             <p:nvPr/>
           </p:nvCxnSpPr>
           <p:spPr>
             <a:xfrm>
-              <a:off x="1960492" y="3531155"/>
+              <a:off x="2603959" y="3366055"/>
               <a:ext cx="10726" cy="228046"/>
             </a:xfrm>
             <a:prstGeom prst="line">
@@ -3827,20 +3666,480 @@
         </p:cxnSp>
         <p:cxnSp>
           <p:nvCxnSpPr>
-            <p:cNvPr id="54" name="Straight Connector 53"/>
-            <p:cNvCxnSpPr>
-              <a:stCxn id="48" idx="3"/>
-              <a:endCxn id="46" idx="0"/>
-            </p:cNvCxnSpPr>
+            <p:cNvPr id="58" name="Straight Connector 57"/>
+            <p:cNvCxnSpPr/>
             <p:nvPr/>
           </p:nvCxnSpPr>
           <p:spPr>
             <a:xfrm>
-              <a:off x="1960492" y="4486997"/>
+              <a:off x="2603959" y="4321897"/>
               <a:ext cx="9789" cy="291871"/>
             </a:xfrm>
             <a:prstGeom prst="line">
               <a:avLst/>
+            </a:prstGeom>
+          </p:spPr>
+          <p:style>
+            <a:lnRef idx="1">
+              <a:schemeClr val="accent1"/>
+            </a:lnRef>
+            <a:fillRef idx="0">
+              <a:schemeClr val="accent1"/>
+            </a:fillRef>
+            <a:effectRef idx="0">
+              <a:schemeClr val="accent1"/>
+            </a:effectRef>
+            <a:fontRef idx="minor">
+              <a:schemeClr val="tx1"/>
+            </a:fontRef>
+          </p:style>
+        </p:cxnSp>
+        <p:grpSp>
+          <p:nvGrpSpPr>
+            <p:cNvPr id="59" name="Group 58"/>
+            <p:cNvGrpSpPr/>
+            <p:nvPr/>
+          </p:nvGrpSpPr>
+          <p:grpSpPr>
+            <a:xfrm>
+              <a:off x="5833029" y="2631563"/>
+              <a:ext cx="1913730" cy="381000"/>
+              <a:chOff x="6173665" y="3203602"/>
+              <a:chExt cx="1913730" cy="381000"/>
+            </a:xfrm>
+          </p:grpSpPr>
+          <p:sp>
+            <p:nvSpPr>
+              <p:cNvPr id="72" name="Rectangle 71"/>
+              <p:cNvSpPr/>
+              <p:nvPr/>
+            </p:nvSpPr>
+            <p:spPr>
+              <a:xfrm>
+                <a:off x="6173665" y="3203602"/>
+                <a:ext cx="1913730" cy="381000"/>
+              </a:xfrm>
+              <a:prstGeom prst="rect">
+                <a:avLst/>
+              </a:prstGeom>
+              <a:noFill/>
+            </p:spPr>
+            <p:style>
+              <a:lnRef idx="2">
+                <a:schemeClr val="accent1">
+                  <a:shade val="50000"/>
+                </a:schemeClr>
+              </a:lnRef>
+              <a:fillRef idx="1">
+                <a:schemeClr val="accent1"/>
+              </a:fillRef>
+              <a:effectRef idx="0">
+                <a:schemeClr val="accent1"/>
+              </a:effectRef>
+              <a:fontRef idx="minor">
+                <a:schemeClr val="lt1"/>
+              </a:fontRef>
+            </p:style>
+            <p:txBody>
+              <a:bodyPr rtlCol="0" anchor="ctr"/>
+              <a:lstStyle/>
+              <a:p>
+                <a:pPr algn="ctr"/>
+                <a:endParaRPr lang="en-US"/>
+              </a:p>
+            </p:txBody>
+          </p:sp>
+          <p:sp>
+            <p:nvSpPr>
+              <p:cNvPr id="73" name="TextBox 72"/>
+              <p:cNvSpPr txBox="1"/>
+              <p:nvPr/>
+            </p:nvSpPr>
+            <p:spPr>
+              <a:xfrm>
+                <a:off x="6173665" y="3203602"/>
+                <a:ext cx="1913730" cy="369332"/>
+              </a:xfrm>
+              <a:prstGeom prst="rect">
+                <a:avLst/>
+              </a:prstGeom>
+              <a:noFill/>
+            </p:spPr>
+            <p:txBody>
+              <a:bodyPr wrap="none" rtlCol="0">
+                <a:spAutoFit/>
+              </a:bodyPr>
+              <a:lstStyle/>
+              <a:p>
+                <a:pPr algn="ctr"/>
+                <a:r>
+                  <a:rPr lang="en-US" dirty="0" err="1" smtClean="0"/>
+                  <a:t>PostgresCatalogue</a:t>
+                </a:r>
+                <a:endParaRPr lang="en-US" dirty="0"/>
+              </a:p>
+            </p:txBody>
+          </p:sp>
+        </p:grpSp>
+        <p:grpSp>
+          <p:nvGrpSpPr>
+            <p:cNvPr id="60" name="Group 59"/>
+            <p:cNvGrpSpPr/>
+            <p:nvPr/>
+          </p:nvGrpSpPr>
+          <p:grpSpPr>
+            <a:xfrm>
+              <a:off x="7923316" y="2634660"/>
+              <a:ext cx="1913730" cy="381000"/>
+              <a:chOff x="6173665" y="3203602"/>
+              <a:chExt cx="1913730" cy="381000"/>
+            </a:xfrm>
+          </p:grpSpPr>
+          <p:sp>
+            <p:nvSpPr>
+              <p:cNvPr id="70" name="Rectangle 69"/>
+              <p:cNvSpPr/>
+              <p:nvPr/>
+            </p:nvSpPr>
+            <p:spPr>
+              <a:xfrm>
+                <a:off x="6173665" y="3203602"/>
+                <a:ext cx="1913730" cy="381000"/>
+              </a:xfrm>
+              <a:prstGeom prst="rect">
+                <a:avLst/>
+              </a:prstGeom>
+              <a:noFill/>
+            </p:spPr>
+            <p:style>
+              <a:lnRef idx="2">
+                <a:schemeClr val="accent1">
+                  <a:shade val="50000"/>
+                </a:schemeClr>
+              </a:lnRef>
+              <a:fillRef idx="1">
+                <a:schemeClr val="accent1"/>
+              </a:fillRef>
+              <a:effectRef idx="0">
+                <a:schemeClr val="accent1"/>
+              </a:effectRef>
+              <a:fontRef idx="minor">
+                <a:schemeClr val="lt1"/>
+              </a:fontRef>
+            </p:style>
+            <p:txBody>
+              <a:bodyPr rtlCol="0" anchor="ctr"/>
+              <a:lstStyle/>
+              <a:p>
+                <a:pPr algn="ctr"/>
+                <a:endParaRPr lang="en-US"/>
+              </a:p>
+            </p:txBody>
+          </p:sp>
+          <p:sp>
+            <p:nvSpPr>
+              <p:cNvPr id="71" name="TextBox 70"/>
+              <p:cNvSpPr txBox="1"/>
+              <p:nvPr/>
+            </p:nvSpPr>
+            <p:spPr>
+              <a:xfrm>
+                <a:off x="6287414" y="3203602"/>
+                <a:ext cx="1686231" cy="369332"/>
+              </a:xfrm>
+              <a:prstGeom prst="rect">
+                <a:avLst/>
+              </a:prstGeom>
+              <a:noFill/>
+            </p:spPr>
+            <p:txBody>
+              <a:bodyPr wrap="none" rtlCol="0">
+                <a:spAutoFit/>
+              </a:bodyPr>
+              <a:lstStyle/>
+              <a:p>
+                <a:pPr algn="ctr"/>
+                <a:r>
+                  <a:rPr lang="en-US" dirty="0" err="1" smtClean="0"/>
+                  <a:t>Mysql</a:t>
+                </a:r>
+                <a:r>
+                  <a:rPr lang="en-US" dirty="0" err="1" smtClean="0"/>
+                  <a:t>Catalogue</a:t>
+                </a:r>
+                <a:endParaRPr lang="en-US" dirty="0"/>
+              </a:p>
+            </p:txBody>
+          </p:sp>
+        </p:grpSp>
+        <p:grpSp>
+          <p:nvGrpSpPr>
+            <p:cNvPr id="61" name="Group 60"/>
+            <p:cNvGrpSpPr/>
+            <p:nvPr/>
+          </p:nvGrpSpPr>
+          <p:grpSpPr>
+            <a:xfrm>
+              <a:off x="1652457" y="2625729"/>
+              <a:ext cx="1913730" cy="381000"/>
+              <a:chOff x="6173665" y="3203602"/>
+              <a:chExt cx="1913730" cy="381000"/>
+            </a:xfrm>
+          </p:grpSpPr>
+          <p:sp>
+            <p:nvSpPr>
+              <p:cNvPr id="68" name="Rectangle 67"/>
+              <p:cNvSpPr/>
+              <p:nvPr/>
+            </p:nvSpPr>
+            <p:spPr>
+              <a:xfrm>
+                <a:off x="6173665" y="3203602"/>
+                <a:ext cx="1913730" cy="381000"/>
+              </a:xfrm>
+              <a:prstGeom prst="rect">
+                <a:avLst/>
+              </a:prstGeom>
+              <a:noFill/>
+            </p:spPr>
+            <p:style>
+              <a:lnRef idx="2">
+                <a:schemeClr val="accent1">
+                  <a:shade val="50000"/>
+                </a:schemeClr>
+              </a:lnRef>
+              <a:fillRef idx="1">
+                <a:schemeClr val="accent1"/>
+              </a:fillRef>
+              <a:effectRef idx="0">
+                <a:schemeClr val="accent1"/>
+              </a:effectRef>
+              <a:fontRef idx="minor">
+                <a:schemeClr val="lt1"/>
+              </a:fontRef>
+            </p:style>
+            <p:txBody>
+              <a:bodyPr rtlCol="0" anchor="ctr"/>
+              <a:lstStyle/>
+              <a:p>
+                <a:pPr algn="ctr"/>
+                <a:endParaRPr lang="en-US"/>
+              </a:p>
+            </p:txBody>
+          </p:sp>
+          <p:sp>
+            <p:nvSpPr>
+              <p:cNvPr id="69" name="TextBox 68"/>
+              <p:cNvSpPr txBox="1"/>
+              <p:nvPr/>
+            </p:nvSpPr>
+            <p:spPr>
+              <a:xfrm>
+                <a:off x="6307579" y="3203602"/>
+                <a:ext cx="1645900" cy="369332"/>
+              </a:xfrm>
+              <a:prstGeom prst="rect">
+                <a:avLst/>
+              </a:prstGeom>
+              <a:noFill/>
+            </p:spPr>
+            <p:txBody>
+              <a:bodyPr wrap="none" rtlCol="0">
+                <a:spAutoFit/>
+              </a:bodyPr>
+              <a:lstStyle/>
+              <a:p>
+                <a:pPr algn="ctr"/>
+                <a:r>
+                  <a:rPr lang="en-US" dirty="0" err="1" smtClean="0"/>
+                  <a:t>Sqlite</a:t>
+                </a:r>
+                <a:r>
+                  <a:rPr lang="en-US" dirty="0" err="1" smtClean="0"/>
+                  <a:t>Catalogue</a:t>
+                </a:r>
+                <a:endParaRPr lang="en-US" dirty="0"/>
+              </a:p>
+            </p:txBody>
+          </p:sp>
+        </p:grpSp>
+        <p:grpSp>
+          <p:nvGrpSpPr>
+            <p:cNvPr id="62" name="Group 61"/>
+            <p:cNvGrpSpPr/>
+            <p:nvPr/>
+          </p:nvGrpSpPr>
+          <p:grpSpPr>
+            <a:xfrm>
+              <a:off x="3742743" y="2624114"/>
+              <a:ext cx="1913730" cy="381000"/>
+              <a:chOff x="6173665" y="3203602"/>
+              <a:chExt cx="1913730" cy="381000"/>
+            </a:xfrm>
+          </p:grpSpPr>
+          <p:sp>
+            <p:nvSpPr>
+              <p:cNvPr id="66" name="Rectangle 65"/>
+              <p:cNvSpPr/>
+              <p:nvPr/>
+            </p:nvSpPr>
+            <p:spPr>
+              <a:xfrm>
+                <a:off x="6173665" y="3203602"/>
+                <a:ext cx="1913730" cy="381000"/>
+              </a:xfrm>
+              <a:prstGeom prst="rect">
+                <a:avLst/>
+              </a:prstGeom>
+              <a:noFill/>
+            </p:spPr>
+            <p:style>
+              <a:lnRef idx="2">
+                <a:schemeClr val="accent1">
+                  <a:shade val="50000"/>
+                </a:schemeClr>
+              </a:lnRef>
+              <a:fillRef idx="1">
+                <a:schemeClr val="accent1"/>
+              </a:fillRef>
+              <a:effectRef idx="0">
+                <a:schemeClr val="accent1"/>
+              </a:effectRef>
+              <a:fontRef idx="minor">
+                <a:schemeClr val="lt1"/>
+              </a:fontRef>
+            </p:style>
+            <p:txBody>
+              <a:bodyPr rtlCol="0" anchor="ctr"/>
+              <a:lstStyle/>
+              <a:p>
+                <a:pPr algn="ctr"/>
+                <a:endParaRPr lang="en-US"/>
+              </a:p>
+            </p:txBody>
+          </p:sp>
+          <p:sp>
+            <p:nvSpPr>
+              <p:cNvPr id="67" name="TextBox 66"/>
+              <p:cNvSpPr txBox="1"/>
+              <p:nvPr/>
+            </p:nvSpPr>
+            <p:spPr>
+              <a:xfrm>
+                <a:off x="6267056" y="3203602"/>
+                <a:ext cx="1726948" cy="369332"/>
+              </a:xfrm>
+              <a:prstGeom prst="rect">
+                <a:avLst/>
+              </a:prstGeom>
+              <a:noFill/>
+            </p:spPr>
+            <p:txBody>
+              <a:bodyPr wrap="none" rtlCol="0">
+                <a:spAutoFit/>
+              </a:bodyPr>
+              <a:lstStyle/>
+              <a:p>
+                <a:pPr algn="ctr"/>
+                <a:r>
+                  <a:rPr lang="en-US" dirty="0" err="1" smtClean="0"/>
+                  <a:t>Oracle</a:t>
+                </a:r>
+                <a:r>
+                  <a:rPr lang="en-US" dirty="0" err="1" smtClean="0"/>
+                  <a:t>Catalogue</a:t>
+                </a:r>
+                <a:endParaRPr lang="en-US" dirty="0"/>
+              </a:p>
+            </p:txBody>
+          </p:sp>
+        </p:grpSp>
+        <p:cxnSp>
+          <p:nvCxnSpPr>
+            <p:cNvPr id="63" name="Elbow Connector 62"/>
+            <p:cNvCxnSpPr>
+              <a:stCxn id="55" idx="3"/>
+              <a:endCxn id="67" idx="0"/>
+            </p:cNvCxnSpPr>
+            <p:nvPr/>
+          </p:nvCxnSpPr>
+          <p:spPr>
+            <a:xfrm rot="16200000" flipH="1">
+              <a:off x="6154875" y="1996543"/>
+              <a:ext cx="313173" cy="956866"/>
+            </a:xfrm>
+            <a:prstGeom prst="bentConnector3">
+              <a:avLst>
+                <a:gd name="adj1" fmla="val 50000"/>
+              </a:avLst>
+            </a:prstGeom>
+          </p:spPr>
+          <p:style>
+            <a:lnRef idx="1">
+              <a:schemeClr val="accent1"/>
+            </a:lnRef>
+            <a:fillRef idx="0">
+              <a:schemeClr val="accent1"/>
+            </a:fillRef>
+            <a:effectRef idx="0">
+              <a:schemeClr val="accent1"/>
+            </a:effectRef>
+            <a:fontRef idx="minor">
+              <a:schemeClr val="tx1"/>
+            </a:fontRef>
+          </p:style>
+        </p:cxnSp>
+        <p:cxnSp>
+          <p:nvCxnSpPr>
+            <p:cNvPr id="64" name="Elbow Connector 63"/>
+            <p:cNvCxnSpPr>
+              <a:stCxn id="55" idx="3"/>
+            </p:cNvCxnSpPr>
+            <p:nvPr/>
+          </p:nvCxnSpPr>
+          <p:spPr>
+            <a:xfrm rot="5400000">
+              <a:off x="5113456" y="1904542"/>
+              <a:ext cx="305724" cy="1133420"/>
+            </a:xfrm>
+            <a:prstGeom prst="bentConnector3">
+              <a:avLst>
+                <a:gd name="adj1" fmla="val 50000"/>
+              </a:avLst>
+            </a:prstGeom>
+          </p:spPr>
+          <p:style>
+            <a:lnRef idx="1">
+              <a:schemeClr val="accent1"/>
+            </a:lnRef>
+            <a:fillRef idx="0">
+              <a:schemeClr val="accent1"/>
+            </a:fillRef>
+            <a:effectRef idx="0">
+              <a:schemeClr val="accent1"/>
+            </a:effectRef>
+            <a:fontRef idx="minor">
+              <a:schemeClr val="tx1"/>
+            </a:fontRef>
+          </p:style>
+        </p:cxnSp>
+        <p:cxnSp>
+          <p:nvCxnSpPr>
+            <p:cNvPr id="65" name="Elbow Connector 64"/>
+            <p:cNvCxnSpPr>
+              <a:stCxn id="55" idx="3"/>
+            </p:cNvCxnSpPr>
+            <p:nvPr/>
+          </p:nvCxnSpPr>
+          <p:spPr>
+            <a:xfrm rot="16200000" flipH="1">
+              <a:off x="7198469" y="952948"/>
+              <a:ext cx="316270" cy="3047153"/>
+            </a:xfrm>
+            <a:prstGeom prst="bentConnector3">
+              <a:avLst>
+                <a:gd name="adj1" fmla="val 50000"/>
+              </a:avLst>
             </a:prstGeom>
           </p:spPr>
           <p:style>
@@ -3859,131 +4158,6 @@
           </p:style>
         </p:cxnSp>
       </p:grpSp>
-      <p:sp>
-        <p:nvSpPr>
-          <p:cNvPr id="27" name="TextBox 26"/>
-          <p:cNvSpPr txBox="1"/>
-          <p:nvPr/>
-        </p:nvSpPr>
-        <p:spPr>
-          <a:xfrm>
-            <a:off x="65662" y="1202723"/>
-            <a:ext cx="6956831" cy="923330"/>
-          </a:xfrm>
-          <a:prstGeom prst="rect">
-            <a:avLst/>
-          </a:prstGeom>
-          <a:noFill/>
-        </p:spPr>
-        <p:txBody>
-          <a:bodyPr wrap="square" rtlCol="0">
-            <a:spAutoFit/>
-          </a:bodyPr>
-          <a:lstStyle/>
-          <a:p>
-            <a:pPr algn="just"/>
-            <a:r>
-              <a:rPr lang="en-US" dirty="0" smtClean="0"/>
-              <a:t>The </a:t>
-            </a:r>
-            <a:r>
-              <a:rPr lang="en-US" dirty="0" err="1" smtClean="0"/>
-              <a:t>RdbmsCatalogue</a:t>
-            </a:r>
-            <a:r>
-              <a:rPr lang="en-US" dirty="0" smtClean="0"/>
-              <a:t> implements of all the Catalogue methods except for those that require database vendor specific API accesses such as bulk inserts or database vendor specific SQL such as database sequences.</a:t>
-            </a:r>
-            <a:endParaRPr lang="en-US" dirty="0"/>
-          </a:p>
-        </p:txBody>
-      </p:sp>
-      <p:sp>
-        <p:nvSpPr>
-          <p:cNvPr id="28" name="TextBox 27"/>
-          <p:cNvSpPr txBox="1"/>
-          <p:nvPr/>
-        </p:nvSpPr>
-        <p:spPr>
-          <a:xfrm>
-            <a:off x="57266" y="90723"/>
-            <a:ext cx="6956831" cy="923330"/>
-          </a:xfrm>
-          <a:prstGeom prst="rect">
-            <a:avLst/>
-          </a:prstGeom>
-          <a:noFill/>
-        </p:spPr>
-        <p:txBody>
-          <a:bodyPr wrap="square" rtlCol="0">
-            <a:spAutoFit/>
-          </a:bodyPr>
-          <a:lstStyle/>
-          <a:p>
-            <a:pPr algn="just"/>
-            <a:r>
-              <a:rPr lang="en-US" dirty="0" smtClean="0"/>
-              <a:t>The Catalogue class is an abstract interface class which facilitates the ability to implement the CTA catalogue using backend data storage technologies other than relational databases.  </a:t>
-            </a:r>
-            <a:endParaRPr lang="en-US" dirty="0"/>
-          </a:p>
-        </p:txBody>
-      </p:sp>
-      <p:sp>
-        <p:nvSpPr>
-          <p:cNvPr id="29" name="TextBox 28"/>
-          <p:cNvSpPr txBox="1"/>
-          <p:nvPr/>
-        </p:nvSpPr>
-        <p:spPr>
-          <a:xfrm>
-            <a:off x="73595" y="4252332"/>
-            <a:ext cx="5931276" cy="1200329"/>
-          </a:xfrm>
-          <a:prstGeom prst="rect">
-            <a:avLst/>
-          </a:prstGeom>
-          <a:noFill/>
-        </p:spPr>
-        <p:txBody>
-          <a:bodyPr wrap="square" rtlCol="0">
-            <a:spAutoFit/>
-          </a:bodyPr>
-          <a:lstStyle/>
-          <a:p>
-            <a:pPr algn="just"/>
-            <a:r>
-              <a:rPr lang="en-US" dirty="0" err="1" smtClean="0"/>
-              <a:t>InMemoryCatalogue</a:t>
-            </a:r>
-            <a:r>
-              <a:rPr lang="en-US" dirty="0" smtClean="0"/>
-              <a:t> objects are different to other </a:t>
-            </a:r>
-            <a:r>
-              <a:rPr lang="en-US" dirty="0" err="1" smtClean="0"/>
-              <a:t>RdbmsCatalogue</a:t>
-            </a:r>
-            <a:r>
-              <a:rPr lang="en-US" dirty="0" smtClean="0"/>
-              <a:t> objects that connect to external databases because </a:t>
-            </a:r>
-            <a:r>
-              <a:rPr lang="en-US" dirty="0" err="1"/>
-              <a:t>InMemoryCatalogue</a:t>
-            </a:r>
-            <a:r>
-              <a:rPr lang="en-US" dirty="0"/>
-              <a:t> objects </a:t>
-            </a:r>
-            <a:r>
-              <a:rPr lang="en-US" dirty="0" smtClean="0"/>
-              <a:t> create the database schema when they are first instantiated. </a:t>
-            </a:r>
-            <a:endParaRPr lang="en-US" dirty="0"/>
-          </a:p>
-        </p:txBody>
-      </p:sp>
     </p:spTree>
     <p:extLst>
       <p:ext uri="{BB962C8B-B14F-4D97-AF65-F5344CB8AC3E}">
@@ -4746,11 +4920,7 @@
               </a:r>
               <a:r>
                 <a:rPr lang="en-US" dirty="0" smtClean="0"/>
-                <a:t>rapper</a:t>
-              </a:r>
-              <a:r>
-                <a:rPr lang="en-US" dirty="0" smtClean="0"/>
-                <a:t>::Conn</a:t>
+                <a:t>rapper::Conn</a:t>
               </a:r>
               <a:endParaRPr lang="en-US" dirty="0"/>
             </a:p>
@@ -5421,11 +5591,7 @@
             </a:r>
             <a:r>
               <a:rPr lang="en-US" dirty="0" smtClean="0"/>
-              <a:t>rapper</a:t>
-            </a:r>
-            <a:r>
-              <a:rPr lang="en-US" dirty="0" smtClean="0"/>
-              <a:t>::</a:t>
+              <a:t>rapper::</a:t>
             </a:r>
             <a:r>
               <a:rPr lang="en-US" dirty="0" err="1" smtClean="0"/>
@@ -5464,11 +5630,7 @@
             </a:r>
             <a:r>
               <a:rPr lang="en-US" dirty="0" smtClean="0"/>
-              <a:t>rapper</a:t>
-            </a:r>
-            <a:r>
-              <a:rPr lang="en-US" dirty="0" smtClean="0"/>
-              <a:t>::</a:t>
+              <a:t>rapper::</a:t>
             </a:r>
             <a:r>
               <a:rPr lang="mr-IN" dirty="0" smtClean="0"/>
@@ -5583,11 +5745,7 @@
             </a:r>
             <a:r>
               <a:rPr lang="en-US" dirty="0" smtClean="0"/>
-              <a:t>rapper</a:t>
-            </a:r>
-            <a:r>
-              <a:rPr lang="en-US" dirty="0" smtClean="0"/>
-              <a:t>::Conn</a:t>
+              <a:t>rapper::Conn</a:t>
             </a:r>
             <a:endParaRPr lang="en-US" dirty="0"/>
           </a:p>
@@ -5928,11 +6086,7 @@
             </a:r>
             <a:r>
               <a:rPr lang="en-US" dirty="0" smtClean="0"/>
-              <a:t>rapper</a:t>
-            </a:r>
-            <a:r>
-              <a:rPr lang="en-US" dirty="0" smtClean="0"/>
-              <a:t>::</a:t>
+              <a:t>rapper::</a:t>
             </a:r>
             <a:r>
               <a:rPr lang="en-US" dirty="0" err="1" smtClean="0"/>
@@ -5971,11 +6125,7 @@
             </a:r>
             <a:r>
               <a:rPr lang="en-US" dirty="0" smtClean="0"/>
-              <a:t>rapper</a:t>
-            </a:r>
-            <a:r>
-              <a:rPr lang="en-US" dirty="0" smtClean="0"/>
-              <a:t>::</a:t>
+              <a:t>rapper::</a:t>
             </a:r>
             <a:r>
               <a:rPr lang="mr-IN" dirty="0" smtClean="0"/>
@@ -6055,11 +6205,7 @@
             </a:r>
             <a:r>
               <a:rPr lang="en-US" dirty="0" smtClean="0"/>
-              <a:t>rapper</a:t>
-            </a:r>
-            <a:r>
-              <a:rPr lang="en-US" dirty="0" smtClean="0"/>
-              <a:t>::</a:t>
+              <a:t>rapper::</a:t>
             </a:r>
             <a:r>
               <a:rPr lang="en-US" dirty="0" err="1" smtClean="0"/>
@@ -6348,11 +6494,7 @@
             </a:r>
             <a:r>
               <a:rPr lang="en-US" dirty="0" smtClean="0"/>
-              <a:t>rapper</a:t>
-            </a:r>
-            <a:r>
-              <a:rPr lang="en-US" dirty="0" smtClean="0"/>
-              <a:t>::</a:t>
+              <a:t>rapper::</a:t>
             </a:r>
             <a:r>
               <a:rPr lang="en-US" dirty="0" err="1" smtClean="0"/>
@@ -6391,11 +6533,7 @@
             </a:r>
             <a:r>
               <a:rPr lang="en-US" dirty="0" smtClean="0"/>
-              <a:t>rapper</a:t>
-            </a:r>
-            <a:r>
-              <a:rPr lang="en-US" dirty="0" smtClean="0"/>
-              <a:t>::</a:t>
+              <a:t>rapper::</a:t>
             </a:r>
             <a:r>
               <a:rPr lang="mr-IN" dirty="0" smtClean="0"/>
@@ -6475,11 +6613,7 @@
             </a:r>
             <a:r>
               <a:rPr lang="en-US" dirty="0" smtClean="0"/>
-              <a:t>rapper</a:t>
-            </a:r>
-            <a:r>
-              <a:rPr lang="en-US" dirty="0" smtClean="0"/>
-              <a:t>::</a:t>
+              <a:t>rapper::</a:t>
             </a:r>
             <a:r>
               <a:rPr lang="en-US" dirty="0" err="1" smtClean="0"/>
@@ -6715,6 +6849,1101 @@
       </p:par>
     </p:tnLst>
   </p:timing>
+</p:sld>
+</file>
+
+<file path=ppt/slides/slide3.xml><?xml version="1.0" encoding="utf-8"?>
+<p:sld xmlns:a="http://schemas.openxmlformats.org/drawingml/2006/main" xmlns:r="http://schemas.openxmlformats.org/officeDocument/2006/relationships" xmlns:p="http://schemas.openxmlformats.org/presentationml/2006/main">
+  <p:cSld>
+    <p:spTree>
+      <p:nvGrpSpPr>
+        <p:cNvPr id="1" name=""/>
+        <p:cNvGrpSpPr/>
+        <p:nvPr/>
+      </p:nvGrpSpPr>
+      <p:grpSpPr>
+        <a:xfrm>
+          <a:off x="0" y="0"/>
+          <a:ext cx="0" cy="0"/>
+          <a:chOff x="0" y="0"/>
+          <a:chExt cx="0" cy="0"/>
+        </a:xfrm>
+      </p:grpSpPr>
+      <p:grpSp>
+        <p:nvGrpSpPr>
+          <p:cNvPr id="60" name="Group 59"/>
+          <p:cNvGrpSpPr/>
+          <p:nvPr/>
+        </p:nvGrpSpPr>
+        <p:grpSpPr>
+          <a:xfrm>
+            <a:off x="1031238" y="636715"/>
+            <a:ext cx="8805808" cy="4358053"/>
+            <a:chOff x="1031238" y="636715"/>
+            <a:chExt cx="8805808" cy="4358053"/>
+          </a:xfrm>
+        </p:grpSpPr>
+        <p:sp>
+          <p:nvSpPr>
+            <p:cNvPr id="3" name="Rectangle 2"/>
+            <p:cNvSpPr/>
+            <p:nvPr/>
+          </p:nvSpPr>
+          <p:spPr>
+            <a:xfrm>
+              <a:off x="5038483" y="636715"/>
+              <a:ext cx="1608668" cy="381000"/>
+            </a:xfrm>
+            <a:prstGeom prst="rect">
+              <a:avLst/>
+            </a:prstGeom>
+            <a:noFill/>
+          </p:spPr>
+          <p:style>
+            <a:lnRef idx="2">
+              <a:schemeClr val="accent1">
+                <a:shade val="50000"/>
+              </a:schemeClr>
+            </a:lnRef>
+            <a:fillRef idx="1">
+              <a:schemeClr val="accent1"/>
+            </a:fillRef>
+            <a:effectRef idx="0">
+              <a:schemeClr val="accent1"/>
+            </a:effectRef>
+            <a:fontRef idx="minor">
+              <a:schemeClr val="lt1"/>
+            </a:fontRef>
+          </p:style>
+          <p:txBody>
+            <a:bodyPr rtlCol="0" anchor="ctr"/>
+            <a:lstStyle/>
+            <a:p>
+              <a:pPr algn="ctr"/>
+              <a:endParaRPr lang="en-US"/>
+            </a:p>
+          </p:txBody>
+        </p:sp>
+        <p:sp>
+          <p:nvSpPr>
+            <p:cNvPr id="4" name="TextBox 3"/>
+            <p:cNvSpPr txBox="1"/>
+            <p:nvPr/>
+          </p:nvSpPr>
+          <p:spPr>
+            <a:xfrm>
+              <a:off x="5271817" y="648383"/>
+              <a:ext cx="1122423" cy="369332"/>
+            </a:xfrm>
+            <a:prstGeom prst="rect">
+              <a:avLst/>
+            </a:prstGeom>
+            <a:noFill/>
+          </p:spPr>
+          <p:txBody>
+            <a:bodyPr wrap="none" rtlCol="0">
+              <a:spAutoFit/>
+            </a:bodyPr>
+            <a:lstStyle/>
+            <a:p>
+              <a:pPr algn="ctr"/>
+              <a:r>
+                <a:rPr lang="en-US" dirty="0" smtClean="0"/>
+                <a:t>Catalogue</a:t>
+              </a:r>
+              <a:endParaRPr lang="en-US" dirty="0"/>
+            </a:p>
+          </p:txBody>
+        </p:sp>
+        <p:sp>
+          <p:nvSpPr>
+            <p:cNvPr id="5" name="Rectangle 4"/>
+            <p:cNvSpPr/>
+            <p:nvPr/>
+          </p:nvSpPr>
+          <p:spPr>
+            <a:xfrm>
+              <a:off x="5038483" y="1595514"/>
+              <a:ext cx="1608668" cy="381000"/>
+            </a:xfrm>
+            <a:prstGeom prst="rect">
+              <a:avLst/>
+            </a:prstGeom>
+            <a:noFill/>
+          </p:spPr>
+          <p:style>
+            <a:lnRef idx="2">
+              <a:schemeClr val="accent1">
+                <a:shade val="50000"/>
+              </a:schemeClr>
+            </a:lnRef>
+            <a:fillRef idx="1">
+              <a:schemeClr val="accent1"/>
+            </a:fillRef>
+            <a:effectRef idx="0">
+              <a:schemeClr val="accent1"/>
+            </a:effectRef>
+            <a:fontRef idx="minor">
+              <a:schemeClr val="lt1"/>
+            </a:fontRef>
+          </p:style>
+          <p:txBody>
+            <a:bodyPr rtlCol="0" anchor="ctr"/>
+            <a:lstStyle/>
+            <a:p>
+              <a:pPr algn="ctr"/>
+              <a:endParaRPr lang="en-US"/>
+            </a:p>
+          </p:txBody>
+        </p:sp>
+        <p:sp>
+          <p:nvSpPr>
+            <p:cNvPr id="6" name="TextBox 5"/>
+            <p:cNvSpPr txBox="1"/>
+            <p:nvPr/>
+          </p:nvSpPr>
+          <p:spPr>
+            <a:xfrm>
+              <a:off x="4950415" y="1607182"/>
+              <a:ext cx="1765228" cy="369332"/>
+            </a:xfrm>
+            <a:prstGeom prst="rect">
+              <a:avLst/>
+            </a:prstGeom>
+            <a:noFill/>
+          </p:spPr>
+          <p:txBody>
+            <a:bodyPr wrap="none" rtlCol="0">
+              <a:spAutoFit/>
+            </a:bodyPr>
+            <a:lstStyle/>
+            <a:p>
+              <a:pPr algn="ctr"/>
+              <a:r>
+                <a:rPr lang="en-US" dirty="0" err="1" smtClean="0"/>
+                <a:t>RdbmsCatalogue</a:t>
+              </a:r>
+              <a:endParaRPr lang="en-US" dirty="0"/>
+            </a:p>
+          </p:txBody>
+        </p:sp>
+        <p:cxnSp>
+          <p:nvCxnSpPr>
+            <p:cNvPr id="9" name="Straight Connector 8"/>
+            <p:cNvCxnSpPr/>
+            <p:nvPr/>
+          </p:nvCxnSpPr>
+          <p:spPr>
+            <a:xfrm>
+              <a:off x="5833028" y="1387059"/>
+              <a:ext cx="1" cy="220123"/>
+            </a:xfrm>
+            <a:prstGeom prst="line">
+              <a:avLst/>
+            </a:prstGeom>
+          </p:spPr>
+          <p:style>
+            <a:lnRef idx="1">
+              <a:schemeClr val="accent1"/>
+            </a:lnRef>
+            <a:fillRef idx="0">
+              <a:schemeClr val="accent1"/>
+            </a:fillRef>
+            <a:effectRef idx="0">
+              <a:schemeClr val="accent1"/>
+            </a:effectRef>
+            <a:fontRef idx="minor">
+              <a:schemeClr val="tx1"/>
+            </a:fontRef>
+          </p:style>
+        </p:cxnSp>
+        <p:sp>
+          <p:nvSpPr>
+            <p:cNvPr id="15" name="Triangle 14"/>
+            <p:cNvSpPr/>
+            <p:nvPr/>
+          </p:nvSpPr>
+          <p:spPr>
+            <a:xfrm>
+              <a:off x="5543155" y="1964898"/>
+              <a:ext cx="579745" cy="353492"/>
+            </a:xfrm>
+            <a:prstGeom prst="triangle">
+              <a:avLst/>
+            </a:prstGeom>
+            <a:solidFill>
+              <a:schemeClr val="bg1"/>
+            </a:solidFill>
+          </p:spPr>
+          <p:style>
+            <a:lnRef idx="2">
+              <a:schemeClr val="accent1">
+                <a:shade val="50000"/>
+              </a:schemeClr>
+            </a:lnRef>
+            <a:fillRef idx="1">
+              <a:schemeClr val="accent1"/>
+            </a:fillRef>
+            <a:effectRef idx="0">
+              <a:schemeClr val="accent1"/>
+            </a:effectRef>
+            <a:fontRef idx="minor">
+              <a:schemeClr val="lt1"/>
+            </a:fontRef>
+          </p:style>
+          <p:txBody>
+            <a:bodyPr rtlCol="0" anchor="ctr"/>
+            <a:lstStyle/>
+            <a:p>
+              <a:pPr algn="ctr"/>
+              <a:endParaRPr lang="en-US"/>
+            </a:p>
+          </p:txBody>
+        </p:sp>
+        <p:cxnSp>
+          <p:nvCxnSpPr>
+            <p:cNvPr id="17" name="Elbow Connector 16"/>
+            <p:cNvCxnSpPr>
+              <a:stCxn id="15" idx="3"/>
+              <a:endCxn id="38" idx="0"/>
+            </p:cNvCxnSpPr>
+            <p:nvPr/>
+          </p:nvCxnSpPr>
+          <p:spPr>
+            <a:xfrm rot="5400000">
+              <a:off x="4067506" y="860206"/>
+              <a:ext cx="307339" cy="3223707"/>
+            </a:xfrm>
+            <a:prstGeom prst="bentConnector3">
+              <a:avLst>
+                <a:gd name="adj1" fmla="val 50000"/>
+              </a:avLst>
+            </a:prstGeom>
+          </p:spPr>
+          <p:style>
+            <a:lnRef idx="1">
+              <a:schemeClr val="accent1"/>
+            </a:lnRef>
+            <a:fillRef idx="0">
+              <a:schemeClr val="accent1"/>
+            </a:fillRef>
+            <a:effectRef idx="0">
+              <a:schemeClr val="accent1"/>
+            </a:effectRef>
+            <a:fontRef idx="minor">
+              <a:schemeClr val="tx1"/>
+            </a:fontRef>
+          </p:style>
+        </p:cxnSp>
+        <p:sp>
+          <p:nvSpPr>
+            <p:cNvPr id="18" name="Triangle 17"/>
+            <p:cNvSpPr/>
+            <p:nvPr/>
+          </p:nvSpPr>
+          <p:spPr>
+            <a:xfrm>
+              <a:off x="5543155" y="1033567"/>
+              <a:ext cx="579745" cy="353492"/>
+            </a:xfrm>
+            <a:prstGeom prst="triangle">
+              <a:avLst/>
+            </a:prstGeom>
+            <a:solidFill>
+              <a:schemeClr val="bg1"/>
+            </a:solidFill>
+          </p:spPr>
+          <p:style>
+            <a:lnRef idx="2">
+              <a:schemeClr val="accent1">
+                <a:shade val="50000"/>
+              </a:schemeClr>
+            </a:lnRef>
+            <a:fillRef idx="1">
+              <a:schemeClr val="accent1"/>
+            </a:fillRef>
+            <a:effectRef idx="0">
+              <a:schemeClr val="accent1"/>
+            </a:effectRef>
+            <a:fontRef idx="minor">
+              <a:schemeClr val="lt1"/>
+            </a:fontRef>
+          </p:style>
+          <p:txBody>
+            <a:bodyPr rtlCol="0" anchor="ctr"/>
+            <a:lstStyle/>
+            <a:p>
+              <a:pPr algn="ctr"/>
+              <a:endParaRPr lang="en-US"/>
+            </a:p>
+          </p:txBody>
+        </p:sp>
+        <p:sp>
+          <p:nvSpPr>
+            <p:cNvPr id="19" name="Rectangle 18"/>
+            <p:cNvSpPr/>
+            <p:nvPr/>
+          </p:nvSpPr>
+          <p:spPr>
+            <a:xfrm>
+              <a:off x="1031238" y="3582433"/>
+              <a:ext cx="3166893" cy="369332"/>
+            </a:xfrm>
+            <a:prstGeom prst="rect">
+              <a:avLst/>
+            </a:prstGeom>
+            <a:noFill/>
+          </p:spPr>
+          <p:style>
+            <a:lnRef idx="2">
+              <a:schemeClr val="accent1">
+                <a:shade val="50000"/>
+              </a:schemeClr>
+            </a:lnRef>
+            <a:fillRef idx="1">
+              <a:schemeClr val="accent1"/>
+            </a:fillRef>
+            <a:effectRef idx="0">
+              <a:schemeClr val="accent1"/>
+            </a:effectRef>
+            <a:fontRef idx="minor">
+              <a:schemeClr val="lt1"/>
+            </a:fontRef>
+          </p:style>
+          <p:txBody>
+            <a:bodyPr rtlCol="0" anchor="ctr"/>
+            <a:lstStyle/>
+            <a:p>
+              <a:pPr algn="ctr"/>
+              <a:endParaRPr lang="en-US"/>
+            </a:p>
+          </p:txBody>
+        </p:sp>
+        <p:sp>
+          <p:nvSpPr>
+            <p:cNvPr id="20" name="TextBox 19"/>
+            <p:cNvSpPr txBox="1"/>
+            <p:nvPr/>
+          </p:nvSpPr>
+          <p:spPr>
+            <a:xfrm>
+              <a:off x="1031238" y="3594101"/>
+              <a:ext cx="3166894" cy="369332"/>
+            </a:xfrm>
+            <a:prstGeom prst="rect">
+              <a:avLst/>
+            </a:prstGeom>
+            <a:noFill/>
+          </p:spPr>
+          <p:txBody>
+            <a:bodyPr wrap="none" rtlCol="0">
+              <a:spAutoFit/>
+            </a:bodyPr>
+            <a:lstStyle/>
+            <a:p>
+              <a:pPr algn="ctr"/>
+              <a:r>
+                <a:rPr lang="en-US" dirty="0" err="1" smtClean="0"/>
+                <a:t>SchemaCreatingSqliteCatalogue</a:t>
+              </a:r>
+              <a:endParaRPr lang="en-US" dirty="0"/>
+            </a:p>
+          </p:txBody>
+        </p:sp>
+        <p:sp>
+          <p:nvSpPr>
+            <p:cNvPr id="21" name="Rectangle 20"/>
+            <p:cNvSpPr/>
+            <p:nvPr/>
+          </p:nvSpPr>
+          <p:spPr>
+            <a:xfrm>
+              <a:off x="1560767" y="4602100"/>
+              <a:ext cx="2105961" cy="392668"/>
+            </a:xfrm>
+            <a:prstGeom prst="rect">
+              <a:avLst/>
+            </a:prstGeom>
+            <a:noFill/>
+          </p:spPr>
+          <p:style>
+            <a:lnRef idx="2">
+              <a:schemeClr val="accent1">
+                <a:shade val="50000"/>
+              </a:schemeClr>
+            </a:lnRef>
+            <a:fillRef idx="1">
+              <a:schemeClr val="accent1"/>
+            </a:fillRef>
+            <a:effectRef idx="0">
+              <a:schemeClr val="accent1"/>
+            </a:effectRef>
+            <a:fontRef idx="minor">
+              <a:schemeClr val="lt1"/>
+            </a:fontRef>
+          </p:style>
+          <p:txBody>
+            <a:bodyPr rtlCol="0" anchor="ctr"/>
+            <a:lstStyle/>
+            <a:p>
+              <a:pPr algn="ctr"/>
+              <a:endParaRPr lang="en-US"/>
+            </a:p>
+          </p:txBody>
+        </p:sp>
+        <p:sp>
+          <p:nvSpPr>
+            <p:cNvPr id="22" name="TextBox 21"/>
+            <p:cNvSpPr txBox="1"/>
+            <p:nvPr/>
+          </p:nvSpPr>
+          <p:spPr>
+            <a:xfrm>
+              <a:off x="1560767" y="4613768"/>
+              <a:ext cx="2105962" cy="369332"/>
+            </a:xfrm>
+            <a:prstGeom prst="rect">
+              <a:avLst/>
+            </a:prstGeom>
+            <a:noFill/>
+          </p:spPr>
+          <p:txBody>
+            <a:bodyPr wrap="none" rtlCol="0">
+              <a:spAutoFit/>
+            </a:bodyPr>
+            <a:lstStyle/>
+            <a:p>
+              <a:pPr algn="ctr"/>
+              <a:r>
+                <a:rPr lang="en-US" dirty="0" err="1" smtClean="0"/>
+                <a:t>InMemoryCatalogue</a:t>
+              </a:r>
+              <a:endParaRPr lang="en-US" dirty="0"/>
+            </a:p>
+          </p:txBody>
+        </p:sp>
+        <p:sp>
+          <p:nvSpPr>
+            <p:cNvPr id="23" name="Triangle 22"/>
+            <p:cNvSpPr/>
+            <p:nvPr/>
+          </p:nvSpPr>
+          <p:spPr>
+            <a:xfrm>
+              <a:off x="2314086" y="3012563"/>
+              <a:ext cx="579745" cy="353492"/>
+            </a:xfrm>
+            <a:prstGeom prst="triangle">
+              <a:avLst/>
+            </a:prstGeom>
+            <a:solidFill>
+              <a:schemeClr val="bg1"/>
+            </a:solidFill>
+          </p:spPr>
+          <p:style>
+            <a:lnRef idx="2">
+              <a:schemeClr val="accent1">
+                <a:shade val="50000"/>
+              </a:schemeClr>
+            </a:lnRef>
+            <a:fillRef idx="1">
+              <a:schemeClr val="accent1"/>
+            </a:fillRef>
+            <a:effectRef idx="0">
+              <a:schemeClr val="accent1"/>
+            </a:effectRef>
+            <a:fontRef idx="minor">
+              <a:schemeClr val="lt1"/>
+            </a:fontRef>
+          </p:style>
+          <p:txBody>
+            <a:bodyPr rtlCol="0" anchor="ctr"/>
+            <a:lstStyle/>
+            <a:p>
+              <a:pPr algn="ctr"/>
+              <a:endParaRPr lang="en-US"/>
+            </a:p>
+          </p:txBody>
+        </p:sp>
+        <p:sp>
+          <p:nvSpPr>
+            <p:cNvPr id="24" name="Triangle 23"/>
+            <p:cNvSpPr/>
+            <p:nvPr/>
+          </p:nvSpPr>
+          <p:spPr>
+            <a:xfrm>
+              <a:off x="2314086" y="3968405"/>
+              <a:ext cx="579745" cy="353492"/>
+            </a:xfrm>
+            <a:prstGeom prst="triangle">
+              <a:avLst/>
+            </a:prstGeom>
+            <a:solidFill>
+              <a:schemeClr val="bg1"/>
+            </a:solidFill>
+          </p:spPr>
+          <p:style>
+            <a:lnRef idx="2">
+              <a:schemeClr val="accent1">
+                <a:shade val="50000"/>
+              </a:schemeClr>
+            </a:lnRef>
+            <a:fillRef idx="1">
+              <a:schemeClr val="accent1"/>
+            </a:fillRef>
+            <a:effectRef idx="0">
+              <a:schemeClr val="accent1"/>
+            </a:effectRef>
+            <a:fontRef idx="minor">
+              <a:schemeClr val="lt1"/>
+            </a:fontRef>
+          </p:style>
+          <p:txBody>
+            <a:bodyPr rtlCol="0" anchor="ctr"/>
+            <a:lstStyle/>
+            <a:p>
+              <a:pPr algn="ctr"/>
+              <a:endParaRPr lang="en-US"/>
+            </a:p>
+          </p:txBody>
+        </p:sp>
+        <p:cxnSp>
+          <p:nvCxnSpPr>
+            <p:cNvPr id="25" name="Straight Connector 24"/>
+            <p:cNvCxnSpPr/>
+            <p:nvPr/>
+          </p:nvCxnSpPr>
+          <p:spPr>
+            <a:xfrm>
+              <a:off x="2603959" y="3366055"/>
+              <a:ext cx="10726" cy="228046"/>
+            </a:xfrm>
+            <a:prstGeom prst="line">
+              <a:avLst/>
+            </a:prstGeom>
+          </p:spPr>
+          <p:style>
+            <a:lnRef idx="1">
+              <a:schemeClr val="accent1"/>
+            </a:lnRef>
+            <a:fillRef idx="0">
+              <a:schemeClr val="accent1"/>
+            </a:fillRef>
+            <a:effectRef idx="0">
+              <a:schemeClr val="accent1"/>
+            </a:effectRef>
+            <a:fontRef idx="minor">
+              <a:schemeClr val="tx1"/>
+            </a:fontRef>
+          </p:style>
+        </p:cxnSp>
+        <p:cxnSp>
+          <p:nvCxnSpPr>
+            <p:cNvPr id="26" name="Straight Connector 25"/>
+            <p:cNvCxnSpPr/>
+            <p:nvPr/>
+          </p:nvCxnSpPr>
+          <p:spPr>
+            <a:xfrm>
+              <a:off x="2603959" y="4321897"/>
+              <a:ext cx="9789" cy="291871"/>
+            </a:xfrm>
+            <a:prstGeom prst="line">
+              <a:avLst/>
+            </a:prstGeom>
+          </p:spPr>
+          <p:style>
+            <a:lnRef idx="1">
+              <a:schemeClr val="accent1"/>
+            </a:lnRef>
+            <a:fillRef idx="0">
+              <a:schemeClr val="accent1"/>
+            </a:fillRef>
+            <a:effectRef idx="0">
+              <a:schemeClr val="accent1"/>
+            </a:effectRef>
+            <a:fontRef idx="minor">
+              <a:schemeClr val="tx1"/>
+            </a:fontRef>
+          </p:style>
+        </p:cxnSp>
+        <p:grpSp>
+          <p:nvGrpSpPr>
+            <p:cNvPr id="29" name="Group 28"/>
+            <p:cNvGrpSpPr/>
+            <p:nvPr/>
+          </p:nvGrpSpPr>
+          <p:grpSpPr>
+            <a:xfrm>
+              <a:off x="5833029" y="2631563"/>
+              <a:ext cx="1913730" cy="381000"/>
+              <a:chOff x="6173665" y="3203602"/>
+              <a:chExt cx="1913730" cy="381000"/>
+            </a:xfrm>
+          </p:grpSpPr>
+          <p:sp>
+            <p:nvSpPr>
+              <p:cNvPr id="27" name="Rectangle 26"/>
+              <p:cNvSpPr/>
+              <p:nvPr/>
+            </p:nvSpPr>
+            <p:spPr>
+              <a:xfrm>
+                <a:off x="6173665" y="3203602"/>
+                <a:ext cx="1913730" cy="381000"/>
+              </a:xfrm>
+              <a:prstGeom prst="rect">
+                <a:avLst/>
+              </a:prstGeom>
+              <a:noFill/>
+            </p:spPr>
+            <p:style>
+              <a:lnRef idx="2">
+                <a:schemeClr val="accent1">
+                  <a:shade val="50000"/>
+                </a:schemeClr>
+              </a:lnRef>
+              <a:fillRef idx="1">
+                <a:schemeClr val="accent1"/>
+              </a:fillRef>
+              <a:effectRef idx="0">
+                <a:schemeClr val="accent1"/>
+              </a:effectRef>
+              <a:fontRef idx="minor">
+                <a:schemeClr val="lt1"/>
+              </a:fontRef>
+            </p:style>
+            <p:txBody>
+              <a:bodyPr rtlCol="0" anchor="ctr"/>
+              <a:lstStyle/>
+              <a:p>
+                <a:pPr algn="ctr"/>
+                <a:endParaRPr lang="en-US"/>
+              </a:p>
+            </p:txBody>
+          </p:sp>
+          <p:sp>
+            <p:nvSpPr>
+              <p:cNvPr id="28" name="TextBox 27"/>
+              <p:cNvSpPr txBox="1"/>
+              <p:nvPr/>
+            </p:nvSpPr>
+            <p:spPr>
+              <a:xfrm>
+                <a:off x="6173665" y="3203602"/>
+                <a:ext cx="1913730" cy="369332"/>
+              </a:xfrm>
+              <a:prstGeom prst="rect">
+                <a:avLst/>
+              </a:prstGeom>
+              <a:noFill/>
+            </p:spPr>
+            <p:txBody>
+              <a:bodyPr wrap="none" rtlCol="0">
+                <a:spAutoFit/>
+              </a:bodyPr>
+              <a:lstStyle/>
+              <a:p>
+                <a:pPr algn="ctr"/>
+                <a:r>
+                  <a:rPr lang="en-US" dirty="0" err="1" smtClean="0"/>
+                  <a:t>PostgresCatalogue</a:t>
+                </a:r>
+                <a:endParaRPr lang="en-US" dirty="0"/>
+              </a:p>
+            </p:txBody>
+          </p:sp>
+        </p:grpSp>
+        <p:grpSp>
+          <p:nvGrpSpPr>
+            <p:cNvPr id="33" name="Group 32"/>
+            <p:cNvGrpSpPr/>
+            <p:nvPr/>
+          </p:nvGrpSpPr>
+          <p:grpSpPr>
+            <a:xfrm>
+              <a:off x="7923316" y="2634660"/>
+              <a:ext cx="1913730" cy="381000"/>
+              <a:chOff x="6173665" y="3203602"/>
+              <a:chExt cx="1913730" cy="381000"/>
+            </a:xfrm>
+          </p:grpSpPr>
+          <p:sp>
+            <p:nvSpPr>
+              <p:cNvPr id="34" name="Rectangle 33"/>
+              <p:cNvSpPr/>
+              <p:nvPr/>
+            </p:nvSpPr>
+            <p:spPr>
+              <a:xfrm>
+                <a:off x="6173665" y="3203602"/>
+                <a:ext cx="1913730" cy="381000"/>
+              </a:xfrm>
+              <a:prstGeom prst="rect">
+                <a:avLst/>
+              </a:prstGeom>
+              <a:noFill/>
+            </p:spPr>
+            <p:style>
+              <a:lnRef idx="2">
+                <a:schemeClr val="accent1">
+                  <a:shade val="50000"/>
+                </a:schemeClr>
+              </a:lnRef>
+              <a:fillRef idx="1">
+                <a:schemeClr val="accent1"/>
+              </a:fillRef>
+              <a:effectRef idx="0">
+                <a:schemeClr val="accent1"/>
+              </a:effectRef>
+              <a:fontRef idx="minor">
+                <a:schemeClr val="lt1"/>
+              </a:fontRef>
+            </p:style>
+            <p:txBody>
+              <a:bodyPr rtlCol="0" anchor="ctr"/>
+              <a:lstStyle/>
+              <a:p>
+                <a:pPr algn="ctr"/>
+                <a:endParaRPr lang="en-US"/>
+              </a:p>
+            </p:txBody>
+          </p:sp>
+          <p:sp>
+            <p:nvSpPr>
+              <p:cNvPr id="35" name="TextBox 34"/>
+              <p:cNvSpPr txBox="1"/>
+              <p:nvPr/>
+            </p:nvSpPr>
+            <p:spPr>
+              <a:xfrm>
+                <a:off x="6287414" y="3203602"/>
+                <a:ext cx="1686231" cy="369332"/>
+              </a:xfrm>
+              <a:prstGeom prst="rect">
+                <a:avLst/>
+              </a:prstGeom>
+              <a:noFill/>
+            </p:spPr>
+            <p:txBody>
+              <a:bodyPr wrap="none" rtlCol="0">
+                <a:spAutoFit/>
+              </a:bodyPr>
+              <a:lstStyle/>
+              <a:p>
+                <a:pPr algn="ctr"/>
+                <a:r>
+                  <a:rPr lang="en-US" dirty="0" err="1" smtClean="0"/>
+                  <a:t>Mysql</a:t>
+                </a:r>
+                <a:r>
+                  <a:rPr lang="en-US" dirty="0" err="1" smtClean="0"/>
+                  <a:t>Catalogue</a:t>
+                </a:r>
+                <a:endParaRPr lang="en-US" dirty="0"/>
+              </a:p>
+            </p:txBody>
+          </p:sp>
+        </p:grpSp>
+        <p:grpSp>
+          <p:nvGrpSpPr>
+            <p:cNvPr id="36" name="Group 35"/>
+            <p:cNvGrpSpPr/>
+            <p:nvPr/>
+          </p:nvGrpSpPr>
+          <p:grpSpPr>
+            <a:xfrm>
+              <a:off x="1652457" y="2625729"/>
+              <a:ext cx="1913730" cy="381000"/>
+              <a:chOff x="6173665" y="3203602"/>
+              <a:chExt cx="1913730" cy="381000"/>
+            </a:xfrm>
+          </p:grpSpPr>
+          <p:sp>
+            <p:nvSpPr>
+              <p:cNvPr id="37" name="Rectangle 36"/>
+              <p:cNvSpPr/>
+              <p:nvPr/>
+            </p:nvSpPr>
+            <p:spPr>
+              <a:xfrm>
+                <a:off x="6173665" y="3203602"/>
+                <a:ext cx="1913730" cy="381000"/>
+              </a:xfrm>
+              <a:prstGeom prst="rect">
+                <a:avLst/>
+              </a:prstGeom>
+              <a:noFill/>
+            </p:spPr>
+            <p:style>
+              <a:lnRef idx="2">
+                <a:schemeClr val="accent1">
+                  <a:shade val="50000"/>
+                </a:schemeClr>
+              </a:lnRef>
+              <a:fillRef idx="1">
+                <a:schemeClr val="accent1"/>
+              </a:fillRef>
+              <a:effectRef idx="0">
+                <a:schemeClr val="accent1"/>
+              </a:effectRef>
+              <a:fontRef idx="minor">
+                <a:schemeClr val="lt1"/>
+              </a:fontRef>
+            </p:style>
+            <p:txBody>
+              <a:bodyPr rtlCol="0" anchor="ctr"/>
+              <a:lstStyle/>
+              <a:p>
+                <a:pPr algn="ctr"/>
+                <a:endParaRPr lang="en-US"/>
+              </a:p>
+            </p:txBody>
+          </p:sp>
+          <p:sp>
+            <p:nvSpPr>
+              <p:cNvPr id="38" name="TextBox 37"/>
+              <p:cNvSpPr txBox="1"/>
+              <p:nvPr/>
+            </p:nvSpPr>
+            <p:spPr>
+              <a:xfrm>
+                <a:off x="6307579" y="3203602"/>
+                <a:ext cx="1645900" cy="369332"/>
+              </a:xfrm>
+              <a:prstGeom prst="rect">
+                <a:avLst/>
+              </a:prstGeom>
+              <a:noFill/>
+            </p:spPr>
+            <p:txBody>
+              <a:bodyPr wrap="none" rtlCol="0">
+                <a:spAutoFit/>
+              </a:bodyPr>
+              <a:lstStyle/>
+              <a:p>
+                <a:pPr algn="ctr"/>
+                <a:r>
+                  <a:rPr lang="en-US" dirty="0" err="1" smtClean="0"/>
+                  <a:t>Sqlite</a:t>
+                </a:r>
+                <a:r>
+                  <a:rPr lang="en-US" dirty="0" err="1" smtClean="0"/>
+                  <a:t>Catalogue</a:t>
+                </a:r>
+                <a:endParaRPr lang="en-US" dirty="0"/>
+              </a:p>
+            </p:txBody>
+          </p:sp>
+        </p:grpSp>
+        <p:grpSp>
+          <p:nvGrpSpPr>
+            <p:cNvPr id="39" name="Group 38"/>
+            <p:cNvGrpSpPr/>
+            <p:nvPr/>
+          </p:nvGrpSpPr>
+          <p:grpSpPr>
+            <a:xfrm>
+              <a:off x="3742743" y="2624114"/>
+              <a:ext cx="1913730" cy="381000"/>
+              <a:chOff x="6173665" y="3203602"/>
+              <a:chExt cx="1913730" cy="381000"/>
+            </a:xfrm>
+          </p:grpSpPr>
+          <p:sp>
+            <p:nvSpPr>
+              <p:cNvPr id="40" name="Rectangle 39"/>
+              <p:cNvSpPr/>
+              <p:nvPr/>
+            </p:nvSpPr>
+            <p:spPr>
+              <a:xfrm>
+                <a:off x="6173665" y="3203602"/>
+                <a:ext cx="1913730" cy="381000"/>
+              </a:xfrm>
+              <a:prstGeom prst="rect">
+                <a:avLst/>
+              </a:prstGeom>
+              <a:noFill/>
+            </p:spPr>
+            <p:style>
+              <a:lnRef idx="2">
+                <a:schemeClr val="accent1">
+                  <a:shade val="50000"/>
+                </a:schemeClr>
+              </a:lnRef>
+              <a:fillRef idx="1">
+                <a:schemeClr val="accent1"/>
+              </a:fillRef>
+              <a:effectRef idx="0">
+                <a:schemeClr val="accent1"/>
+              </a:effectRef>
+              <a:fontRef idx="minor">
+                <a:schemeClr val="lt1"/>
+              </a:fontRef>
+            </p:style>
+            <p:txBody>
+              <a:bodyPr rtlCol="0" anchor="ctr"/>
+              <a:lstStyle/>
+              <a:p>
+                <a:pPr algn="ctr"/>
+                <a:endParaRPr lang="en-US"/>
+              </a:p>
+            </p:txBody>
+          </p:sp>
+          <p:sp>
+            <p:nvSpPr>
+              <p:cNvPr id="41" name="TextBox 40"/>
+              <p:cNvSpPr txBox="1"/>
+              <p:nvPr/>
+            </p:nvSpPr>
+            <p:spPr>
+              <a:xfrm>
+                <a:off x="6267056" y="3203602"/>
+                <a:ext cx="1726948" cy="369332"/>
+              </a:xfrm>
+              <a:prstGeom prst="rect">
+                <a:avLst/>
+              </a:prstGeom>
+              <a:noFill/>
+            </p:spPr>
+            <p:txBody>
+              <a:bodyPr wrap="none" rtlCol="0">
+                <a:spAutoFit/>
+              </a:bodyPr>
+              <a:lstStyle/>
+              <a:p>
+                <a:pPr algn="ctr"/>
+                <a:r>
+                  <a:rPr lang="en-US" dirty="0" err="1" smtClean="0"/>
+                  <a:t>Oracle</a:t>
+                </a:r>
+                <a:r>
+                  <a:rPr lang="en-US" dirty="0" err="1" smtClean="0"/>
+                  <a:t>Catalogue</a:t>
+                </a:r>
+                <a:endParaRPr lang="en-US" dirty="0"/>
+              </a:p>
+            </p:txBody>
+          </p:sp>
+        </p:grpSp>
+        <p:cxnSp>
+          <p:nvCxnSpPr>
+            <p:cNvPr id="50" name="Elbow Connector 49"/>
+            <p:cNvCxnSpPr>
+              <a:stCxn id="15" idx="3"/>
+              <a:endCxn id="27" idx="0"/>
+            </p:cNvCxnSpPr>
+            <p:nvPr/>
+          </p:nvCxnSpPr>
+          <p:spPr>
+            <a:xfrm rot="16200000" flipH="1">
+              <a:off x="6154875" y="1996543"/>
+              <a:ext cx="313173" cy="956866"/>
+            </a:xfrm>
+            <a:prstGeom prst="bentConnector3">
+              <a:avLst>
+                <a:gd name="adj1" fmla="val 50000"/>
+              </a:avLst>
+            </a:prstGeom>
+          </p:spPr>
+          <p:style>
+            <a:lnRef idx="1">
+              <a:schemeClr val="accent1"/>
+            </a:lnRef>
+            <a:fillRef idx="0">
+              <a:schemeClr val="accent1"/>
+            </a:fillRef>
+            <a:effectRef idx="0">
+              <a:schemeClr val="accent1"/>
+            </a:effectRef>
+            <a:fontRef idx="minor">
+              <a:schemeClr val="tx1"/>
+            </a:fontRef>
+          </p:style>
+        </p:cxnSp>
+        <p:cxnSp>
+          <p:nvCxnSpPr>
+            <p:cNvPr id="51" name="Elbow Connector 50"/>
+            <p:cNvCxnSpPr>
+              <a:stCxn id="15" idx="3"/>
+              <a:endCxn id="40" idx="0"/>
+            </p:cNvCxnSpPr>
+            <p:nvPr/>
+          </p:nvCxnSpPr>
+          <p:spPr>
+            <a:xfrm rot="5400000">
+              <a:off x="5113456" y="1904542"/>
+              <a:ext cx="305724" cy="1133420"/>
+            </a:xfrm>
+            <a:prstGeom prst="bentConnector3">
+              <a:avLst>
+                <a:gd name="adj1" fmla="val 50000"/>
+              </a:avLst>
+            </a:prstGeom>
+          </p:spPr>
+          <p:style>
+            <a:lnRef idx="1">
+              <a:schemeClr val="accent1"/>
+            </a:lnRef>
+            <a:fillRef idx="0">
+              <a:schemeClr val="accent1"/>
+            </a:fillRef>
+            <a:effectRef idx="0">
+              <a:schemeClr val="accent1"/>
+            </a:effectRef>
+            <a:fontRef idx="minor">
+              <a:schemeClr val="tx1"/>
+            </a:fontRef>
+          </p:style>
+        </p:cxnSp>
+        <p:cxnSp>
+          <p:nvCxnSpPr>
+            <p:cNvPr id="52" name="Elbow Connector 51"/>
+            <p:cNvCxnSpPr>
+              <a:stCxn id="15" idx="3"/>
+              <a:endCxn id="34" idx="0"/>
+            </p:cNvCxnSpPr>
+            <p:nvPr/>
+          </p:nvCxnSpPr>
+          <p:spPr>
+            <a:xfrm rot="16200000" flipH="1">
+              <a:off x="7198469" y="952948"/>
+              <a:ext cx="316270" cy="3047153"/>
+            </a:xfrm>
+            <a:prstGeom prst="bentConnector3">
+              <a:avLst>
+                <a:gd name="adj1" fmla="val 50000"/>
+              </a:avLst>
+            </a:prstGeom>
+          </p:spPr>
+          <p:style>
+            <a:lnRef idx="1">
+              <a:schemeClr val="accent1"/>
+            </a:lnRef>
+            <a:fillRef idx="0">
+              <a:schemeClr val="accent1"/>
+            </a:fillRef>
+            <a:effectRef idx="0">
+              <a:schemeClr val="accent1"/>
+            </a:effectRef>
+            <a:fontRef idx="minor">
+              <a:schemeClr val="tx1"/>
+            </a:fontRef>
+          </p:style>
+        </p:cxnSp>
+      </p:grpSp>
+    </p:spTree>
+    <p:extLst>
+      <p:ext uri="{BB962C8B-B14F-4D97-AF65-F5344CB8AC3E}">
+        <p14:creationId xmlns:p14="http://schemas.microsoft.com/office/powerpoint/2010/main" val="1606422824"/>
+      </p:ext>
+    </p:extLst>
+  </p:cSld>
+  <p:clrMapOvr>
+    <a:masterClrMapping/>
+  </p:clrMapOvr>
 </p:sld>
 </file>
 
